--- a/documentation/presentation/Internet of Dogs.pptx
+++ b/documentation/presentation/Internet of Dogs.pptx
@@ -120,7 +120,7 @@
   </p:defaultTextStyle>
   <p:extLst>
     <p:ext uri="{EFAFB233-063F-42B5-8137-9DF3F51BA10A}">
-      <p15:sldGuideLst xmlns:p15="http://schemas.microsoft.com/office/powerpoint/2012/main"/>
+      <p15:sldGuideLst xmlns:p15="http://schemas.microsoft.com/office/powerpoint/2012/main" xmlns=""/>
     </p:ext>
   </p:extLst>
 </p:presentation>
@@ -257,7 +257,8 @@
           <a:p>
             <a:fld id="{6C2070A4-2AB9-48E1-84E5-BC025AD21531}" type="datetimeFigureOut">
               <a:rPr lang="en-GB" smtClean="0"/>
-              <a:t>10/01/2016</a:t>
+              <a:pPr/>
+              <a:t>11/01/2016</a:t>
             </a:fld>
             <a:endParaRPr lang="en-GB"/>
           </a:p>
@@ -299,6 +300,7 @@
           <a:p>
             <a:fld id="{ADE31DAC-8559-41E5-8345-79A258FBE2D4}" type="slidenum">
               <a:rPr lang="en-GB" smtClean="0"/>
+              <a:pPr/>
               <a:t>‹#›</a:t>
             </a:fld>
             <a:endParaRPr lang="en-GB"/>
@@ -308,7 +310,7 @@
     </p:spTree>
     <p:extLst>
       <p:ext uri="{BB962C8B-B14F-4D97-AF65-F5344CB8AC3E}">
-        <p14:creationId xmlns:p14="http://schemas.microsoft.com/office/powerpoint/2010/main" val="414315317"/>
+        <p14:creationId xmlns:p14="http://schemas.microsoft.com/office/powerpoint/2010/main" xmlns="" val="414315317"/>
       </p:ext>
     </p:extLst>
   </p:cSld>
@@ -427,7 +429,8 @@
           <a:p>
             <a:fld id="{6C2070A4-2AB9-48E1-84E5-BC025AD21531}" type="datetimeFigureOut">
               <a:rPr lang="en-GB" smtClean="0"/>
-              <a:t>10/01/2016</a:t>
+              <a:pPr/>
+              <a:t>11/01/2016</a:t>
             </a:fld>
             <a:endParaRPr lang="en-GB"/>
           </a:p>
@@ -469,6 +472,7 @@
           <a:p>
             <a:fld id="{ADE31DAC-8559-41E5-8345-79A258FBE2D4}" type="slidenum">
               <a:rPr lang="en-GB" smtClean="0"/>
+              <a:pPr/>
               <a:t>‹#›</a:t>
             </a:fld>
             <a:endParaRPr lang="en-GB"/>
@@ -478,7 +482,7 @@
     </p:spTree>
     <p:extLst>
       <p:ext uri="{BB962C8B-B14F-4D97-AF65-F5344CB8AC3E}">
-        <p14:creationId xmlns:p14="http://schemas.microsoft.com/office/powerpoint/2010/main" val="627507893"/>
+        <p14:creationId xmlns:p14="http://schemas.microsoft.com/office/powerpoint/2010/main" xmlns="" val="627507893"/>
       </p:ext>
     </p:extLst>
   </p:cSld>
@@ -607,7 +611,8 @@
           <a:p>
             <a:fld id="{6C2070A4-2AB9-48E1-84E5-BC025AD21531}" type="datetimeFigureOut">
               <a:rPr lang="en-GB" smtClean="0"/>
-              <a:t>10/01/2016</a:t>
+              <a:pPr/>
+              <a:t>11/01/2016</a:t>
             </a:fld>
             <a:endParaRPr lang="en-GB"/>
           </a:p>
@@ -649,6 +654,7 @@
           <a:p>
             <a:fld id="{ADE31DAC-8559-41E5-8345-79A258FBE2D4}" type="slidenum">
               <a:rPr lang="en-GB" smtClean="0"/>
+              <a:pPr/>
               <a:t>‹#›</a:t>
             </a:fld>
             <a:endParaRPr lang="en-GB"/>
@@ -658,7 +664,7 @@
     </p:spTree>
     <p:extLst>
       <p:ext uri="{BB962C8B-B14F-4D97-AF65-F5344CB8AC3E}">
-        <p14:creationId xmlns:p14="http://schemas.microsoft.com/office/powerpoint/2010/main" val="3261271762"/>
+        <p14:creationId xmlns:p14="http://schemas.microsoft.com/office/powerpoint/2010/main" xmlns="" val="3261271762"/>
       </p:ext>
     </p:extLst>
   </p:cSld>
@@ -777,7 +783,8 @@
           <a:p>
             <a:fld id="{6C2070A4-2AB9-48E1-84E5-BC025AD21531}" type="datetimeFigureOut">
               <a:rPr lang="en-GB" smtClean="0"/>
-              <a:t>10/01/2016</a:t>
+              <a:pPr/>
+              <a:t>11/01/2016</a:t>
             </a:fld>
             <a:endParaRPr lang="en-GB"/>
           </a:p>
@@ -819,6 +826,7 @@
           <a:p>
             <a:fld id="{ADE31DAC-8559-41E5-8345-79A258FBE2D4}" type="slidenum">
               <a:rPr lang="en-GB" smtClean="0"/>
+              <a:pPr/>
               <a:t>‹#›</a:t>
             </a:fld>
             <a:endParaRPr lang="en-GB"/>
@@ -828,7 +836,7 @@
     </p:spTree>
     <p:extLst>
       <p:ext uri="{BB962C8B-B14F-4D97-AF65-F5344CB8AC3E}">
-        <p14:creationId xmlns:p14="http://schemas.microsoft.com/office/powerpoint/2010/main" val="2655322769"/>
+        <p14:creationId xmlns:p14="http://schemas.microsoft.com/office/powerpoint/2010/main" xmlns="" val="2655322769"/>
       </p:ext>
     </p:extLst>
   </p:cSld>
@@ -1023,7 +1031,8 @@
           <a:p>
             <a:fld id="{6C2070A4-2AB9-48E1-84E5-BC025AD21531}" type="datetimeFigureOut">
               <a:rPr lang="en-GB" smtClean="0"/>
-              <a:t>10/01/2016</a:t>
+              <a:pPr/>
+              <a:t>11/01/2016</a:t>
             </a:fld>
             <a:endParaRPr lang="en-GB"/>
           </a:p>
@@ -1065,6 +1074,7 @@
           <a:p>
             <a:fld id="{ADE31DAC-8559-41E5-8345-79A258FBE2D4}" type="slidenum">
               <a:rPr lang="en-GB" smtClean="0"/>
+              <a:pPr/>
               <a:t>‹#›</a:t>
             </a:fld>
             <a:endParaRPr lang="en-GB"/>
@@ -1074,7 +1084,7 @@
     </p:spTree>
     <p:extLst>
       <p:ext uri="{BB962C8B-B14F-4D97-AF65-F5344CB8AC3E}">
-        <p14:creationId xmlns:p14="http://schemas.microsoft.com/office/powerpoint/2010/main" val="1459600583"/>
+        <p14:creationId xmlns:p14="http://schemas.microsoft.com/office/powerpoint/2010/main" xmlns="" val="1459600583"/>
       </p:ext>
     </p:extLst>
   </p:cSld>
@@ -1255,7 +1265,8 @@
           <a:p>
             <a:fld id="{6C2070A4-2AB9-48E1-84E5-BC025AD21531}" type="datetimeFigureOut">
               <a:rPr lang="en-GB" smtClean="0"/>
-              <a:t>10/01/2016</a:t>
+              <a:pPr/>
+              <a:t>11/01/2016</a:t>
             </a:fld>
             <a:endParaRPr lang="en-GB"/>
           </a:p>
@@ -1297,6 +1308,7 @@
           <a:p>
             <a:fld id="{ADE31DAC-8559-41E5-8345-79A258FBE2D4}" type="slidenum">
               <a:rPr lang="en-GB" smtClean="0"/>
+              <a:pPr/>
               <a:t>‹#›</a:t>
             </a:fld>
             <a:endParaRPr lang="en-GB"/>
@@ -1306,7 +1318,7 @@
     </p:spTree>
     <p:extLst>
       <p:ext uri="{BB962C8B-B14F-4D97-AF65-F5344CB8AC3E}">
-        <p14:creationId xmlns:p14="http://schemas.microsoft.com/office/powerpoint/2010/main" val="3275583135"/>
+        <p14:creationId xmlns:p14="http://schemas.microsoft.com/office/powerpoint/2010/main" xmlns="" val="3275583135"/>
       </p:ext>
     </p:extLst>
   </p:cSld>
@@ -1622,7 +1634,8 @@
           <a:p>
             <a:fld id="{6C2070A4-2AB9-48E1-84E5-BC025AD21531}" type="datetimeFigureOut">
               <a:rPr lang="en-GB" smtClean="0"/>
-              <a:t>10/01/2016</a:t>
+              <a:pPr/>
+              <a:t>11/01/2016</a:t>
             </a:fld>
             <a:endParaRPr lang="en-GB"/>
           </a:p>
@@ -1664,6 +1677,7 @@
           <a:p>
             <a:fld id="{ADE31DAC-8559-41E5-8345-79A258FBE2D4}" type="slidenum">
               <a:rPr lang="en-GB" smtClean="0"/>
+              <a:pPr/>
               <a:t>‹#›</a:t>
             </a:fld>
             <a:endParaRPr lang="en-GB"/>
@@ -1673,7 +1687,7 @@
     </p:spTree>
     <p:extLst>
       <p:ext uri="{BB962C8B-B14F-4D97-AF65-F5344CB8AC3E}">
-        <p14:creationId xmlns:p14="http://schemas.microsoft.com/office/powerpoint/2010/main" val="1463298733"/>
+        <p14:creationId xmlns:p14="http://schemas.microsoft.com/office/powerpoint/2010/main" xmlns="" val="1463298733"/>
       </p:ext>
     </p:extLst>
   </p:cSld>
@@ -1740,7 +1754,8 @@
           <a:p>
             <a:fld id="{6C2070A4-2AB9-48E1-84E5-BC025AD21531}" type="datetimeFigureOut">
               <a:rPr lang="en-GB" smtClean="0"/>
-              <a:t>10/01/2016</a:t>
+              <a:pPr/>
+              <a:t>11/01/2016</a:t>
             </a:fld>
             <a:endParaRPr lang="en-GB"/>
           </a:p>
@@ -1782,6 +1797,7 @@
           <a:p>
             <a:fld id="{ADE31DAC-8559-41E5-8345-79A258FBE2D4}" type="slidenum">
               <a:rPr lang="en-GB" smtClean="0"/>
+              <a:pPr/>
               <a:t>‹#›</a:t>
             </a:fld>
             <a:endParaRPr lang="en-GB"/>
@@ -1791,7 +1807,7 @@
     </p:spTree>
     <p:extLst>
       <p:ext uri="{BB962C8B-B14F-4D97-AF65-F5344CB8AC3E}">
-        <p14:creationId xmlns:p14="http://schemas.microsoft.com/office/powerpoint/2010/main" val="3926653789"/>
+        <p14:creationId xmlns:p14="http://schemas.microsoft.com/office/powerpoint/2010/main" xmlns="" val="3926653789"/>
       </p:ext>
     </p:extLst>
   </p:cSld>
@@ -1835,7 +1851,8 @@
           <a:p>
             <a:fld id="{6C2070A4-2AB9-48E1-84E5-BC025AD21531}" type="datetimeFigureOut">
               <a:rPr lang="en-GB" smtClean="0"/>
-              <a:t>10/01/2016</a:t>
+              <a:pPr/>
+              <a:t>11/01/2016</a:t>
             </a:fld>
             <a:endParaRPr lang="en-GB"/>
           </a:p>
@@ -1877,6 +1894,7 @@
           <a:p>
             <a:fld id="{ADE31DAC-8559-41E5-8345-79A258FBE2D4}" type="slidenum">
               <a:rPr lang="en-GB" smtClean="0"/>
+              <a:pPr/>
               <a:t>‹#›</a:t>
             </a:fld>
             <a:endParaRPr lang="en-GB"/>
@@ -1886,7 +1904,7 @@
     </p:spTree>
     <p:extLst>
       <p:ext uri="{BB962C8B-B14F-4D97-AF65-F5344CB8AC3E}">
-        <p14:creationId xmlns:p14="http://schemas.microsoft.com/office/powerpoint/2010/main" val="1948629782"/>
+        <p14:creationId xmlns:p14="http://schemas.microsoft.com/office/powerpoint/2010/main" xmlns="" val="1948629782"/>
       </p:ext>
     </p:extLst>
   </p:cSld>
@@ -2112,7 +2130,8 @@
           <a:p>
             <a:fld id="{6C2070A4-2AB9-48E1-84E5-BC025AD21531}" type="datetimeFigureOut">
               <a:rPr lang="en-GB" smtClean="0"/>
-              <a:t>10/01/2016</a:t>
+              <a:pPr/>
+              <a:t>11/01/2016</a:t>
             </a:fld>
             <a:endParaRPr lang="en-GB"/>
           </a:p>
@@ -2154,6 +2173,7 @@
           <a:p>
             <a:fld id="{ADE31DAC-8559-41E5-8345-79A258FBE2D4}" type="slidenum">
               <a:rPr lang="en-GB" smtClean="0"/>
+              <a:pPr/>
               <a:t>‹#›</a:t>
             </a:fld>
             <a:endParaRPr lang="en-GB"/>
@@ -2163,7 +2183,7 @@
     </p:spTree>
     <p:extLst>
       <p:ext uri="{BB962C8B-B14F-4D97-AF65-F5344CB8AC3E}">
-        <p14:creationId xmlns:p14="http://schemas.microsoft.com/office/powerpoint/2010/main" val="2361966066"/>
+        <p14:creationId xmlns:p14="http://schemas.microsoft.com/office/powerpoint/2010/main" xmlns="" val="2361966066"/>
       </p:ext>
     </p:extLst>
   </p:cSld>
@@ -2365,7 +2385,8 @@
           <a:p>
             <a:fld id="{6C2070A4-2AB9-48E1-84E5-BC025AD21531}" type="datetimeFigureOut">
               <a:rPr lang="en-GB" smtClean="0"/>
-              <a:t>10/01/2016</a:t>
+              <a:pPr/>
+              <a:t>11/01/2016</a:t>
             </a:fld>
             <a:endParaRPr lang="en-GB"/>
           </a:p>
@@ -2407,6 +2428,7 @@
           <a:p>
             <a:fld id="{ADE31DAC-8559-41E5-8345-79A258FBE2D4}" type="slidenum">
               <a:rPr lang="en-GB" smtClean="0"/>
+              <a:pPr/>
               <a:t>‹#›</a:t>
             </a:fld>
             <a:endParaRPr lang="en-GB"/>
@@ -2416,7 +2438,7 @@
     </p:spTree>
     <p:extLst>
       <p:ext uri="{BB962C8B-B14F-4D97-AF65-F5344CB8AC3E}">
-        <p14:creationId xmlns:p14="http://schemas.microsoft.com/office/powerpoint/2010/main" val="3011896734"/>
+        <p14:creationId xmlns:p14="http://schemas.microsoft.com/office/powerpoint/2010/main" xmlns="" val="3011896734"/>
       </p:ext>
     </p:extLst>
   </p:cSld>
@@ -2578,7 +2600,8 @@
           <a:p>
             <a:fld id="{6C2070A4-2AB9-48E1-84E5-BC025AD21531}" type="datetimeFigureOut">
               <a:rPr lang="en-GB" smtClean="0"/>
-              <a:t>10/01/2016</a:t>
+              <a:pPr/>
+              <a:t>11/01/2016</a:t>
             </a:fld>
             <a:endParaRPr lang="en-GB"/>
           </a:p>
@@ -2656,6 +2679,7 @@
           <a:p>
             <a:fld id="{ADE31DAC-8559-41E5-8345-79A258FBE2D4}" type="slidenum">
               <a:rPr lang="en-GB" smtClean="0"/>
+              <a:pPr/>
               <a:t>‹#›</a:t>
             </a:fld>
             <a:endParaRPr lang="en-GB"/>
@@ -2665,7 +2689,7 @@
     </p:spTree>
     <p:extLst>
       <p:ext uri="{BB962C8B-B14F-4D97-AF65-F5344CB8AC3E}">
-        <p14:creationId xmlns:p14="http://schemas.microsoft.com/office/powerpoint/2010/main" val="3894683272"/>
+        <p14:creationId xmlns:p14="http://schemas.microsoft.com/office/powerpoint/2010/main" xmlns="" val="3894683272"/>
       </p:ext>
     </p:extLst>
   </p:cSld>
@@ -3032,7 +3056,7 @@
     </p:spTree>
     <p:extLst>
       <p:ext uri="{BB962C8B-B14F-4D97-AF65-F5344CB8AC3E}">
-        <p14:creationId xmlns:p14="http://schemas.microsoft.com/office/powerpoint/2010/main" val="908156176"/>
+        <p14:creationId xmlns:p14="http://schemas.microsoft.com/office/powerpoint/2010/main" xmlns="" val="908156176"/>
       </p:ext>
     </p:extLst>
   </p:cSld>
@@ -3153,7 +3177,7 @@
     </p:spTree>
     <p:extLst>
       <p:ext uri="{BB962C8B-B14F-4D97-AF65-F5344CB8AC3E}">
-        <p14:creationId xmlns:p14="http://schemas.microsoft.com/office/powerpoint/2010/main" val="3734369714"/>
+        <p14:creationId xmlns:p14="http://schemas.microsoft.com/office/powerpoint/2010/main" xmlns="" val="3734369714"/>
       </p:ext>
     </p:extLst>
   </p:cSld>
@@ -3355,7 +3379,7 @@
     </p:spTree>
     <p:extLst>
       <p:ext uri="{BB962C8B-B14F-4D97-AF65-F5344CB8AC3E}">
-        <p14:creationId xmlns:p14="http://schemas.microsoft.com/office/powerpoint/2010/main" val="3362556280"/>
+        <p14:creationId xmlns:p14="http://schemas.microsoft.com/office/powerpoint/2010/main" xmlns="" val="3362556280"/>
       </p:ext>
     </p:extLst>
   </p:cSld>
@@ -3424,7 +3448,7 @@
         </p:blipFill>
         <p:spPr bwMode="auto">
           <a:xfrm>
-            <a:off x="7555831" y="1690688"/>
+            <a:off x="7802966" y="1262320"/>
             <a:ext cx="2380999" cy="4559691"/>
           </a:xfrm>
           <a:prstGeom prst="rect">
@@ -3604,7 +3628,7 @@
     </p:spTree>
     <p:extLst>
       <p:ext uri="{BB962C8B-B14F-4D97-AF65-F5344CB8AC3E}">
-        <p14:creationId xmlns:p14="http://schemas.microsoft.com/office/powerpoint/2010/main" val="3083603140"/>
+        <p14:creationId xmlns:p14="http://schemas.microsoft.com/office/powerpoint/2010/main" xmlns="" val="3083603140"/>
       </p:ext>
     </p:extLst>
   </p:cSld>
@@ -3692,7 +3716,7 @@
     </p:spTree>
     <p:extLst>
       <p:ext uri="{BB962C8B-B14F-4D97-AF65-F5344CB8AC3E}">
-        <p14:creationId xmlns:p14="http://schemas.microsoft.com/office/powerpoint/2010/main" val="4091378975"/>
+        <p14:creationId xmlns:p14="http://schemas.microsoft.com/office/powerpoint/2010/main" xmlns="" val="4091378975"/>
       </p:ext>
     </p:extLst>
   </p:cSld>
@@ -3778,7 +3802,7 @@
     </p:spTree>
     <p:extLst>
       <p:ext uri="{BB962C8B-B14F-4D97-AF65-F5344CB8AC3E}">
-        <p14:creationId xmlns:p14="http://schemas.microsoft.com/office/powerpoint/2010/main" val="3107327857"/>
+        <p14:creationId xmlns:p14="http://schemas.microsoft.com/office/powerpoint/2010/main" xmlns="" val="3107327857"/>
       </p:ext>
     </p:extLst>
   </p:cSld>
@@ -3862,7 +3886,7 @@
     </p:spTree>
     <p:extLst>
       <p:ext uri="{BB962C8B-B14F-4D97-AF65-F5344CB8AC3E}">
-        <p14:creationId xmlns:p14="http://schemas.microsoft.com/office/powerpoint/2010/main" val="3681579769"/>
+        <p14:creationId xmlns:p14="http://schemas.microsoft.com/office/powerpoint/2010/main" xmlns="" val="3681579769"/>
       </p:ext>
     </p:extLst>
   </p:cSld>
@@ -3926,7 +3950,7 @@
         <p:spPr>
           <a:xfrm>
             <a:off x="838200" y="1690688"/>
-            <a:ext cx="10515600" cy="4776724"/>
+            <a:ext cx="10515600" cy="4578307"/>
           </a:xfrm>
         </p:spPr>
         <p:txBody>
@@ -3938,7 +3962,31 @@
             </a:pPr>
             <a:r>
               <a:rPr lang="en-US" dirty="0"/>
-              <a:t>Our web application can be described as a social media event based site for dog owners where they can create event that will take place in real life. The activities are of course supposed to include their dogs, and other members of the site can then choose to join events.</a:t>
+              <a:t>Our web application can be described as a social media event based site for dog owners where they can create event that will take place in real life. The activities </a:t>
+            </a:r>
+            <a:r>
+              <a:rPr lang="en-US" dirty="0" smtClean="0"/>
+              <a:t>are supposed </a:t>
+            </a:r>
+            <a:r>
+              <a:rPr lang="en-US" dirty="0"/>
+              <a:t>to include their </a:t>
+            </a:r>
+            <a:r>
+              <a:rPr lang="en-US" dirty="0" smtClean="0"/>
+              <a:t>dogs. </a:t>
+            </a:r>
+            <a:r>
+              <a:rPr lang="en-US" dirty="0" smtClean="0"/>
+              <a:t>Other </a:t>
+            </a:r>
+            <a:r>
+              <a:rPr lang="en-US" dirty="0" smtClean="0"/>
+              <a:t>members </a:t>
+            </a:r>
+            <a:r>
+              <a:rPr lang="en-US" dirty="0"/>
+              <a:t>of the site can then choose to join events.</a:t>
             </a:r>
             <a:endParaRPr lang="en-GB" dirty="0"/>
           </a:p>
@@ -3953,7 +4001,7 @@
     </p:spTree>
     <p:extLst>
       <p:ext uri="{BB962C8B-B14F-4D97-AF65-F5344CB8AC3E}">
-        <p14:creationId xmlns:p14="http://schemas.microsoft.com/office/powerpoint/2010/main" val="3764562394"/>
+        <p14:creationId xmlns:p14="http://schemas.microsoft.com/office/powerpoint/2010/main" xmlns="" val="3764562394"/>
       </p:ext>
     </p:extLst>
   </p:cSld>
@@ -4012,7 +4060,7 @@
     </p:spTree>
     <p:extLst>
       <p:ext uri="{BB962C8B-B14F-4D97-AF65-F5344CB8AC3E}">
-        <p14:creationId xmlns:p14="http://schemas.microsoft.com/office/powerpoint/2010/main" val="4021292497"/>
+        <p14:creationId xmlns:p14="http://schemas.microsoft.com/office/powerpoint/2010/main" xmlns="" val="4021292497"/>
       </p:ext>
     </p:extLst>
   </p:cSld>
@@ -4171,7 +4219,7 @@
     </p:spTree>
     <p:extLst>
       <p:ext uri="{BB962C8B-B14F-4D97-AF65-F5344CB8AC3E}">
-        <p14:creationId xmlns:p14="http://schemas.microsoft.com/office/powerpoint/2010/main" val="1275132802"/>
+        <p14:creationId xmlns:p14="http://schemas.microsoft.com/office/powerpoint/2010/main" xmlns="" val="1275132802"/>
       </p:ext>
     </p:extLst>
   </p:cSld>
@@ -4368,7 +4416,7 @@
     </p:spTree>
     <p:extLst>
       <p:ext uri="{BB962C8B-B14F-4D97-AF65-F5344CB8AC3E}">
-        <p14:creationId xmlns:p14="http://schemas.microsoft.com/office/powerpoint/2010/main" val="1617312003"/>
+        <p14:creationId xmlns:p14="http://schemas.microsoft.com/office/powerpoint/2010/main" xmlns="" val="1617312003"/>
       </p:ext>
     </p:extLst>
   </p:cSld>
@@ -4561,7 +4609,7 @@
     </p:spTree>
     <p:extLst>
       <p:ext uri="{BB962C8B-B14F-4D97-AF65-F5344CB8AC3E}">
-        <p14:creationId xmlns:p14="http://schemas.microsoft.com/office/powerpoint/2010/main" val="1629402377"/>
+        <p14:creationId xmlns:p14="http://schemas.microsoft.com/office/powerpoint/2010/main" xmlns="" val="1629402377"/>
       </p:ext>
     </p:extLst>
   </p:cSld>
@@ -4734,7 +4782,7 @@
     </p:spTree>
     <p:extLst>
       <p:ext uri="{BB962C8B-B14F-4D97-AF65-F5344CB8AC3E}">
-        <p14:creationId xmlns:p14="http://schemas.microsoft.com/office/powerpoint/2010/main" val="317627613"/>
+        <p14:creationId xmlns:p14="http://schemas.microsoft.com/office/powerpoint/2010/main" xmlns="" val="317627613"/>
       </p:ext>
     </p:extLst>
   </p:cSld>
@@ -4907,7 +4955,7 @@
     </p:spTree>
     <p:extLst>
       <p:ext uri="{BB962C8B-B14F-4D97-AF65-F5344CB8AC3E}">
-        <p14:creationId xmlns:p14="http://schemas.microsoft.com/office/powerpoint/2010/main" val="1340726040"/>
+        <p14:creationId xmlns:p14="http://schemas.microsoft.com/office/powerpoint/2010/main" xmlns="" val="1340726040"/>
       </p:ext>
     </p:extLst>
   </p:cSld>
@@ -5099,7 +5147,7 @@
     </p:spTree>
     <p:extLst>
       <p:ext uri="{BB962C8B-B14F-4D97-AF65-F5344CB8AC3E}">
-        <p14:creationId xmlns:p14="http://schemas.microsoft.com/office/powerpoint/2010/main" val="2936994397"/>
+        <p14:creationId xmlns:p14="http://schemas.microsoft.com/office/powerpoint/2010/main" xmlns="" val="2936994397"/>
       </p:ext>
     </p:extLst>
   </p:cSld>
@@ -5152,7 +5200,7 @@
     </a:clrScheme>
     <a:fontScheme name="Office">
       <a:majorFont>
-        <a:latin typeface="Calibri Light" panose="020F0302020204030204"/>
+        <a:latin typeface="Calibri Light"/>
         <a:ea typeface=""/>
         <a:cs typeface=""/>
         <a:font script="Jpan" typeface="游ゴシック Light"/>
@@ -5187,7 +5235,7 @@
         <a:font script="Geor" typeface="Sylfaen"/>
       </a:majorFont>
       <a:minorFont>
-        <a:latin typeface="Calibri" panose="020F0502020204030204"/>
+        <a:latin typeface="Calibri"/>
         <a:ea typeface=""/>
         <a:cs typeface=""/>
         <a:font script="Jpan" typeface="游ゴシック"/>
@@ -5364,7 +5412,7 @@
   <a:extraClrSchemeLst/>
   <a:extLst>
     <a:ext uri="{05A4C25C-085E-4340-85A3-A5531E510DB2}">
-      <thm15:themeFamily xmlns:thm15="http://schemas.microsoft.com/office/thememl/2012/main" name="Office Theme" id="{62F939B6-93AF-4DB8-9C6B-D6C7DFDC589F}" vid="{4A3C46E8-61CC-4603-A589-7422A47A8E4A}"/>
+      <thm15:themeFamily xmlns:thm15="http://schemas.microsoft.com/office/thememl/2012/main" xmlns="" name="Office Theme" id="{62F939B6-93AF-4DB8-9C6B-D6C7DFDC589F}" vid="{4A3C46E8-61CC-4603-A589-7422A47A8E4A}"/>
     </a:ext>
   </a:extLst>
 </a:theme>

--- a/documentation/presentation/Internet of Dogs.pptx
+++ b/documentation/presentation/Internet of Dogs.pptx
@@ -20,6 +20,7 @@
     <p:sldId id="262" r:id="rId14"/>
     <p:sldId id="263" r:id="rId15"/>
     <p:sldId id="264" r:id="rId16"/>
+    <p:sldId id="274" r:id="rId17"/>
   </p:sldIdLst>
   <p:sldSz cx="12192000" cy="6858000"/>
   <p:notesSz cx="6858000" cy="9144000"/>
@@ -120,7 +121,18 @@
   </p:defaultTextStyle>
   <p:extLst>
     <p:ext uri="{EFAFB233-063F-42B5-8137-9DF3F51BA10A}">
-      <p15:sldGuideLst xmlns:p15="http://schemas.microsoft.com/office/powerpoint/2012/main" xmlns=""/>
+      <p15:sldGuideLst xmlns:p15="http://schemas.microsoft.com/office/powerpoint/2012/main">
+        <p15:guide id="1" orient="horz" pos="2160">
+          <p15:clr>
+            <a:srgbClr val="A4A3A4"/>
+          </p15:clr>
+        </p15:guide>
+        <p15:guide id="2" pos="3840">
+          <p15:clr>
+            <a:srgbClr val="A4A3A4"/>
+          </p15:clr>
+        </p15:guide>
+      </p15:sldGuideLst>
     </p:ext>
   </p:extLst>
 </p:presentation>
@@ -310,7 +322,7 @@
     </p:spTree>
     <p:extLst>
       <p:ext uri="{BB962C8B-B14F-4D97-AF65-F5344CB8AC3E}">
-        <p14:creationId xmlns:p14="http://schemas.microsoft.com/office/powerpoint/2010/main" xmlns="" val="414315317"/>
+        <p14:creationId xmlns:p14="http://schemas.microsoft.com/office/powerpoint/2010/main" val="414315317"/>
       </p:ext>
     </p:extLst>
   </p:cSld>
@@ -482,7 +494,7 @@
     </p:spTree>
     <p:extLst>
       <p:ext uri="{BB962C8B-B14F-4D97-AF65-F5344CB8AC3E}">
-        <p14:creationId xmlns:p14="http://schemas.microsoft.com/office/powerpoint/2010/main" xmlns="" val="627507893"/>
+        <p14:creationId xmlns:p14="http://schemas.microsoft.com/office/powerpoint/2010/main" val="627507893"/>
       </p:ext>
     </p:extLst>
   </p:cSld>
@@ -664,7 +676,7 @@
     </p:spTree>
     <p:extLst>
       <p:ext uri="{BB962C8B-B14F-4D97-AF65-F5344CB8AC3E}">
-        <p14:creationId xmlns:p14="http://schemas.microsoft.com/office/powerpoint/2010/main" xmlns="" val="3261271762"/>
+        <p14:creationId xmlns:p14="http://schemas.microsoft.com/office/powerpoint/2010/main" val="3261271762"/>
       </p:ext>
     </p:extLst>
   </p:cSld>
@@ -836,7 +848,7 @@
     </p:spTree>
     <p:extLst>
       <p:ext uri="{BB962C8B-B14F-4D97-AF65-F5344CB8AC3E}">
-        <p14:creationId xmlns:p14="http://schemas.microsoft.com/office/powerpoint/2010/main" xmlns="" val="2655322769"/>
+        <p14:creationId xmlns:p14="http://schemas.microsoft.com/office/powerpoint/2010/main" val="2655322769"/>
       </p:ext>
     </p:extLst>
   </p:cSld>
@@ -1084,7 +1096,7 @@
     </p:spTree>
     <p:extLst>
       <p:ext uri="{BB962C8B-B14F-4D97-AF65-F5344CB8AC3E}">
-        <p14:creationId xmlns:p14="http://schemas.microsoft.com/office/powerpoint/2010/main" xmlns="" val="1459600583"/>
+        <p14:creationId xmlns:p14="http://schemas.microsoft.com/office/powerpoint/2010/main" val="1459600583"/>
       </p:ext>
     </p:extLst>
   </p:cSld>
@@ -1318,7 +1330,7 @@
     </p:spTree>
     <p:extLst>
       <p:ext uri="{BB962C8B-B14F-4D97-AF65-F5344CB8AC3E}">
-        <p14:creationId xmlns:p14="http://schemas.microsoft.com/office/powerpoint/2010/main" xmlns="" val="3275583135"/>
+        <p14:creationId xmlns:p14="http://schemas.microsoft.com/office/powerpoint/2010/main" val="3275583135"/>
       </p:ext>
     </p:extLst>
   </p:cSld>
@@ -1687,7 +1699,7 @@
     </p:spTree>
     <p:extLst>
       <p:ext uri="{BB962C8B-B14F-4D97-AF65-F5344CB8AC3E}">
-        <p14:creationId xmlns:p14="http://schemas.microsoft.com/office/powerpoint/2010/main" xmlns="" val="1463298733"/>
+        <p14:creationId xmlns:p14="http://schemas.microsoft.com/office/powerpoint/2010/main" val="1463298733"/>
       </p:ext>
     </p:extLst>
   </p:cSld>
@@ -1807,7 +1819,7 @@
     </p:spTree>
     <p:extLst>
       <p:ext uri="{BB962C8B-B14F-4D97-AF65-F5344CB8AC3E}">
-        <p14:creationId xmlns:p14="http://schemas.microsoft.com/office/powerpoint/2010/main" xmlns="" val="3926653789"/>
+        <p14:creationId xmlns:p14="http://schemas.microsoft.com/office/powerpoint/2010/main" val="3926653789"/>
       </p:ext>
     </p:extLst>
   </p:cSld>
@@ -1904,7 +1916,7 @@
     </p:spTree>
     <p:extLst>
       <p:ext uri="{BB962C8B-B14F-4D97-AF65-F5344CB8AC3E}">
-        <p14:creationId xmlns:p14="http://schemas.microsoft.com/office/powerpoint/2010/main" xmlns="" val="1948629782"/>
+        <p14:creationId xmlns:p14="http://schemas.microsoft.com/office/powerpoint/2010/main" val="1948629782"/>
       </p:ext>
     </p:extLst>
   </p:cSld>
@@ -2183,7 +2195,7 @@
     </p:spTree>
     <p:extLst>
       <p:ext uri="{BB962C8B-B14F-4D97-AF65-F5344CB8AC3E}">
-        <p14:creationId xmlns:p14="http://schemas.microsoft.com/office/powerpoint/2010/main" xmlns="" val="2361966066"/>
+        <p14:creationId xmlns:p14="http://schemas.microsoft.com/office/powerpoint/2010/main" val="2361966066"/>
       </p:ext>
     </p:extLst>
   </p:cSld>
@@ -2438,7 +2450,7 @@
     </p:spTree>
     <p:extLst>
       <p:ext uri="{BB962C8B-B14F-4D97-AF65-F5344CB8AC3E}">
-        <p14:creationId xmlns:p14="http://schemas.microsoft.com/office/powerpoint/2010/main" xmlns="" val="3011896734"/>
+        <p14:creationId xmlns:p14="http://schemas.microsoft.com/office/powerpoint/2010/main" val="3011896734"/>
       </p:ext>
     </p:extLst>
   </p:cSld>
@@ -2689,7 +2701,7 @@
     </p:spTree>
     <p:extLst>
       <p:ext uri="{BB962C8B-B14F-4D97-AF65-F5344CB8AC3E}">
-        <p14:creationId xmlns:p14="http://schemas.microsoft.com/office/powerpoint/2010/main" xmlns="" val="3894683272"/>
+        <p14:creationId xmlns:p14="http://schemas.microsoft.com/office/powerpoint/2010/main" val="3894683272"/>
       </p:ext>
     </p:extLst>
   </p:cSld>
@@ -3056,7 +3068,7 @@
     </p:spTree>
     <p:extLst>
       <p:ext uri="{BB962C8B-B14F-4D97-AF65-F5344CB8AC3E}">
-        <p14:creationId xmlns:p14="http://schemas.microsoft.com/office/powerpoint/2010/main" xmlns="" val="908156176"/>
+        <p14:creationId xmlns:p14="http://schemas.microsoft.com/office/powerpoint/2010/main" val="908156176"/>
       </p:ext>
     </p:extLst>
   </p:cSld>
@@ -3177,7 +3189,7 @@
     </p:spTree>
     <p:extLst>
       <p:ext uri="{BB962C8B-B14F-4D97-AF65-F5344CB8AC3E}">
-        <p14:creationId xmlns:p14="http://schemas.microsoft.com/office/powerpoint/2010/main" xmlns="" val="3734369714"/>
+        <p14:creationId xmlns:p14="http://schemas.microsoft.com/office/powerpoint/2010/main" val="3734369714"/>
       </p:ext>
     </p:extLst>
   </p:cSld>
@@ -3379,7 +3391,7 @@
     </p:spTree>
     <p:extLst>
       <p:ext uri="{BB962C8B-B14F-4D97-AF65-F5344CB8AC3E}">
-        <p14:creationId xmlns:p14="http://schemas.microsoft.com/office/powerpoint/2010/main" xmlns="" val="3362556280"/>
+        <p14:creationId xmlns:p14="http://schemas.microsoft.com/office/powerpoint/2010/main" val="3362556280"/>
       </p:ext>
     </p:extLst>
   </p:cSld>
@@ -3628,7 +3640,7 @@
     </p:spTree>
     <p:extLst>
       <p:ext uri="{BB962C8B-B14F-4D97-AF65-F5344CB8AC3E}">
-        <p14:creationId xmlns:p14="http://schemas.microsoft.com/office/powerpoint/2010/main" xmlns="" val="3083603140"/>
+        <p14:creationId xmlns:p14="http://schemas.microsoft.com/office/powerpoint/2010/main" val="3083603140"/>
       </p:ext>
     </p:extLst>
   </p:cSld>
@@ -3716,7 +3728,7 @@
     </p:spTree>
     <p:extLst>
       <p:ext uri="{BB962C8B-B14F-4D97-AF65-F5344CB8AC3E}">
-        <p14:creationId xmlns:p14="http://schemas.microsoft.com/office/powerpoint/2010/main" xmlns="" val="4091378975"/>
+        <p14:creationId xmlns:p14="http://schemas.microsoft.com/office/powerpoint/2010/main" val="4091378975"/>
       </p:ext>
     </p:extLst>
   </p:cSld>
@@ -3802,7 +3814,7 @@
     </p:spTree>
     <p:extLst>
       <p:ext uri="{BB962C8B-B14F-4D97-AF65-F5344CB8AC3E}">
-        <p14:creationId xmlns:p14="http://schemas.microsoft.com/office/powerpoint/2010/main" xmlns="" val="3107327857"/>
+        <p14:creationId xmlns:p14="http://schemas.microsoft.com/office/powerpoint/2010/main" val="3107327857"/>
       </p:ext>
     </p:extLst>
   </p:cSld>
@@ -3886,7 +3898,127 @@
     </p:spTree>
     <p:extLst>
       <p:ext uri="{BB962C8B-B14F-4D97-AF65-F5344CB8AC3E}">
-        <p14:creationId xmlns:p14="http://schemas.microsoft.com/office/powerpoint/2010/main" xmlns="" val="3681579769"/>
+        <p14:creationId xmlns:p14="http://schemas.microsoft.com/office/powerpoint/2010/main" val="3681579769"/>
+      </p:ext>
+    </p:extLst>
+  </p:cSld>
+  <p:clrMapOvr>
+    <a:masterClrMapping/>
+  </p:clrMapOvr>
+</p:sld>
+</file>
+
+<file path=ppt/slides/slide16.xml><?xml version="1.0" encoding="utf-8"?>
+<p:sld xmlns:a="http://schemas.openxmlformats.org/drawingml/2006/main" xmlns:r="http://schemas.openxmlformats.org/officeDocument/2006/relationships" xmlns:p="http://schemas.openxmlformats.org/presentationml/2006/main">
+  <p:cSld>
+    <p:spTree>
+      <p:nvGrpSpPr>
+        <p:cNvPr id="1" name=""/>
+        <p:cNvGrpSpPr/>
+        <p:nvPr/>
+      </p:nvGrpSpPr>
+      <p:grpSpPr>
+        <a:xfrm>
+          <a:off x="0" y="0"/>
+          <a:ext cx="0" cy="0"/>
+          <a:chOff x="0" y="0"/>
+          <a:chExt cx="0" cy="0"/>
+        </a:xfrm>
+      </p:grpSpPr>
+      <p:sp>
+        <p:nvSpPr>
+          <p:cNvPr id="2" name="Rubrik 1"/>
+          <p:cNvSpPr>
+            <a:spLocks noGrp="1"/>
+          </p:cNvSpPr>
+          <p:nvPr>
+            <p:ph type="title"/>
+          </p:nvPr>
+        </p:nvSpPr>
+        <p:spPr/>
+        <p:txBody>
+          <a:bodyPr/>
+          <a:lstStyle/>
+          <a:p>
+            <a:pPr algn="ctr"/>
+            <a:r>
+              <a:rPr lang="en-GB" dirty="0"/>
+              <a:t>Technologies</a:t>
+            </a:r>
+          </a:p>
+        </p:txBody>
+      </p:sp>
+      <p:sp>
+        <p:nvSpPr>
+          <p:cNvPr id="3" name="Platshållare för innehåll 2"/>
+          <p:cNvSpPr>
+            <a:spLocks noGrp="1"/>
+          </p:cNvSpPr>
+          <p:nvPr>
+            <p:ph idx="1"/>
+          </p:nvPr>
+        </p:nvSpPr>
+        <p:spPr/>
+        <p:txBody>
+          <a:bodyPr/>
+          <a:lstStyle/>
+          <a:p>
+            <a:r>
+              <a:rPr lang="sv-SE" dirty="0" smtClean="0"/>
+              <a:t>CSS</a:t>
+            </a:r>
+          </a:p>
+          <a:p>
+            <a:r>
+              <a:rPr lang="sv-SE" dirty="0" smtClean="0"/>
+              <a:t>HTML</a:t>
+            </a:r>
+          </a:p>
+          <a:p>
+            <a:r>
+              <a:rPr lang="sv-SE" dirty="0" smtClean="0"/>
+              <a:t>JavaScript</a:t>
+            </a:r>
+          </a:p>
+          <a:p>
+            <a:r>
+              <a:rPr lang="sv-SE" dirty="0" smtClean="0"/>
+              <a:t>JSF</a:t>
+            </a:r>
+          </a:p>
+          <a:p>
+            <a:r>
+              <a:rPr lang="sv-SE" dirty="0"/>
+              <a:t>Cloudant </a:t>
+            </a:r>
+            <a:r>
+              <a:rPr lang="sv-SE" dirty="0" smtClean="0"/>
+              <a:t>- </a:t>
+            </a:r>
+            <a:r>
+              <a:rPr lang="sv-SE" dirty="0" err="1" smtClean="0"/>
+              <a:t>noSQL</a:t>
+            </a:r>
+            <a:endParaRPr lang="sv-SE" dirty="0" smtClean="0"/>
+          </a:p>
+          <a:p>
+            <a:r>
+              <a:rPr lang="sv-SE" dirty="0" smtClean="0"/>
+              <a:t>DB2 – SQL</a:t>
+            </a:r>
+          </a:p>
+          <a:p>
+            <a:pPr marL="0" indent="0">
+              <a:buNone/>
+            </a:pPr>
+            <a:endParaRPr lang="en-GB" dirty="0"/>
+          </a:p>
+        </p:txBody>
+      </p:sp>
+    </p:spTree>
+    <p:extLst>
+      <p:ext uri="{BB962C8B-B14F-4D97-AF65-F5344CB8AC3E}">
+        <p14:creationId xmlns:p14="http://schemas.microsoft.com/office/powerpoint/2010/main" val="2820131871"/>
       </p:ext>
     </p:extLst>
   </p:cSld>
@@ -3974,15 +4106,7 @@
             </a:r>
             <a:r>
               <a:rPr lang="en-US" dirty="0" smtClean="0"/>
-              <a:t>dogs. </a:t>
-            </a:r>
-            <a:r>
-              <a:rPr lang="en-US" dirty="0" smtClean="0"/>
-              <a:t>Other </a:t>
-            </a:r>
-            <a:r>
-              <a:rPr lang="en-US" dirty="0" smtClean="0"/>
-              <a:t>members </a:t>
+              <a:t>dogs. Other members </a:t>
             </a:r>
             <a:r>
               <a:rPr lang="en-US" dirty="0"/>
@@ -4001,7 +4125,7 @@
     </p:spTree>
     <p:extLst>
       <p:ext uri="{BB962C8B-B14F-4D97-AF65-F5344CB8AC3E}">
-        <p14:creationId xmlns:p14="http://schemas.microsoft.com/office/powerpoint/2010/main" xmlns="" val="3764562394"/>
+        <p14:creationId xmlns:p14="http://schemas.microsoft.com/office/powerpoint/2010/main" val="3764562394"/>
       </p:ext>
     </p:extLst>
   </p:cSld>
@@ -4060,7 +4184,7 @@
     </p:spTree>
     <p:extLst>
       <p:ext uri="{BB962C8B-B14F-4D97-AF65-F5344CB8AC3E}">
-        <p14:creationId xmlns:p14="http://schemas.microsoft.com/office/powerpoint/2010/main" xmlns="" val="4021292497"/>
+        <p14:creationId xmlns:p14="http://schemas.microsoft.com/office/powerpoint/2010/main" val="4021292497"/>
       </p:ext>
     </p:extLst>
   </p:cSld>
@@ -4219,7 +4343,7 @@
     </p:spTree>
     <p:extLst>
       <p:ext uri="{BB962C8B-B14F-4D97-AF65-F5344CB8AC3E}">
-        <p14:creationId xmlns:p14="http://schemas.microsoft.com/office/powerpoint/2010/main" xmlns="" val="1275132802"/>
+        <p14:creationId xmlns:p14="http://schemas.microsoft.com/office/powerpoint/2010/main" val="1275132802"/>
       </p:ext>
     </p:extLst>
   </p:cSld>
@@ -4416,7 +4540,7 @@
     </p:spTree>
     <p:extLst>
       <p:ext uri="{BB962C8B-B14F-4D97-AF65-F5344CB8AC3E}">
-        <p14:creationId xmlns:p14="http://schemas.microsoft.com/office/powerpoint/2010/main" xmlns="" val="1617312003"/>
+        <p14:creationId xmlns:p14="http://schemas.microsoft.com/office/powerpoint/2010/main" val="1617312003"/>
       </p:ext>
     </p:extLst>
   </p:cSld>
@@ -4609,7 +4733,7 @@
     </p:spTree>
     <p:extLst>
       <p:ext uri="{BB962C8B-B14F-4D97-AF65-F5344CB8AC3E}">
-        <p14:creationId xmlns:p14="http://schemas.microsoft.com/office/powerpoint/2010/main" xmlns="" val="1629402377"/>
+        <p14:creationId xmlns:p14="http://schemas.microsoft.com/office/powerpoint/2010/main" val="1629402377"/>
       </p:ext>
     </p:extLst>
   </p:cSld>
@@ -4782,7 +4906,7 @@
     </p:spTree>
     <p:extLst>
       <p:ext uri="{BB962C8B-B14F-4D97-AF65-F5344CB8AC3E}">
-        <p14:creationId xmlns:p14="http://schemas.microsoft.com/office/powerpoint/2010/main" xmlns="" val="317627613"/>
+        <p14:creationId xmlns:p14="http://schemas.microsoft.com/office/powerpoint/2010/main" val="317627613"/>
       </p:ext>
     </p:extLst>
   </p:cSld>
@@ -4955,7 +5079,7 @@
     </p:spTree>
     <p:extLst>
       <p:ext uri="{BB962C8B-B14F-4D97-AF65-F5344CB8AC3E}">
-        <p14:creationId xmlns:p14="http://schemas.microsoft.com/office/powerpoint/2010/main" xmlns="" val="1340726040"/>
+        <p14:creationId xmlns:p14="http://schemas.microsoft.com/office/powerpoint/2010/main" val="1340726040"/>
       </p:ext>
     </p:extLst>
   </p:cSld>
@@ -5147,7 +5271,7 @@
     </p:spTree>
     <p:extLst>
       <p:ext uri="{BB962C8B-B14F-4D97-AF65-F5344CB8AC3E}">
-        <p14:creationId xmlns:p14="http://schemas.microsoft.com/office/powerpoint/2010/main" xmlns="" val="2936994397"/>
+        <p14:creationId xmlns:p14="http://schemas.microsoft.com/office/powerpoint/2010/main" val="2936994397"/>
       </p:ext>
     </p:extLst>
   </p:cSld>
@@ -5412,7 +5536,7 @@
   <a:extraClrSchemeLst/>
   <a:extLst>
     <a:ext uri="{05A4C25C-085E-4340-85A3-A5531E510DB2}">
-      <thm15:themeFamily xmlns:thm15="http://schemas.microsoft.com/office/thememl/2012/main" xmlns="" name="Office Theme" id="{62F939B6-93AF-4DB8-9C6B-D6C7DFDC589F}" vid="{4A3C46E8-61CC-4603-A589-7422A47A8E4A}"/>
+      <thm15:themeFamily xmlns:thm15="http://schemas.microsoft.com/office/thememl/2012/main" name="Office Theme" id="{62F939B6-93AF-4DB8-9C6B-D6C7DFDC589F}" vid="{4A3C46E8-61CC-4603-A589-7422A47A8E4A}"/>
     </a:ext>
   </a:extLst>
 </a:theme>

--- a/documentation/presentation/Internet of Dogs.pptx
+++ b/documentation/presentation/Internet of Dogs.pptx
@@ -7,20 +7,20 @@
   <p:sldIdLst>
     <p:sldId id="256" r:id="rId2"/>
     <p:sldId id="257" r:id="rId3"/>
-    <p:sldId id="265" r:id="rId4"/>
-    <p:sldId id="267" r:id="rId5"/>
-    <p:sldId id="266" r:id="rId6"/>
-    <p:sldId id="268" r:id="rId7"/>
-    <p:sldId id="269" r:id="rId8"/>
-    <p:sldId id="270" r:id="rId9"/>
-    <p:sldId id="271" r:id="rId10"/>
-    <p:sldId id="272" r:id="rId11"/>
-    <p:sldId id="273" r:id="rId12"/>
-    <p:sldId id="260" r:id="rId13"/>
-    <p:sldId id="262" r:id="rId14"/>
-    <p:sldId id="263" r:id="rId15"/>
-    <p:sldId id="264" r:id="rId16"/>
-    <p:sldId id="274" r:id="rId17"/>
+    <p:sldId id="274" r:id="rId4"/>
+    <p:sldId id="265" r:id="rId5"/>
+    <p:sldId id="267" r:id="rId6"/>
+    <p:sldId id="266" r:id="rId7"/>
+    <p:sldId id="268" r:id="rId8"/>
+    <p:sldId id="269" r:id="rId9"/>
+    <p:sldId id="270" r:id="rId10"/>
+    <p:sldId id="271" r:id="rId11"/>
+    <p:sldId id="272" r:id="rId12"/>
+    <p:sldId id="273" r:id="rId13"/>
+    <p:sldId id="260" r:id="rId14"/>
+    <p:sldId id="262" r:id="rId15"/>
+    <p:sldId id="263" r:id="rId16"/>
+    <p:sldId id="264" r:id="rId17"/>
   </p:sldIdLst>
   <p:sldSz cx="12192000" cy="6858000"/>
   <p:notesSz cx="6858000" cy="9144000"/>
@@ -3107,22 +3107,95 @@
         </p:nvSpPr>
         <p:spPr>
           <a:xfrm>
-            <a:off x="838200" y="641684"/>
-            <a:ext cx="10515600" cy="5535279"/>
+            <a:off x="838200" y="449179"/>
+            <a:ext cx="10515600" cy="5727784"/>
           </a:xfrm>
         </p:spPr>
         <p:txBody>
-          <a:bodyPr>
-            <a:normAutofit/>
-          </a:bodyPr>
-          <a:lstStyle/>
-          <a:p>
-            <a:pPr marL="0" indent="0">
-              <a:buNone/>
-            </a:pPr>
+          <a:bodyPr/>
+          <a:lstStyle/>
+          <a:p>
+            <a:pPr marL="0" indent="0">
+              <a:buNone/>
+            </a:pPr>
+            <a:r>
+              <a:rPr lang="en-US" b="1" dirty="0" smtClean="0"/>
+              <a:t>FR1.11</a:t>
+            </a:r>
+            <a:r>
+              <a:rPr lang="en-GB" b="1" dirty="0" smtClean="0"/>
+              <a:t/>
+            </a:r>
+            <a:br>
+              <a:rPr lang="en-GB" b="1" dirty="0" smtClean="0"/>
+            </a:br>
+            <a:r>
+              <a:rPr lang="en-US" b="1" dirty="0" smtClean="0"/>
+              <a:t>Title</a:t>
+            </a:r>
             <a:r>
               <a:rPr lang="en-US" b="1" dirty="0"/>
-              <a:t>FR1.13</a:t>
+              <a:t>:</a:t>
+            </a:r>
+            <a:r>
+              <a:rPr lang="en-US" dirty="0"/>
+              <a:t>  Approve join </a:t>
+            </a:r>
+            <a:r>
+              <a:rPr lang="en-US" dirty="0" smtClean="0"/>
+              <a:t>request</a:t>
+            </a:r>
+            <a:endParaRPr lang="en-GB" dirty="0" smtClean="0"/>
+          </a:p>
+          <a:p>
+            <a:pPr marL="0" indent="0">
+              <a:buNone/>
+            </a:pPr>
+            <a:r>
+              <a:rPr lang="en-US" b="1" dirty="0" smtClean="0"/>
+              <a:t>Description: </a:t>
+            </a:r>
+            <a:r>
+              <a:rPr lang="en-US" dirty="0" smtClean="0"/>
+              <a:t> A registered and signed in user should be able to approve or decline request from other users to join his/her event.</a:t>
+            </a:r>
+            <a:endParaRPr lang="en-GB" dirty="0" smtClean="0"/>
+          </a:p>
+          <a:p>
+            <a:pPr marL="0" indent="0">
+              <a:buNone/>
+            </a:pPr>
+            <a:r>
+              <a:rPr lang="en-US" b="1" dirty="0" smtClean="0"/>
+              <a:t>Dependency</a:t>
+            </a:r>
+            <a:r>
+              <a:rPr lang="en-US" b="1" dirty="0"/>
+              <a:t>: </a:t>
+            </a:r>
+            <a:r>
+              <a:rPr lang="en-US" dirty="0"/>
+              <a:t>1.1, 1.2, 1.6, 1.10</a:t>
+            </a:r>
+            <a:endParaRPr lang="en-GB" dirty="0"/>
+          </a:p>
+          <a:p>
+            <a:pPr marL="0" indent="0">
+              <a:buNone/>
+            </a:pPr>
+            <a:r>
+              <a:rPr lang="en-US" dirty="0"/>
+              <a:t> </a:t>
+            </a:r>
+            <a:endParaRPr lang="en-GB" dirty="0"/>
+          </a:p>
+          <a:p>
+            <a:pPr marL="0" indent="0">
+              <a:buNone/>
+            </a:pPr>
+            <a:r>
+              <a:rPr lang="en-US" b="1" dirty="0"/>
+              <a:t>FR1.12</a:t>
             </a:r>
             <a:endParaRPr lang="en-GB" b="1" dirty="0"/>
           </a:p>
@@ -3136,7 +3209,7 @@
             </a:r>
             <a:r>
               <a:rPr lang="en-US" dirty="0"/>
-              <a:t>  Leave event</a:t>
+              <a:t>  Comment on event</a:t>
             </a:r>
             <a:endParaRPr lang="en-GB" dirty="0"/>
           </a:p>
@@ -3150,7 +3223,15 @@
             </a:r>
             <a:r>
               <a:rPr lang="en-US" dirty="0"/>
-              <a:t> A registered and signed in that has joined another users event should be able to leave the event if desired.</a:t>
+              <a:t> A registered and signed in user that has joined an </a:t>
+            </a:r>
+            <a:r>
+              <a:rPr lang="en-US" dirty="0" smtClean="0"/>
+              <a:t>event should </a:t>
+            </a:r>
+            <a:r>
+              <a:rPr lang="en-US" dirty="0"/>
+              <a:t>be able to post comments on that event.</a:t>
             </a:r>
             <a:endParaRPr lang="en-GB" dirty="0"/>
           </a:p>
@@ -3164,17 +3245,7 @@
             </a:r>
             <a:r>
               <a:rPr lang="en-US" dirty="0"/>
-              <a:t>1.1, 1.2, 1.6, 1.10</a:t>
-            </a:r>
-            <a:endParaRPr lang="en-GB" dirty="0"/>
-          </a:p>
-          <a:p>
-            <a:pPr marL="0" indent="0">
-              <a:buNone/>
-            </a:pPr>
-            <a:r>
-              <a:rPr lang="en-US" dirty="0"/>
-              <a:t> </a:t>
+              <a:t>1.1, 1.2, 1.6, 1.10, 1.11</a:t>
             </a:r>
             <a:endParaRPr lang="en-GB" dirty="0"/>
           </a:p>
@@ -3189,7 +3260,7 @@
     </p:spTree>
     <p:extLst>
       <p:ext uri="{BB962C8B-B14F-4D97-AF65-F5344CB8AC3E}">
-        <p14:creationId xmlns:p14="http://schemas.microsoft.com/office/powerpoint/2010/main" val="3734369714"/>
+        <p14:creationId xmlns:p14="http://schemas.microsoft.com/office/powerpoint/2010/main" val="2936994397"/>
       </p:ext>
     </p:extLst>
   </p:cSld>
@@ -3228,13 +3299,13 @@
         </p:nvSpPr>
         <p:spPr>
           <a:xfrm>
-            <a:off x="838200" y="385011"/>
-            <a:ext cx="10515600" cy="5791952"/>
+            <a:off x="838200" y="641684"/>
+            <a:ext cx="10515600" cy="5535279"/>
           </a:xfrm>
         </p:spPr>
         <p:txBody>
           <a:bodyPr>
-            <a:normAutofit fontScale="92500" lnSpcReduction="20000"/>
+            <a:normAutofit/>
           </a:bodyPr>
           <a:lstStyle/>
           <a:p>
@@ -3243,7 +3314,7 @@
             </a:pPr>
             <a:r>
               <a:rPr lang="en-US" b="1" dirty="0"/>
-              <a:t>FR1.14</a:t>
+              <a:t>FR1.13</a:t>
             </a:r>
             <a:endParaRPr lang="en-GB" b="1" dirty="0"/>
           </a:p>
@@ -3257,7 +3328,7 @@
             </a:r>
             <a:r>
               <a:rPr lang="en-US" dirty="0"/>
-              <a:t>  Notifications</a:t>
+              <a:t>  Leave event</a:t>
             </a:r>
             <a:endParaRPr lang="en-GB" dirty="0"/>
           </a:p>
@@ -3271,7 +3342,21 @@
             </a:r>
             <a:r>
               <a:rPr lang="en-US" dirty="0"/>
-              <a:t> A registered and signed in users should see notifications if things have happened. The following event should trigger a notification.</a:t>
+              <a:t> A registered and signed in that has joined another users event should be able to leave the event if desired.</a:t>
+            </a:r>
+            <a:endParaRPr lang="en-GB" dirty="0"/>
+          </a:p>
+          <a:p>
+            <a:pPr marL="0" indent="0">
+              <a:buNone/>
+            </a:pPr>
+            <a:r>
+              <a:rPr lang="en-US" b="1" dirty="0"/>
+              <a:t>Dependency: </a:t>
+            </a:r>
+            <a:r>
+              <a:rPr lang="en-US" dirty="0"/>
+              <a:t>1.1, 1.2, 1.6, 1.10</a:t>
             </a:r>
             <a:endParaRPr lang="en-GB" dirty="0"/>
           </a:p>
@@ -3286,104 +3371,9 @@
             <a:endParaRPr lang="en-GB" dirty="0"/>
           </a:p>
           <a:p>
-            <a:pPr marL="0" lvl="0" indent="0">
-              <a:buNone/>
-            </a:pPr>
-            <a:r>
-              <a:rPr lang="en-US" dirty="0"/>
-              <a:t>A user has requested to join your event.</a:t>
-            </a:r>
-            <a:endParaRPr lang="en-GB" dirty="0"/>
-          </a:p>
-          <a:p>
-            <a:pPr marL="0" lvl="0" indent="0">
-              <a:buNone/>
-            </a:pPr>
-            <a:r>
-              <a:rPr lang="en-US" dirty="0"/>
-              <a:t>Join event request has been approved or declined.</a:t>
-            </a:r>
-            <a:endParaRPr lang="en-GB" dirty="0"/>
-          </a:p>
-          <a:p>
-            <a:pPr marL="0" lvl="0" indent="0">
-              <a:buNone/>
-            </a:pPr>
-            <a:r>
-              <a:rPr lang="en-US" dirty="0"/>
-              <a:t>Joined event has been updated.</a:t>
-            </a:r>
-            <a:endParaRPr lang="en-GB" dirty="0"/>
-          </a:p>
-          <a:p>
-            <a:pPr marL="0" lvl="0" indent="0">
-              <a:buNone/>
-            </a:pPr>
-            <a:r>
-              <a:rPr lang="en-US" dirty="0"/>
-              <a:t>Joined event has been cancelled.</a:t>
-            </a:r>
-            <a:endParaRPr lang="en-GB" dirty="0"/>
-          </a:p>
-          <a:p>
-            <a:pPr marL="0" lvl="0" indent="0">
-              <a:buNone/>
-            </a:pPr>
-            <a:r>
-              <a:rPr lang="en-US" dirty="0"/>
-              <a:t>Comment posted on joined or own event</a:t>
-            </a:r>
-            <a:r>
-              <a:rPr lang="en-US" dirty="0" smtClean="0"/>
-              <a:t>.</a:t>
-            </a:r>
-            <a:endParaRPr lang="en-GB" dirty="0" smtClean="0"/>
-          </a:p>
-          <a:p>
-            <a:pPr marL="0" lvl="0" indent="0">
-              <a:buNone/>
-            </a:pPr>
-            <a:r>
-              <a:rPr lang="en-US" dirty="0"/>
-              <a:t> </a:t>
-            </a:r>
-            <a:endParaRPr lang="en-GB" dirty="0"/>
-          </a:p>
-          <a:p>
-            <a:pPr marL="0" indent="0">
-              <a:buNone/>
-            </a:pPr>
-            <a:r>
-              <a:rPr lang="en-US" dirty="0"/>
-              <a:t>Notifications should be marked as read once they have been viewed.</a:t>
-            </a:r>
-            <a:endParaRPr lang="en-GB" dirty="0"/>
-          </a:p>
-          <a:p>
-            <a:pPr marL="0" indent="0">
-              <a:buNone/>
-            </a:pPr>
-            <a:r>
-              <a:rPr lang="en-US" dirty="0"/>
-              <a:t> </a:t>
-            </a:r>
-            <a:endParaRPr lang="en-GB" dirty="0"/>
-          </a:p>
-          <a:p>
-            <a:pPr marL="0" indent="0">
-              <a:buNone/>
-            </a:pPr>
-            <a:r>
-              <a:rPr lang="en-US" b="1" dirty="0"/>
-              <a:t>Dependency: </a:t>
-            </a:r>
-            <a:r>
-              <a:rPr lang="en-US" dirty="0"/>
-              <a:t>1.1, 1.2</a:t>
-            </a:r>
-            <a:endParaRPr lang="en-GB" dirty="0"/>
-          </a:p>
-          <a:p>
+            <a:pPr marL="0" indent="0">
+              <a:buNone/>
+            </a:pPr>
             <a:endParaRPr lang="en-GB" dirty="0"/>
           </a:p>
         </p:txBody>
@@ -3391,7 +3381,7 @@
     </p:spTree>
     <p:extLst>
       <p:ext uri="{BB962C8B-B14F-4D97-AF65-F5344CB8AC3E}">
-        <p14:creationId xmlns:p14="http://schemas.microsoft.com/office/powerpoint/2010/main" val="3362556280"/>
+        <p14:creationId xmlns:p14="http://schemas.microsoft.com/office/powerpoint/2010/main" val="3734369714"/>
       </p:ext>
     </p:extLst>
   </p:cSld>
@@ -3420,6 +3410,208 @@
       </p:grpSpPr>
       <p:sp>
         <p:nvSpPr>
+          <p:cNvPr id="3" name="Platshållare för innehåll 2"/>
+          <p:cNvSpPr>
+            <a:spLocks noGrp="1"/>
+          </p:cNvSpPr>
+          <p:nvPr>
+            <p:ph idx="1"/>
+          </p:nvPr>
+        </p:nvSpPr>
+        <p:spPr>
+          <a:xfrm>
+            <a:off x="838200" y="385011"/>
+            <a:ext cx="10515600" cy="5791952"/>
+          </a:xfrm>
+        </p:spPr>
+        <p:txBody>
+          <a:bodyPr>
+            <a:normAutofit fontScale="92500" lnSpcReduction="20000"/>
+          </a:bodyPr>
+          <a:lstStyle/>
+          <a:p>
+            <a:pPr marL="0" indent="0">
+              <a:buNone/>
+            </a:pPr>
+            <a:r>
+              <a:rPr lang="en-US" b="1" dirty="0"/>
+              <a:t>FR1.14</a:t>
+            </a:r>
+            <a:endParaRPr lang="en-GB" b="1" dirty="0"/>
+          </a:p>
+          <a:p>
+            <a:pPr marL="0" indent="0">
+              <a:buNone/>
+            </a:pPr>
+            <a:r>
+              <a:rPr lang="en-US" b="1" dirty="0"/>
+              <a:t>Title:</a:t>
+            </a:r>
+            <a:r>
+              <a:rPr lang="en-US" dirty="0"/>
+              <a:t>  Notifications</a:t>
+            </a:r>
+            <a:endParaRPr lang="en-GB" dirty="0"/>
+          </a:p>
+          <a:p>
+            <a:pPr marL="0" indent="0">
+              <a:buNone/>
+            </a:pPr>
+            <a:r>
+              <a:rPr lang="en-US" b="1" dirty="0"/>
+              <a:t>Description: </a:t>
+            </a:r>
+            <a:r>
+              <a:rPr lang="en-US" dirty="0"/>
+              <a:t> A registered and signed in users should see notifications if things have happened. The following event should trigger a notification.</a:t>
+            </a:r>
+            <a:endParaRPr lang="en-GB" dirty="0"/>
+          </a:p>
+          <a:p>
+            <a:pPr marL="0" indent="0">
+              <a:buNone/>
+            </a:pPr>
+            <a:r>
+              <a:rPr lang="en-US" dirty="0"/>
+              <a:t> </a:t>
+            </a:r>
+            <a:endParaRPr lang="en-GB" dirty="0"/>
+          </a:p>
+          <a:p>
+            <a:pPr marL="0" lvl="0" indent="0">
+              <a:buNone/>
+            </a:pPr>
+            <a:r>
+              <a:rPr lang="en-US" dirty="0"/>
+              <a:t>A user has requested to join your event.</a:t>
+            </a:r>
+            <a:endParaRPr lang="en-GB" dirty="0"/>
+          </a:p>
+          <a:p>
+            <a:pPr marL="0" lvl="0" indent="0">
+              <a:buNone/>
+            </a:pPr>
+            <a:r>
+              <a:rPr lang="en-US" dirty="0"/>
+              <a:t>Join event request has been approved or declined.</a:t>
+            </a:r>
+            <a:endParaRPr lang="en-GB" dirty="0"/>
+          </a:p>
+          <a:p>
+            <a:pPr marL="0" lvl="0" indent="0">
+              <a:buNone/>
+            </a:pPr>
+            <a:r>
+              <a:rPr lang="en-US" dirty="0"/>
+              <a:t>Joined event has been updated.</a:t>
+            </a:r>
+            <a:endParaRPr lang="en-GB" dirty="0"/>
+          </a:p>
+          <a:p>
+            <a:pPr marL="0" lvl="0" indent="0">
+              <a:buNone/>
+            </a:pPr>
+            <a:r>
+              <a:rPr lang="en-US" dirty="0"/>
+              <a:t>Joined event has been cancelled.</a:t>
+            </a:r>
+            <a:endParaRPr lang="en-GB" dirty="0"/>
+          </a:p>
+          <a:p>
+            <a:pPr marL="0" lvl="0" indent="0">
+              <a:buNone/>
+            </a:pPr>
+            <a:r>
+              <a:rPr lang="en-US" dirty="0"/>
+              <a:t>Comment posted on joined or own event</a:t>
+            </a:r>
+            <a:r>
+              <a:rPr lang="en-US" dirty="0" smtClean="0"/>
+              <a:t>.</a:t>
+            </a:r>
+            <a:endParaRPr lang="en-GB" dirty="0" smtClean="0"/>
+          </a:p>
+          <a:p>
+            <a:pPr marL="0" lvl="0" indent="0">
+              <a:buNone/>
+            </a:pPr>
+            <a:r>
+              <a:rPr lang="en-US" dirty="0"/>
+              <a:t> </a:t>
+            </a:r>
+            <a:endParaRPr lang="en-GB" dirty="0"/>
+          </a:p>
+          <a:p>
+            <a:pPr marL="0" indent="0">
+              <a:buNone/>
+            </a:pPr>
+            <a:r>
+              <a:rPr lang="en-US" dirty="0"/>
+              <a:t>Notifications should be marked as read once they have been viewed.</a:t>
+            </a:r>
+            <a:endParaRPr lang="en-GB" dirty="0"/>
+          </a:p>
+          <a:p>
+            <a:pPr marL="0" indent="0">
+              <a:buNone/>
+            </a:pPr>
+            <a:r>
+              <a:rPr lang="en-US" dirty="0"/>
+              <a:t> </a:t>
+            </a:r>
+            <a:endParaRPr lang="en-GB" dirty="0"/>
+          </a:p>
+          <a:p>
+            <a:pPr marL="0" indent="0">
+              <a:buNone/>
+            </a:pPr>
+            <a:r>
+              <a:rPr lang="en-US" b="1" dirty="0"/>
+              <a:t>Dependency: </a:t>
+            </a:r>
+            <a:r>
+              <a:rPr lang="en-US" dirty="0"/>
+              <a:t>1.1, 1.2</a:t>
+            </a:r>
+            <a:endParaRPr lang="en-GB" dirty="0"/>
+          </a:p>
+          <a:p>
+            <a:endParaRPr lang="en-GB" dirty="0"/>
+          </a:p>
+        </p:txBody>
+      </p:sp>
+    </p:spTree>
+    <p:extLst>
+      <p:ext uri="{BB962C8B-B14F-4D97-AF65-F5344CB8AC3E}">
+        <p14:creationId xmlns:p14="http://schemas.microsoft.com/office/powerpoint/2010/main" val="3362556280"/>
+      </p:ext>
+    </p:extLst>
+  </p:cSld>
+  <p:clrMapOvr>
+    <a:masterClrMapping/>
+  </p:clrMapOvr>
+</p:sld>
+</file>
+
+<file path=ppt/slides/slide13.xml><?xml version="1.0" encoding="utf-8"?>
+<p:sld xmlns:a="http://schemas.openxmlformats.org/drawingml/2006/main" xmlns:r="http://schemas.openxmlformats.org/officeDocument/2006/relationships" xmlns:p="http://schemas.openxmlformats.org/presentationml/2006/main">
+  <p:cSld>
+    <p:spTree>
+      <p:nvGrpSpPr>
+        <p:cNvPr id="1" name=""/>
+        <p:cNvGrpSpPr/>
+        <p:nvPr/>
+      </p:nvGrpSpPr>
+      <p:grpSpPr>
+        <a:xfrm>
+          <a:off x="0" y="0"/>
+          <a:ext cx="0" cy="0"/>
+          <a:chOff x="0" y="0"/>
+          <a:chExt cx="0" cy="0"/>
+        </a:xfrm>
+      </p:grpSpPr>
+      <p:sp>
+        <p:nvSpPr>
           <p:cNvPr id="2" name="Rubrik 1"/>
           <p:cNvSpPr>
             <a:spLocks noGrp="1"/>
@@ -3650,7 +3842,7 @@
 </p:sld>
 </file>
 
-<file path=ppt/slides/slide13.xml><?xml version="1.0" encoding="utf-8"?>
+<file path=ppt/slides/slide14.xml><?xml version="1.0" encoding="utf-8"?>
 <p:sld xmlns:a="http://schemas.openxmlformats.org/drawingml/2006/main" xmlns:r="http://schemas.openxmlformats.org/officeDocument/2006/relationships" xmlns:p="http://schemas.openxmlformats.org/presentationml/2006/main">
   <p:cSld>
     <p:spTree>
@@ -3738,7 +3930,7 @@
 </p:sld>
 </file>
 
-<file path=ppt/slides/slide14.xml><?xml version="1.0" encoding="utf-8"?>
+<file path=ppt/slides/slide15.xml><?xml version="1.0" encoding="utf-8"?>
 <p:sld xmlns:a="http://schemas.openxmlformats.org/drawingml/2006/main" xmlns:r="http://schemas.openxmlformats.org/officeDocument/2006/relationships" xmlns:p="http://schemas.openxmlformats.org/presentationml/2006/main">
   <p:cSld>
     <p:spTree>
@@ -3824,7 +4016,7 @@
 </p:sld>
 </file>
 
-<file path=ppt/slides/slide15.xml><?xml version="1.0" encoding="utf-8"?>
+<file path=ppt/slides/slide16.xml><?xml version="1.0" encoding="utf-8"?>
 <p:sld xmlns:a="http://schemas.openxmlformats.org/drawingml/2006/main" xmlns:r="http://schemas.openxmlformats.org/officeDocument/2006/relationships" xmlns:p="http://schemas.openxmlformats.org/presentationml/2006/main">
   <p:cSld>
     <p:spTree>
@@ -3908,126 +4100,6 @@
 </p:sld>
 </file>
 
-<file path=ppt/slides/slide16.xml><?xml version="1.0" encoding="utf-8"?>
-<p:sld xmlns:a="http://schemas.openxmlformats.org/drawingml/2006/main" xmlns:r="http://schemas.openxmlformats.org/officeDocument/2006/relationships" xmlns:p="http://schemas.openxmlformats.org/presentationml/2006/main">
-  <p:cSld>
-    <p:spTree>
-      <p:nvGrpSpPr>
-        <p:cNvPr id="1" name=""/>
-        <p:cNvGrpSpPr/>
-        <p:nvPr/>
-      </p:nvGrpSpPr>
-      <p:grpSpPr>
-        <a:xfrm>
-          <a:off x="0" y="0"/>
-          <a:ext cx="0" cy="0"/>
-          <a:chOff x="0" y="0"/>
-          <a:chExt cx="0" cy="0"/>
-        </a:xfrm>
-      </p:grpSpPr>
-      <p:sp>
-        <p:nvSpPr>
-          <p:cNvPr id="2" name="Rubrik 1"/>
-          <p:cNvSpPr>
-            <a:spLocks noGrp="1"/>
-          </p:cNvSpPr>
-          <p:nvPr>
-            <p:ph type="title"/>
-          </p:nvPr>
-        </p:nvSpPr>
-        <p:spPr/>
-        <p:txBody>
-          <a:bodyPr/>
-          <a:lstStyle/>
-          <a:p>
-            <a:pPr algn="ctr"/>
-            <a:r>
-              <a:rPr lang="en-GB" dirty="0"/>
-              <a:t>Technologies</a:t>
-            </a:r>
-          </a:p>
-        </p:txBody>
-      </p:sp>
-      <p:sp>
-        <p:nvSpPr>
-          <p:cNvPr id="3" name="Platshållare för innehåll 2"/>
-          <p:cNvSpPr>
-            <a:spLocks noGrp="1"/>
-          </p:cNvSpPr>
-          <p:nvPr>
-            <p:ph idx="1"/>
-          </p:nvPr>
-        </p:nvSpPr>
-        <p:spPr/>
-        <p:txBody>
-          <a:bodyPr/>
-          <a:lstStyle/>
-          <a:p>
-            <a:r>
-              <a:rPr lang="sv-SE" dirty="0" smtClean="0"/>
-              <a:t>CSS</a:t>
-            </a:r>
-          </a:p>
-          <a:p>
-            <a:r>
-              <a:rPr lang="sv-SE" dirty="0" smtClean="0"/>
-              <a:t>HTML</a:t>
-            </a:r>
-          </a:p>
-          <a:p>
-            <a:r>
-              <a:rPr lang="sv-SE" dirty="0" smtClean="0"/>
-              <a:t>JavaScript</a:t>
-            </a:r>
-          </a:p>
-          <a:p>
-            <a:r>
-              <a:rPr lang="sv-SE" dirty="0" smtClean="0"/>
-              <a:t>JSF</a:t>
-            </a:r>
-          </a:p>
-          <a:p>
-            <a:r>
-              <a:rPr lang="sv-SE" dirty="0"/>
-              <a:t>Cloudant </a:t>
-            </a:r>
-            <a:r>
-              <a:rPr lang="sv-SE" dirty="0" smtClean="0"/>
-              <a:t>- </a:t>
-            </a:r>
-            <a:r>
-              <a:rPr lang="sv-SE" dirty="0" err="1" smtClean="0"/>
-              <a:t>noSQL</a:t>
-            </a:r>
-            <a:endParaRPr lang="sv-SE" dirty="0" smtClean="0"/>
-          </a:p>
-          <a:p>
-            <a:r>
-              <a:rPr lang="sv-SE" dirty="0" smtClean="0"/>
-              <a:t>DB2 – SQL</a:t>
-            </a:r>
-          </a:p>
-          <a:p>
-            <a:pPr marL="0" indent="0">
-              <a:buNone/>
-            </a:pPr>
-            <a:endParaRPr lang="en-GB" dirty="0"/>
-          </a:p>
-        </p:txBody>
-      </p:sp>
-    </p:spTree>
-    <p:extLst>
-      <p:ext uri="{BB962C8B-B14F-4D97-AF65-F5344CB8AC3E}">
-        <p14:creationId xmlns:p14="http://schemas.microsoft.com/office/powerpoint/2010/main" val="2820131871"/>
-      </p:ext>
-    </p:extLst>
-  </p:cSld>
-  <p:clrMapOvr>
-    <a:masterClrMapping/>
-  </p:clrMapOvr>
-</p:sld>
-</file>
-
 <file path=ppt/slides/slide2.xml><?xml version="1.0" encoding="utf-8"?>
 <p:sld xmlns:a="http://schemas.openxmlformats.org/drawingml/2006/main" xmlns:r="http://schemas.openxmlformats.org/officeDocument/2006/relationships" xmlns:p="http://schemas.openxmlformats.org/presentationml/2006/main">
   <p:cSld>
@@ -4162,21 +4234,82 @@
             <p:ph type="title"/>
           </p:nvPr>
         </p:nvSpPr>
-        <p:spPr>
-          <a:xfrm>
-            <a:off x="838200" y="365125"/>
-            <a:ext cx="10515600" cy="6083801"/>
-          </a:xfrm>
-        </p:spPr>
+        <p:spPr/>
         <p:txBody>
           <a:bodyPr/>
           <a:lstStyle/>
           <a:p>
             <a:pPr algn="ctr"/>
             <a:r>
-              <a:rPr lang="en-GB" dirty="0" smtClean="0"/>
-              <a:t>Functional Requirements</a:t>
-            </a:r>
+              <a:rPr lang="en-GB" dirty="0"/>
+              <a:t>Technologies</a:t>
+            </a:r>
+          </a:p>
+        </p:txBody>
+      </p:sp>
+      <p:sp>
+        <p:nvSpPr>
+          <p:cNvPr id="3" name="Platshållare för innehåll 2"/>
+          <p:cNvSpPr>
+            <a:spLocks noGrp="1"/>
+          </p:cNvSpPr>
+          <p:nvPr>
+            <p:ph idx="1"/>
+          </p:nvPr>
+        </p:nvSpPr>
+        <p:spPr/>
+        <p:txBody>
+          <a:bodyPr/>
+          <a:lstStyle/>
+          <a:p>
+            <a:r>
+              <a:rPr lang="sv-SE" dirty="0" smtClean="0"/>
+              <a:t>CSS</a:t>
+            </a:r>
+          </a:p>
+          <a:p>
+            <a:r>
+              <a:rPr lang="sv-SE" dirty="0" smtClean="0"/>
+              <a:t>HTML</a:t>
+            </a:r>
+          </a:p>
+          <a:p>
+            <a:r>
+              <a:rPr lang="sv-SE" dirty="0" smtClean="0"/>
+              <a:t>JavaScript</a:t>
+            </a:r>
+          </a:p>
+          <a:p>
+            <a:r>
+              <a:rPr lang="sv-SE" dirty="0" smtClean="0"/>
+              <a:t>JSF</a:t>
+            </a:r>
+          </a:p>
+          <a:p>
+            <a:r>
+              <a:rPr lang="sv-SE" dirty="0"/>
+              <a:t>Cloudant </a:t>
+            </a:r>
+            <a:r>
+              <a:rPr lang="sv-SE" dirty="0" smtClean="0"/>
+              <a:t>- </a:t>
+            </a:r>
+            <a:r>
+              <a:rPr lang="sv-SE" dirty="0" err="1" smtClean="0"/>
+              <a:t>noSQL</a:t>
+            </a:r>
+            <a:endParaRPr lang="sv-SE" dirty="0" smtClean="0"/>
+          </a:p>
+          <a:p>
+            <a:r>
+              <a:rPr lang="sv-SE" dirty="0" smtClean="0"/>
+              <a:t>DB2 – SQL</a:t>
+            </a:r>
+          </a:p>
+          <a:p>
+            <a:pPr marL="0" indent="0">
+              <a:buNone/>
+            </a:pPr>
             <a:endParaRPr lang="en-GB" dirty="0"/>
           </a:p>
         </p:txBody>
@@ -4184,7 +4317,7 @@
     </p:spTree>
     <p:extLst>
       <p:ext uri="{BB962C8B-B14F-4D97-AF65-F5344CB8AC3E}">
-        <p14:creationId xmlns:p14="http://schemas.microsoft.com/office/powerpoint/2010/main" val="4021292497"/>
+        <p14:creationId xmlns:p14="http://schemas.microsoft.com/office/powerpoint/2010/main" val="2820131871"/>
       </p:ext>
     </p:extLst>
   </p:cSld>
@@ -4213,129 +4346,29 @@
       </p:grpSpPr>
       <p:sp>
         <p:nvSpPr>
-          <p:cNvPr id="3" name="Platshållare för innehåll 2"/>
-          <p:cNvSpPr>
-            <a:spLocks noGrp="1"/>
-          </p:cNvSpPr>
-          <p:nvPr>
-            <p:ph idx="1"/>
+          <p:cNvPr id="2" name="Rubrik 1"/>
+          <p:cNvSpPr>
+            <a:spLocks noGrp="1"/>
+          </p:cNvSpPr>
+          <p:nvPr>
+            <p:ph type="title"/>
           </p:nvPr>
         </p:nvSpPr>
         <p:spPr>
           <a:xfrm>
-            <a:off x="838200" y="417094"/>
-            <a:ext cx="10515600" cy="6147207"/>
+            <a:off x="838200" y="365125"/>
+            <a:ext cx="10515600" cy="6083801"/>
           </a:xfrm>
         </p:spPr>
         <p:txBody>
-          <a:bodyPr>
-            <a:normAutofit fontScale="92500" lnSpcReduction="10000"/>
-          </a:bodyPr>
-          <a:lstStyle/>
-          <a:p>
-            <a:pPr marL="0" indent="0">
-              <a:buNone/>
-            </a:pPr>
-            <a:r>
-              <a:rPr lang="en-US" sz="3300" b="1" dirty="0" smtClean="0"/>
-              <a:t>FR1.1</a:t>
-            </a:r>
-            <a:endParaRPr lang="en-GB" sz="3300" b="1" dirty="0" smtClean="0"/>
-          </a:p>
-          <a:p>
-            <a:pPr marL="0" indent="0">
-              <a:buNone/>
-            </a:pPr>
-            <a:r>
-              <a:rPr lang="en-US" sz="3300" b="1" dirty="0" smtClean="0"/>
-              <a:t>Title:</a:t>
-            </a:r>
-            <a:r>
-              <a:rPr lang="en-US" sz="3300" dirty="0" smtClean="0"/>
-              <a:t> Register account</a:t>
-            </a:r>
-            <a:endParaRPr lang="en-GB" sz="3300" dirty="0" smtClean="0"/>
-          </a:p>
-          <a:p>
-            <a:pPr marL="0" indent="0">
-              <a:buNone/>
-            </a:pPr>
-            <a:r>
-              <a:rPr lang="en-US" sz="3300" b="1" dirty="0" smtClean="0"/>
-              <a:t>Description: </a:t>
-            </a:r>
-            <a:r>
-              <a:rPr lang="en-US" sz="3300" dirty="0" smtClean="0"/>
-              <a:t>A user should be able to visit the website and register an account if they do not already have one. The user must provide their name, email address and password. Only one account for a given email address is allowed. </a:t>
-            </a:r>
-            <a:endParaRPr lang="en-GB" sz="3300" dirty="0" smtClean="0"/>
-          </a:p>
-          <a:p>
-            <a:pPr marL="0" indent="0">
-              <a:buNone/>
-            </a:pPr>
-            <a:r>
-              <a:rPr lang="en-US" sz="3300" dirty="0" smtClean="0"/>
-              <a:t> </a:t>
-            </a:r>
-            <a:endParaRPr lang="en-GB" sz="3300" dirty="0" smtClean="0"/>
-          </a:p>
-          <a:p>
-            <a:pPr marL="0" indent="0">
-              <a:buNone/>
-            </a:pPr>
-            <a:r>
-              <a:rPr lang="en-US" sz="3300" b="1" dirty="0" smtClean="0"/>
-              <a:t>FR1.2</a:t>
-            </a:r>
-            <a:endParaRPr lang="en-GB" sz="3300" b="1" dirty="0" smtClean="0"/>
-          </a:p>
-          <a:p>
-            <a:pPr marL="0" indent="0">
-              <a:buNone/>
-            </a:pPr>
-            <a:r>
-              <a:rPr lang="en-US" sz="3300" b="1" dirty="0" smtClean="0"/>
-              <a:t>Title:</a:t>
-            </a:r>
-            <a:r>
-              <a:rPr lang="en-US" sz="3300" dirty="0" smtClean="0"/>
-              <a:t> Sign in</a:t>
-            </a:r>
-            <a:endParaRPr lang="en-GB" sz="3300" dirty="0" smtClean="0"/>
-          </a:p>
-          <a:p>
-            <a:pPr marL="0" indent="0">
-              <a:buNone/>
-            </a:pPr>
-            <a:r>
-              <a:rPr lang="en-US" sz="3300" b="1" dirty="0" smtClean="0"/>
-              <a:t>Description: </a:t>
-            </a:r>
-            <a:r>
-              <a:rPr lang="en-US" sz="3300" dirty="0" smtClean="0"/>
-              <a:t>Given that a user has registered an account, then the user should be able to login into the web application and access their feed.</a:t>
-            </a:r>
-            <a:endParaRPr lang="en-GB" sz="3300" dirty="0" smtClean="0"/>
-          </a:p>
-          <a:p>
-            <a:pPr marL="0" indent="0">
-              <a:buNone/>
-            </a:pPr>
-            <a:r>
-              <a:rPr lang="en-US" sz="3300" b="1" dirty="0" smtClean="0"/>
-              <a:t>Dependency: </a:t>
-            </a:r>
-            <a:r>
-              <a:rPr lang="en-US" sz="3300" dirty="0" smtClean="0"/>
-              <a:t>1.1</a:t>
-            </a:r>
-            <a:endParaRPr lang="en-GB" sz="3300" dirty="0" smtClean="0"/>
-          </a:p>
-          <a:p>
-            <a:pPr marL="0" indent="0">
-              <a:buNone/>
-            </a:pPr>
+          <a:bodyPr/>
+          <a:lstStyle/>
+          <a:p>
+            <a:pPr algn="ctr"/>
+            <a:r>
+              <a:rPr lang="en-GB" dirty="0" smtClean="0"/>
+              <a:t>Functional Requirements</a:t>
+            </a:r>
             <a:endParaRPr lang="en-GB" dirty="0"/>
           </a:p>
         </p:txBody>
@@ -4343,7 +4376,7 @@
     </p:spTree>
     <p:extLst>
       <p:ext uri="{BB962C8B-B14F-4D97-AF65-F5344CB8AC3E}">
-        <p14:creationId xmlns:p14="http://schemas.microsoft.com/office/powerpoint/2010/main" val="1275132802"/>
+        <p14:creationId xmlns:p14="http://schemas.microsoft.com/office/powerpoint/2010/main" val="4021292497"/>
       </p:ext>
     </p:extLst>
   </p:cSld>
@@ -4382,13 +4415,13 @@
         </p:nvSpPr>
         <p:spPr>
           <a:xfrm>
-            <a:off x="838200" y="417095"/>
-            <a:ext cx="10515600" cy="6128084"/>
+            <a:off x="838200" y="417094"/>
+            <a:ext cx="10515600" cy="6147207"/>
           </a:xfrm>
         </p:spPr>
         <p:txBody>
           <a:bodyPr>
-            <a:normAutofit fontScale="62500" lnSpcReduction="20000"/>
+            <a:normAutofit fontScale="92500" lnSpcReduction="10000"/>
           </a:bodyPr>
           <a:lstStyle/>
           <a:p>
@@ -4396,138 +4429,100 @@
               <a:buNone/>
             </a:pPr>
             <a:r>
-              <a:rPr lang="en-US" sz="5100" b="1" dirty="0"/>
-              <a:t>FR1.3</a:t>
-            </a:r>
-            <a:endParaRPr lang="en-GB" sz="5100" b="1" dirty="0"/>
-          </a:p>
-          <a:p>
-            <a:pPr marL="0" indent="0">
-              <a:buNone/>
-            </a:pPr>
-            <a:r>
-              <a:rPr lang="en-US" sz="5100" b="1" dirty="0"/>
+              <a:rPr lang="en-US" sz="3300" b="1" dirty="0" smtClean="0"/>
+              <a:t>FR1.1</a:t>
+            </a:r>
+            <a:endParaRPr lang="en-GB" sz="3300" b="1" dirty="0" smtClean="0"/>
+          </a:p>
+          <a:p>
+            <a:pPr marL="0" indent="0">
+              <a:buNone/>
+            </a:pPr>
+            <a:r>
+              <a:rPr lang="en-US" sz="3300" b="1" dirty="0" smtClean="0"/>
               <a:t>Title:</a:t>
             </a:r>
             <a:r>
-              <a:rPr lang="en-US" sz="5100" dirty="0"/>
-              <a:t> Forgot password</a:t>
-            </a:r>
-            <a:endParaRPr lang="en-GB" sz="5100" dirty="0"/>
-          </a:p>
-          <a:p>
-            <a:pPr marL="0" indent="0">
-              <a:buNone/>
-            </a:pPr>
-            <a:r>
-              <a:rPr lang="en-US" sz="5100" b="1" dirty="0"/>
+              <a:rPr lang="en-US" sz="3300" dirty="0" smtClean="0"/>
+              <a:t> Register account</a:t>
+            </a:r>
+            <a:endParaRPr lang="en-GB" sz="3300" dirty="0" smtClean="0"/>
+          </a:p>
+          <a:p>
+            <a:pPr marL="0" indent="0">
+              <a:buNone/>
+            </a:pPr>
+            <a:r>
+              <a:rPr lang="en-US" sz="3300" b="1" dirty="0" smtClean="0"/>
               <a:t>Description: </a:t>
             </a:r>
             <a:r>
-              <a:rPr lang="en-US" sz="5100" dirty="0"/>
-              <a:t>Given that a user has registered an account, the </a:t>
-            </a:r>
-            <a:r>
-              <a:rPr lang="en-US" sz="5100" dirty="0" err="1"/>
-              <a:t>the</a:t>
-            </a:r>
-            <a:r>
-              <a:rPr lang="en-US" sz="5100" dirty="0"/>
-              <a:t> user should be able to request </a:t>
-            </a:r>
-            <a:r>
-              <a:rPr lang="en-US" sz="5100" dirty="0" smtClean="0"/>
-              <a:t>a new </a:t>
-            </a:r>
-            <a:r>
-              <a:rPr lang="en-US" sz="5100" dirty="0"/>
-              <a:t>password if it is forgotten.</a:t>
-            </a:r>
-            <a:endParaRPr lang="en-GB" sz="5100" dirty="0"/>
-          </a:p>
-          <a:p>
-            <a:pPr marL="0" indent="0">
-              <a:buNone/>
-            </a:pPr>
-            <a:r>
-              <a:rPr lang="en-US" sz="5100" b="1" dirty="0"/>
+              <a:rPr lang="en-US" sz="3300" dirty="0" smtClean="0"/>
+              <a:t>A user should be able to visit the website and register an account if they do not already have one. The user must provide their name, email address and password. Only one account for a given email address is allowed. </a:t>
+            </a:r>
+            <a:endParaRPr lang="en-GB" sz="3300" dirty="0" smtClean="0"/>
+          </a:p>
+          <a:p>
+            <a:pPr marL="0" indent="0">
+              <a:buNone/>
+            </a:pPr>
+            <a:r>
+              <a:rPr lang="en-US" sz="3300" dirty="0" smtClean="0"/>
+              <a:t> </a:t>
+            </a:r>
+            <a:endParaRPr lang="en-GB" sz="3300" dirty="0" smtClean="0"/>
+          </a:p>
+          <a:p>
+            <a:pPr marL="0" indent="0">
+              <a:buNone/>
+            </a:pPr>
+            <a:r>
+              <a:rPr lang="en-US" sz="3300" b="1" dirty="0" smtClean="0"/>
+              <a:t>FR1.2</a:t>
+            </a:r>
+            <a:endParaRPr lang="en-GB" sz="3300" b="1" dirty="0" smtClean="0"/>
+          </a:p>
+          <a:p>
+            <a:pPr marL="0" indent="0">
+              <a:buNone/>
+            </a:pPr>
+            <a:r>
+              <a:rPr lang="en-US" sz="3300" b="1" dirty="0" smtClean="0"/>
+              <a:t>Title:</a:t>
+            </a:r>
+            <a:r>
+              <a:rPr lang="en-US" sz="3300" dirty="0" smtClean="0"/>
+              <a:t> Sign in</a:t>
+            </a:r>
+            <a:endParaRPr lang="en-GB" sz="3300" dirty="0" smtClean="0"/>
+          </a:p>
+          <a:p>
+            <a:pPr marL="0" indent="0">
+              <a:buNone/>
+            </a:pPr>
+            <a:r>
+              <a:rPr lang="en-US" sz="3300" b="1" dirty="0" smtClean="0"/>
+              <a:t>Description: </a:t>
+            </a:r>
+            <a:r>
+              <a:rPr lang="en-US" sz="3300" dirty="0" smtClean="0"/>
+              <a:t>Given that a user has registered an account, then the user should be able to login into the web application and access their feed.</a:t>
+            </a:r>
+            <a:endParaRPr lang="en-GB" sz="3300" dirty="0" smtClean="0"/>
+          </a:p>
+          <a:p>
+            <a:pPr marL="0" indent="0">
+              <a:buNone/>
+            </a:pPr>
+            <a:r>
+              <a:rPr lang="en-US" sz="3300" b="1" dirty="0" smtClean="0"/>
               <a:t>Dependency: </a:t>
             </a:r>
             <a:r>
-              <a:rPr lang="en-US" sz="5100" dirty="0"/>
+              <a:rPr lang="en-US" sz="3300" dirty="0" smtClean="0"/>
               <a:t>1.1</a:t>
             </a:r>
-            <a:endParaRPr lang="en-GB" sz="5100" dirty="0"/>
-          </a:p>
-          <a:p>
-            <a:pPr marL="0" indent="0">
-              <a:buNone/>
-            </a:pPr>
-            <a:r>
-              <a:rPr lang="en-US" sz="5100" dirty="0"/>
-              <a:t> </a:t>
-            </a:r>
-            <a:endParaRPr lang="en-GB" sz="5100" dirty="0"/>
-          </a:p>
-          <a:p>
-            <a:pPr marL="0" indent="0">
-              <a:buNone/>
-            </a:pPr>
-            <a:r>
-              <a:rPr lang="en-US" sz="5100" b="1" dirty="0"/>
-              <a:t>FR1.4</a:t>
-            </a:r>
-            <a:endParaRPr lang="en-GB" sz="5100" b="1" dirty="0"/>
-          </a:p>
-          <a:p>
-            <a:pPr marL="0" indent="0">
-              <a:buNone/>
-            </a:pPr>
-            <a:r>
-              <a:rPr lang="en-US" sz="5100" b="1" dirty="0"/>
-              <a:t>Title:</a:t>
-            </a:r>
-            <a:r>
-              <a:rPr lang="en-US" sz="5100" dirty="0"/>
-              <a:t> Profile page</a:t>
-            </a:r>
-            <a:endParaRPr lang="en-GB" sz="5100" dirty="0"/>
-          </a:p>
-          <a:p>
-            <a:pPr marL="0" indent="0">
-              <a:buNone/>
-            </a:pPr>
-            <a:r>
-              <a:rPr lang="en-US" sz="5100" b="1" dirty="0"/>
-              <a:t>Description: </a:t>
-            </a:r>
-            <a:r>
-              <a:rPr lang="en-US" sz="5100" dirty="0"/>
-              <a:t> A registered user should have their own profile page which they should be able </a:t>
-            </a:r>
-            <a:r>
-              <a:rPr lang="en-US" sz="5100" dirty="0" smtClean="0"/>
-              <a:t>to edit</a:t>
-            </a:r>
-            <a:r>
-              <a:rPr lang="en-US" sz="5100" dirty="0"/>
-              <a:t>. This included their name, a profile picture, location, gender, description and dogs.</a:t>
-            </a:r>
-            <a:endParaRPr lang="en-GB" sz="5100" dirty="0"/>
-          </a:p>
-          <a:p>
-            <a:pPr marL="0" indent="0">
-              <a:buNone/>
-            </a:pPr>
-            <a:r>
-              <a:rPr lang="en-US" sz="5100" b="1" dirty="0"/>
-              <a:t>Dependency: </a:t>
-            </a:r>
-            <a:r>
-              <a:rPr lang="en-US" sz="5100" dirty="0"/>
-              <a:t>1.1, 1.2</a:t>
-            </a:r>
-            <a:endParaRPr lang="en-GB" sz="5100" dirty="0"/>
+            <a:endParaRPr lang="en-GB" sz="3300" dirty="0" smtClean="0"/>
           </a:p>
           <a:p>
             <a:pPr marL="0" indent="0">
@@ -4540,7 +4535,7 @@
     </p:spTree>
     <p:extLst>
       <p:ext uri="{BB962C8B-B14F-4D97-AF65-F5344CB8AC3E}">
-        <p14:creationId xmlns:p14="http://schemas.microsoft.com/office/powerpoint/2010/main" val="1617312003"/>
+        <p14:creationId xmlns:p14="http://schemas.microsoft.com/office/powerpoint/2010/main" val="1275132802"/>
       </p:ext>
     </p:extLst>
   </p:cSld>
@@ -4585,7 +4580,7 @@
         </p:spPr>
         <p:txBody>
           <a:bodyPr>
-            <a:normAutofit fontScale="92500" lnSpcReduction="20000"/>
+            <a:normAutofit fontScale="62500" lnSpcReduction="20000"/>
           </a:bodyPr>
           <a:lstStyle/>
           <a:p>
@@ -4593,134 +4588,138 @@
               <a:buNone/>
             </a:pPr>
             <a:r>
-              <a:rPr lang="en-US" b="1" dirty="0"/>
-              <a:t>FR1.5</a:t>
-            </a:r>
-            <a:endParaRPr lang="en-GB" b="1" dirty="0"/>
-          </a:p>
-          <a:p>
-            <a:pPr marL="0" indent="0">
-              <a:buNone/>
-            </a:pPr>
-            <a:r>
-              <a:rPr lang="en-US" b="1" dirty="0"/>
+              <a:rPr lang="en-US" sz="5100" b="1" dirty="0"/>
+              <a:t>FR1.3</a:t>
+            </a:r>
+            <a:endParaRPr lang="en-GB" sz="5100" b="1" dirty="0"/>
+          </a:p>
+          <a:p>
+            <a:pPr marL="0" indent="0">
+              <a:buNone/>
+            </a:pPr>
+            <a:r>
+              <a:rPr lang="en-US" sz="5100" b="1" dirty="0"/>
               <a:t>Title:</a:t>
             </a:r>
             <a:r>
-              <a:rPr lang="en-US" dirty="0"/>
-              <a:t> Dogs</a:t>
-            </a:r>
-            <a:endParaRPr lang="en-GB" dirty="0"/>
-          </a:p>
-          <a:p>
-            <a:pPr marL="0" indent="0">
-              <a:buNone/>
-            </a:pPr>
-            <a:r>
-              <a:rPr lang="en-US" b="1" dirty="0"/>
+              <a:rPr lang="en-US" sz="5100" dirty="0"/>
+              <a:t> Forgot password</a:t>
+            </a:r>
+            <a:endParaRPr lang="en-GB" sz="5100" dirty="0"/>
+          </a:p>
+          <a:p>
+            <a:pPr marL="0" indent="0">
+              <a:buNone/>
+            </a:pPr>
+            <a:r>
+              <a:rPr lang="en-US" sz="5100" b="1" dirty="0"/>
               <a:t>Description: </a:t>
             </a:r>
             <a:r>
-              <a:rPr lang="en-US" dirty="0"/>
-              <a:t> A registered and signed in user should be able to add their dogs on their profile page. When registering a dog, information must be entered. This included name, breed, age, gender and a picture.</a:t>
-            </a:r>
-            <a:endParaRPr lang="en-GB" dirty="0"/>
-          </a:p>
-          <a:p>
-            <a:pPr marL="0" indent="0">
-              <a:buNone/>
-            </a:pPr>
-            <a:r>
-              <a:rPr lang="en-US" dirty="0"/>
+              <a:rPr lang="en-US" sz="5100" dirty="0"/>
+              <a:t>Given that a user has registered an account, the </a:t>
+            </a:r>
+            <a:r>
+              <a:rPr lang="en-US" sz="5100" dirty="0" err="1"/>
+              <a:t>the</a:t>
+            </a:r>
+            <a:r>
+              <a:rPr lang="en-US" sz="5100" dirty="0"/>
+              <a:t> user should be able to request </a:t>
+            </a:r>
+            <a:r>
+              <a:rPr lang="en-US" sz="5100" dirty="0" smtClean="0"/>
+              <a:t>a new </a:t>
+            </a:r>
+            <a:r>
+              <a:rPr lang="en-US" sz="5100" dirty="0"/>
+              <a:t>password if it is forgotten.</a:t>
+            </a:r>
+            <a:endParaRPr lang="en-GB" sz="5100" dirty="0"/>
+          </a:p>
+          <a:p>
+            <a:pPr marL="0" indent="0">
+              <a:buNone/>
+            </a:pPr>
+            <a:r>
+              <a:rPr lang="en-US" sz="5100" b="1" dirty="0"/>
+              <a:t>Dependency: </a:t>
+            </a:r>
+            <a:r>
+              <a:rPr lang="en-US" sz="5100" dirty="0"/>
+              <a:t>1.1</a:t>
+            </a:r>
+            <a:endParaRPr lang="en-GB" sz="5100" dirty="0"/>
+          </a:p>
+          <a:p>
+            <a:pPr marL="0" indent="0">
+              <a:buNone/>
+            </a:pPr>
+            <a:r>
+              <a:rPr lang="en-US" sz="5100" dirty="0"/>
               <a:t> </a:t>
             </a:r>
-            <a:endParaRPr lang="en-GB" dirty="0"/>
-          </a:p>
-          <a:p>
-            <a:pPr marL="0" indent="0">
-              <a:buNone/>
-            </a:pPr>
-            <a:r>
-              <a:rPr lang="en-US" dirty="0"/>
-              <a:t>A user should also be able to edit information about an already added dog as well as removing it completely.</a:t>
-            </a:r>
-            <a:endParaRPr lang="en-GB" dirty="0"/>
-          </a:p>
-          <a:p>
-            <a:pPr marL="0" indent="0">
-              <a:buNone/>
-            </a:pPr>
-            <a:r>
-              <a:rPr lang="en-US" b="1" dirty="0"/>
+            <a:endParaRPr lang="en-GB" sz="5100" dirty="0"/>
+          </a:p>
+          <a:p>
+            <a:pPr marL="0" indent="0">
+              <a:buNone/>
+            </a:pPr>
+            <a:r>
+              <a:rPr lang="en-US" sz="5100" b="1" dirty="0"/>
+              <a:t>FR1.4</a:t>
+            </a:r>
+            <a:endParaRPr lang="en-GB" sz="5100" b="1" dirty="0"/>
+          </a:p>
+          <a:p>
+            <a:pPr marL="0" indent="0">
+              <a:buNone/>
+            </a:pPr>
+            <a:r>
+              <a:rPr lang="en-US" sz="5100" b="1" dirty="0"/>
+              <a:t>Title:</a:t>
+            </a:r>
+            <a:r>
+              <a:rPr lang="en-US" sz="5100" dirty="0"/>
+              <a:t> Profile page</a:t>
+            </a:r>
+            <a:endParaRPr lang="en-GB" sz="5100" dirty="0"/>
+          </a:p>
+          <a:p>
+            <a:pPr marL="0" indent="0">
+              <a:buNone/>
+            </a:pPr>
+            <a:r>
+              <a:rPr lang="en-US" sz="5100" b="1" dirty="0"/>
+              <a:t>Description: </a:t>
+            </a:r>
+            <a:r>
+              <a:rPr lang="en-US" sz="5100" dirty="0"/>
+              <a:t> A registered user should have their own profile page which they should be able </a:t>
+            </a:r>
+            <a:r>
+              <a:rPr lang="en-US" sz="5100" dirty="0" smtClean="0"/>
+              <a:t>to edit</a:t>
+            </a:r>
+            <a:r>
+              <a:rPr lang="en-US" sz="5100" dirty="0"/>
+              <a:t>. This included their name, a profile picture, location, gender, description and dogs.</a:t>
+            </a:r>
+            <a:endParaRPr lang="en-GB" sz="5100" dirty="0"/>
+          </a:p>
+          <a:p>
+            <a:pPr marL="0" indent="0">
+              <a:buNone/>
+            </a:pPr>
+            <a:r>
+              <a:rPr lang="en-US" sz="5100" b="1" dirty="0"/>
               <a:t>Dependency: </a:t>
             </a:r>
             <a:r>
-              <a:rPr lang="en-US" dirty="0"/>
-              <a:t>1.1, 1.2, 1.4</a:t>
-            </a:r>
-            <a:endParaRPr lang="en-GB" dirty="0"/>
-          </a:p>
-          <a:p>
-            <a:pPr marL="0" indent="0">
-              <a:buNone/>
-            </a:pPr>
-            <a:r>
-              <a:rPr lang="en-US" dirty="0"/>
-              <a:t> </a:t>
-            </a:r>
-            <a:endParaRPr lang="en-GB" dirty="0"/>
-          </a:p>
-          <a:p>
-            <a:pPr marL="0" indent="0">
-              <a:buNone/>
-            </a:pPr>
-            <a:r>
-              <a:rPr lang="en-US" b="1" dirty="0"/>
-              <a:t>FR1.6</a:t>
-            </a:r>
-            <a:endParaRPr lang="en-GB" b="1" dirty="0"/>
-          </a:p>
-          <a:p>
-            <a:pPr marL="0" indent="0">
-              <a:buNone/>
-            </a:pPr>
-            <a:r>
-              <a:rPr lang="en-US" b="1" dirty="0"/>
-              <a:t>Title:</a:t>
-            </a:r>
-            <a:r>
-              <a:rPr lang="en-US" dirty="0"/>
-              <a:t> Create event</a:t>
-            </a:r>
-            <a:endParaRPr lang="en-GB" dirty="0"/>
-          </a:p>
-          <a:p>
-            <a:pPr marL="0" indent="0">
-              <a:buNone/>
-            </a:pPr>
-            <a:r>
-              <a:rPr lang="en-US" b="1" dirty="0"/>
-              <a:t>Description: </a:t>
-            </a:r>
-            <a:r>
-              <a:rPr lang="en-US" dirty="0"/>
-              <a:t> A registered and signed in user should be able create a new event, when creating an event information must be supplied, this includes title, description, date, time and location.</a:t>
-            </a:r>
-            <a:endParaRPr lang="en-GB" dirty="0"/>
-          </a:p>
-          <a:p>
-            <a:pPr marL="0" indent="0">
-              <a:buNone/>
-            </a:pPr>
-            <a:r>
-              <a:rPr lang="en-US" b="1" dirty="0"/>
-              <a:t>Dependency: </a:t>
-            </a:r>
-            <a:r>
-              <a:rPr lang="en-US" dirty="0"/>
+              <a:rPr lang="en-US" sz="5100" dirty="0"/>
               <a:t>1.1, 1.2</a:t>
             </a:r>
-            <a:endParaRPr lang="en-GB" dirty="0"/>
+            <a:endParaRPr lang="en-GB" sz="5100" dirty="0"/>
           </a:p>
           <a:p>
             <a:pPr marL="0" indent="0">
@@ -4733,7 +4732,7 @@
     </p:spTree>
     <p:extLst>
       <p:ext uri="{BB962C8B-B14F-4D97-AF65-F5344CB8AC3E}">
-        <p14:creationId xmlns:p14="http://schemas.microsoft.com/office/powerpoint/2010/main" val="1629402377"/>
+        <p14:creationId xmlns:p14="http://schemas.microsoft.com/office/powerpoint/2010/main" val="1617312003"/>
       </p:ext>
     </p:extLst>
   </p:cSld>
@@ -4772,13 +4771,13 @@
         </p:nvSpPr>
         <p:spPr>
           <a:xfrm>
-            <a:off x="838200" y="336884"/>
-            <a:ext cx="10515600" cy="5840079"/>
+            <a:off x="838200" y="417095"/>
+            <a:ext cx="10515600" cy="6128084"/>
           </a:xfrm>
         </p:spPr>
         <p:txBody>
           <a:bodyPr>
-            <a:normAutofit lnSpcReduction="10000"/>
+            <a:normAutofit fontScale="92500" lnSpcReduction="20000"/>
           </a:bodyPr>
           <a:lstStyle/>
           <a:p>
@@ -4787,7 +4786,7 @@
             </a:pPr>
             <a:r>
               <a:rPr lang="en-US" b="1" dirty="0"/>
-              <a:t>FR1.7</a:t>
+              <a:t>FR1.5</a:t>
             </a:r>
             <a:endParaRPr lang="en-GB" b="1" dirty="0"/>
           </a:p>
@@ -4801,7 +4800,7 @@
             </a:r>
             <a:r>
               <a:rPr lang="en-US" dirty="0"/>
-              <a:t> View feed</a:t>
+              <a:t> Dogs</a:t>
             </a:r>
             <a:endParaRPr lang="en-GB" dirty="0"/>
           </a:p>
@@ -4815,7 +4814,27 @@
             </a:r>
             <a:r>
               <a:rPr lang="en-US" dirty="0"/>
-              <a:t> A registered and signed in user should see nearby event in his/her feed. The events in the feed should be filtered on the event location and the location set by the user in his/her profile.</a:t>
+              <a:t> A registered and signed in user should be able to add their dogs on their profile page. When registering a dog, information must be entered. This included name, breed, age, gender and a picture.</a:t>
+            </a:r>
+            <a:endParaRPr lang="en-GB" dirty="0"/>
+          </a:p>
+          <a:p>
+            <a:pPr marL="0" indent="0">
+              <a:buNone/>
+            </a:pPr>
+            <a:r>
+              <a:rPr lang="en-US" dirty="0"/>
+              <a:t> </a:t>
+            </a:r>
+            <a:endParaRPr lang="en-GB" dirty="0"/>
+          </a:p>
+          <a:p>
+            <a:pPr marL="0" indent="0">
+              <a:buNone/>
+            </a:pPr>
+            <a:r>
+              <a:rPr lang="en-US" dirty="0"/>
+              <a:t>A user should also be able to edit information about an already added dog as well as removing it completely.</a:t>
             </a:r>
             <a:endParaRPr lang="en-GB" dirty="0"/>
           </a:p>
@@ -4829,7 +4848,7 @@
             </a:r>
             <a:r>
               <a:rPr lang="en-US" dirty="0"/>
-              <a:t>1.1, 1.2, 1.4, 1.6</a:t>
+              <a:t>1.1, 1.2, 1.4</a:t>
             </a:r>
             <a:endParaRPr lang="en-GB" dirty="0"/>
           </a:p>
@@ -4849,7 +4868,7 @@
             </a:pPr>
             <a:r>
               <a:rPr lang="en-US" b="1" dirty="0"/>
-              <a:t>FR1.8</a:t>
+              <a:t>FR1.6</a:t>
             </a:r>
             <a:endParaRPr lang="en-GB" b="1" dirty="0"/>
           </a:p>
@@ -4863,7 +4882,7 @@
             </a:r>
             <a:r>
               <a:rPr lang="en-US" dirty="0"/>
-              <a:t> Edit event</a:t>
+              <a:t> Create event</a:t>
             </a:r>
             <a:endParaRPr lang="en-GB" dirty="0"/>
           </a:p>
@@ -4877,7 +4896,7 @@
             </a:r>
             <a:r>
               <a:rPr lang="en-US" dirty="0"/>
-              <a:t> A registered and signed in user should be able to edit his/her own events. Title, description, time and location should all be possible to edit. </a:t>
+              <a:t> A registered and signed in user should be able create a new event, when creating an event information must be supplied, this includes title, description, date, time and location.</a:t>
             </a:r>
             <a:endParaRPr lang="en-GB" dirty="0"/>
           </a:p>
@@ -4891,7 +4910,7 @@
             </a:r>
             <a:r>
               <a:rPr lang="en-US" dirty="0"/>
-              <a:t>1.1, 1.2, 1.6</a:t>
+              <a:t>1.1, 1.2</a:t>
             </a:r>
             <a:endParaRPr lang="en-GB" dirty="0"/>
           </a:p>
@@ -4906,7 +4925,7 @@
     </p:spTree>
     <p:extLst>
       <p:ext uri="{BB962C8B-B14F-4D97-AF65-F5344CB8AC3E}">
-        <p14:creationId xmlns:p14="http://schemas.microsoft.com/office/powerpoint/2010/main" val="317627613"/>
+        <p14:creationId xmlns:p14="http://schemas.microsoft.com/office/powerpoint/2010/main" val="1629402377"/>
       </p:ext>
     </p:extLst>
   </p:cSld>
@@ -4945,8 +4964,8 @@
         </p:nvSpPr>
         <p:spPr>
           <a:xfrm>
-            <a:off x="838200" y="545432"/>
-            <a:ext cx="10515600" cy="5631531"/>
+            <a:off x="838200" y="336884"/>
+            <a:ext cx="10515600" cy="5840079"/>
           </a:xfrm>
         </p:spPr>
         <p:txBody>
@@ -4960,7 +4979,7 @@
             </a:pPr>
             <a:r>
               <a:rPr lang="en-US" b="1" dirty="0"/>
-              <a:t>FR1.9</a:t>
+              <a:t>FR1.7</a:t>
             </a:r>
             <a:endParaRPr lang="en-GB" b="1" dirty="0"/>
           </a:p>
@@ -4974,7 +4993,7 @@
             </a:r>
             <a:r>
               <a:rPr lang="en-US" dirty="0"/>
-              <a:t> Cancel event</a:t>
+              <a:t> View feed</a:t>
             </a:r>
             <a:endParaRPr lang="en-GB" dirty="0"/>
           </a:p>
@@ -4988,7 +5007,7 @@
             </a:r>
             <a:r>
               <a:rPr lang="en-US" dirty="0"/>
-              <a:t> A registered and signed in user should be able to cancel his/her own events.</a:t>
+              <a:t> A registered and signed in user should see nearby event in his/her feed. The events in the feed should be filtered on the event location and the location set by the user in his/her profile.</a:t>
             </a:r>
             <a:endParaRPr lang="en-GB" dirty="0"/>
           </a:p>
@@ -5002,7 +5021,7 @@
             </a:r>
             <a:r>
               <a:rPr lang="en-US" dirty="0"/>
-              <a:t>1.1, 1.2, 1.6</a:t>
+              <a:t>1.1, 1.2, 1.4, 1.6</a:t>
             </a:r>
             <a:endParaRPr lang="en-GB" dirty="0"/>
           </a:p>
@@ -5012,7 +5031,7 @@
             </a:pPr>
             <a:r>
               <a:rPr lang="en-US" dirty="0"/>
-              <a:t>  </a:t>
+              <a:t> </a:t>
             </a:r>
             <a:endParaRPr lang="en-GB" dirty="0"/>
           </a:p>
@@ -5022,7 +5041,7 @@
             </a:pPr>
             <a:r>
               <a:rPr lang="en-US" b="1" dirty="0"/>
-              <a:t>FR1.10</a:t>
+              <a:t>FR1.8</a:t>
             </a:r>
             <a:endParaRPr lang="en-GB" b="1" dirty="0"/>
           </a:p>
@@ -5036,7 +5055,7 @@
             </a:r>
             <a:r>
               <a:rPr lang="en-US" dirty="0"/>
-              <a:t> Request join event</a:t>
+              <a:t> Edit event</a:t>
             </a:r>
             <a:endParaRPr lang="en-GB" dirty="0"/>
           </a:p>
@@ -5050,7 +5069,7 @@
             </a:r>
             <a:r>
               <a:rPr lang="en-US" dirty="0"/>
-              <a:t> A registered and signed in user should be able to request to join other users events. The user should not get access to the event until the request has been approved.</a:t>
+              <a:t> A registered and signed in user should be able to edit his/her own events. Title, description, time and location should all be possible to edit. </a:t>
             </a:r>
             <a:endParaRPr lang="en-GB" dirty="0"/>
           </a:p>
@@ -5079,7 +5098,7 @@
     </p:spTree>
     <p:extLst>
       <p:ext uri="{BB962C8B-B14F-4D97-AF65-F5344CB8AC3E}">
-        <p14:creationId xmlns:p14="http://schemas.microsoft.com/office/powerpoint/2010/main" val="1340726040"/>
+        <p14:creationId xmlns:p14="http://schemas.microsoft.com/office/powerpoint/2010/main" val="317627613"/>
       </p:ext>
     </p:extLst>
   </p:cSld>
@@ -5118,95 +5137,22 @@
         </p:nvSpPr>
         <p:spPr>
           <a:xfrm>
-            <a:off x="838200" y="449179"/>
-            <a:ext cx="10515600" cy="5727784"/>
+            <a:off x="838200" y="545432"/>
+            <a:ext cx="10515600" cy="5631531"/>
           </a:xfrm>
         </p:spPr>
         <p:txBody>
-          <a:bodyPr/>
-          <a:lstStyle/>
-          <a:p>
-            <a:pPr marL="0" indent="0">
-              <a:buNone/>
-            </a:pPr>
-            <a:r>
-              <a:rPr lang="en-US" b="1" dirty="0" smtClean="0"/>
-              <a:t>FR1.11</a:t>
-            </a:r>
-            <a:r>
-              <a:rPr lang="en-GB" b="1" dirty="0" smtClean="0"/>
-              <a:t/>
-            </a:r>
-            <a:br>
-              <a:rPr lang="en-GB" b="1" dirty="0" smtClean="0"/>
-            </a:br>
-            <a:r>
-              <a:rPr lang="en-US" b="1" dirty="0" smtClean="0"/>
-              <a:t>Title</a:t>
-            </a:r>
+          <a:bodyPr>
+            <a:normAutofit lnSpcReduction="10000"/>
+          </a:bodyPr>
+          <a:lstStyle/>
+          <a:p>
+            <a:pPr marL="0" indent="0">
+              <a:buNone/>
+            </a:pPr>
             <a:r>
               <a:rPr lang="en-US" b="1" dirty="0"/>
-              <a:t>:</a:t>
-            </a:r>
-            <a:r>
-              <a:rPr lang="en-US" dirty="0"/>
-              <a:t>  Approve join </a:t>
-            </a:r>
-            <a:r>
-              <a:rPr lang="en-US" dirty="0" smtClean="0"/>
-              <a:t>request</a:t>
-            </a:r>
-            <a:endParaRPr lang="en-GB" dirty="0" smtClean="0"/>
-          </a:p>
-          <a:p>
-            <a:pPr marL="0" indent="0">
-              <a:buNone/>
-            </a:pPr>
-            <a:r>
-              <a:rPr lang="en-US" b="1" dirty="0" smtClean="0"/>
-              <a:t>Description: </a:t>
-            </a:r>
-            <a:r>
-              <a:rPr lang="en-US" dirty="0" smtClean="0"/>
-              <a:t> A registered and signed in user should be able to approve or decline request from other users to join his/her event.</a:t>
-            </a:r>
-            <a:endParaRPr lang="en-GB" dirty="0" smtClean="0"/>
-          </a:p>
-          <a:p>
-            <a:pPr marL="0" indent="0">
-              <a:buNone/>
-            </a:pPr>
-            <a:r>
-              <a:rPr lang="en-US" b="1" dirty="0" smtClean="0"/>
-              <a:t>Dependency</a:t>
-            </a:r>
-            <a:r>
-              <a:rPr lang="en-US" b="1" dirty="0"/>
-              <a:t>: </a:t>
-            </a:r>
-            <a:r>
-              <a:rPr lang="en-US" dirty="0"/>
-              <a:t>1.1, 1.2, 1.6, 1.10</a:t>
-            </a:r>
-            <a:endParaRPr lang="en-GB" dirty="0"/>
-          </a:p>
-          <a:p>
-            <a:pPr marL="0" indent="0">
-              <a:buNone/>
-            </a:pPr>
-            <a:r>
-              <a:rPr lang="en-US" dirty="0"/>
-              <a:t> </a:t>
-            </a:r>
-            <a:endParaRPr lang="en-GB" dirty="0"/>
-          </a:p>
-          <a:p>
-            <a:pPr marL="0" indent="0">
-              <a:buNone/>
-            </a:pPr>
-            <a:r>
-              <a:rPr lang="en-US" b="1" dirty="0"/>
-              <a:t>FR1.12</a:t>
+              <a:t>FR1.9</a:t>
             </a:r>
             <a:endParaRPr lang="en-GB" b="1" dirty="0"/>
           </a:p>
@@ -5220,7 +5166,7 @@
             </a:r>
             <a:r>
               <a:rPr lang="en-US" dirty="0"/>
-              <a:t>  Comment on event</a:t>
+              <a:t> Cancel event</a:t>
             </a:r>
             <a:endParaRPr lang="en-GB" dirty="0"/>
           </a:p>
@@ -5234,15 +5180,7 @@
             </a:r>
             <a:r>
               <a:rPr lang="en-US" dirty="0"/>
-              <a:t> A registered and signed in user that has joined an </a:t>
-            </a:r>
-            <a:r>
-              <a:rPr lang="en-US" dirty="0" smtClean="0"/>
-              <a:t>event should </a:t>
-            </a:r>
-            <a:r>
-              <a:rPr lang="en-US" dirty="0"/>
-              <a:t>be able to post comments on that event.</a:t>
+              <a:t> A registered and signed in user should be able to cancel his/her own events.</a:t>
             </a:r>
             <a:endParaRPr lang="en-GB" dirty="0"/>
           </a:p>
@@ -5256,7 +5194,69 @@
             </a:r>
             <a:r>
               <a:rPr lang="en-US" dirty="0"/>
-              <a:t>1.1, 1.2, 1.6, 1.10, 1.11</a:t>
+              <a:t>1.1, 1.2, 1.6</a:t>
+            </a:r>
+            <a:endParaRPr lang="en-GB" dirty="0"/>
+          </a:p>
+          <a:p>
+            <a:pPr marL="0" indent="0">
+              <a:buNone/>
+            </a:pPr>
+            <a:r>
+              <a:rPr lang="en-US" dirty="0"/>
+              <a:t>  </a:t>
+            </a:r>
+            <a:endParaRPr lang="en-GB" dirty="0"/>
+          </a:p>
+          <a:p>
+            <a:pPr marL="0" indent="0">
+              <a:buNone/>
+            </a:pPr>
+            <a:r>
+              <a:rPr lang="en-US" b="1" dirty="0"/>
+              <a:t>FR1.10</a:t>
+            </a:r>
+            <a:endParaRPr lang="en-GB" b="1" dirty="0"/>
+          </a:p>
+          <a:p>
+            <a:pPr marL="0" indent="0">
+              <a:buNone/>
+            </a:pPr>
+            <a:r>
+              <a:rPr lang="en-US" b="1" dirty="0"/>
+              <a:t>Title:</a:t>
+            </a:r>
+            <a:r>
+              <a:rPr lang="en-US" dirty="0"/>
+              <a:t> Request join event</a:t>
+            </a:r>
+            <a:endParaRPr lang="en-GB" dirty="0"/>
+          </a:p>
+          <a:p>
+            <a:pPr marL="0" indent="0">
+              <a:buNone/>
+            </a:pPr>
+            <a:r>
+              <a:rPr lang="en-US" b="1" dirty="0"/>
+              <a:t>Description: </a:t>
+            </a:r>
+            <a:r>
+              <a:rPr lang="en-US" dirty="0"/>
+              <a:t> A registered and signed in user should be able to request to join other users events. The user should not get access to the event until the request has been approved.</a:t>
+            </a:r>
+            <a:endParaRPr lang="en-GB" dirty="0"/>
+          </a:p>
+          <a:p>
+            <a:pPr marL="0" indent="0">
+              <a:buNone/>
+            </a:pPr>
+            <a:r>
+              <a:rPr lang="en-US" b="1" dirty="0"/>
+              <a:t>Dependency: </a:t>
+            </a:r>
+            <a:r>
+              <a:rPr lang="en-US" dirty="0"/>
+              <a:t>1.1, 1.2, 1.6</a:t>
             </a:r>
             <a:endParaRPr lang="en-GB" dirty="0"/>
           </a:p>
@@ -5271,7 +5271,7 @@
     </p:spTree>
     <p:extLst>
       <p:ext uri="{BB962C8B-B14F-4D97-AF65-F5344CB8AC3E}">
-        <p14:creationId xmlns:p14="http://schemas.microsoft.com/office/powerpoint/2010/main" val="2936994397"/>
+        <p14:creationId xmlns:p14="http://schemas.microsoft.com/office/powerpoint/2010/main" val="1340726040"/>
       </p:ext>
     </p:extLst>
   </p:cSld>

--- a/documentation/presentation/Internet of Dogs.pptx
+++ b/documentation/presentation/Internet of Dogs.pptx
@@ -8,19 +8,19 @@
     <p:sldId id="256" r:id="rId2"/>
     <p:sldId id="257" r:id="rId3"/>
     <p:sldId id="274" r:id="rId4"/>
-    <p:sldId id="265" r:id="rId5"/>
-    <p:sldId id="267" r:id="rId6"/>
-    <p:sldId id="266" r:id="rId7"/>
-    <p:sldId id="268" r:id="rId8"/>
-    <p:sldId id="269" r:id="rId9"/>
-    <p:sldId id="270" r:id="rId10"/>
-    <p:sldId id="271" r:id="rId11"/>
-    <p:sldId id="272" r:id="rId12"/>
-    <p:sldId id="273" r:id="rId13"/>
-    <p:sldId id="260" r:id="rId14"/>
-    <p:sldId id="262" r:id="rId15"/>
-    <p:sldId id="263" r:id="rId16"/>
-    <p:sldId id="264" r:id="rId17"/>
+    <p:sldId id="260" r:id="rId5"/>
+    <p:sldId id="262" r:id="rId6"/>
+    <p:sldId id="263" r:id="rId7"/>
+    <p:sldId id="264" r:id="rId8"/>
+    <p:sldId id="265" r:id="rId9"/>
+    <p:sldId id="267" r:id="rId10"/>
+    <p:sldId id="266" r:id="rId11"/>
+    <p:sldId id="268" r:id="rId12"/>
+    <p:sldId id="269" r:id="rId13"/>
+    <p:sldId id="270" r:id="rId14"/>
+    <p:sldId id="271" r:id="rId15"/>
+    <p:sldId id="272" r:id="rId16"/>
+    <p:sldId id="273" r:id="rId17"/>
   </p:sldIdLst>
   <p:sldSz cx="12192000" cy="6858000"/>
   <p:notesSz cx="6858000" cy="9144000"/>
@@ -3107,147 +3107,152 @@
         </p:nvSpPr>
         <p:spPr>
           <a:xfrm>
-            <a:off x="838200" y="449179"/>
-            <a:ext cx="10515600" cy="5727784"/>
+            <a:off x="838200" y="417095"/>
+            <a:ext cx="10515600" cy="6128084"/>
           </a:xfrm>
         </p:spPr>
         <p:txBody>
-          <a:bodyPr/>
-          <a:lstStyle/>
-          <a:p>
-            <a:pPr marL="0" indent="0">
-              <a:buNone/>
-            </a:pPr>
-            <a:r>
-              <a:rPr lang="en-US" b="1" dirty="0" smtClean="0"/>
-              <a:t>FR1.11</a:t>
-            </a:r>
-            <a:r>
-              <a:rPr lang="en-GB" b="1" dirty="0" smtClean="0"/>
-              <a:t/>
-            </a:r>
-            <a:br>
-              <a:rPr lang="en-GB" b="1" dirty="0" smtClean="0"/>
-            </a:br>
-            <a:r>
-              <a:rPr lang="en-US" b="1" dirty="0" smtClean="0"/>
-              <a:t>Title</a:t>
-            </a:r>
-            <a:r>
-              <a:rPr lang="en-US" b="1" dirty="0"/>
-              <a:t>:</a:t>
-            </a:r>
-            <a:r>
-              <a:rPr lang="en-US" dirty="0"/>
-              <a:t>  Approve join </a:t>
-            </a:r>
-            <a:r>
-              <a:rPr lang="en-US" dirty="0" smtClean="0"/>
-              <a:t>request</a:t>
-            </a:r>
-            <a:endParaRPr lang="en-GB" dirty="0" smtClean="0"/>
-          </a:p>
-          <a:p>
-            <a:pPr marL="0" indent="0">
-              <a:buNone/>
-            </a:pPr>
-            <a:r>
-              <a:rPr lang="en-US" b="1" dirty="0" smtClean="0"/>
+          <a:bodyPr>
+            <a:normAutofit fontScale="62500" lnSpcReduction="20000"/>
+          </a:bodyPr>
+          <a:lstStyle/>
+          <a:p>
+            <a:pPr marL="0" indent="0">
+              <a:buNone/>
+            </a:pPr>
+            <a:r>
+              <a:rPr lang="en-US" sz="5100" b="1" dirty="0"/>
+              <a:t>FR1.3</a:t>
+            </a:r>
+            <a:endParaRPr lang="en-GB" sz="5100" b="1" dirty="0"/>
+          </a:p>
+          <a:p>
+            <a:pPr marL="0" indent="0">
+              <a:buNone/>
+            </a:pPr>
+            <a:r>
+              <a:rPr lang="en-US" sz="5100" b="1" dirty="0"/>
+              <a:t>Title:</a:t>
+            </a:r>
+            <a:r>
+              <a:rPr lang="en-US" sz="5100" dirty="0"/>
+              <a:t> Forgot password</a:t>
+            </a:r>
+            <a:endParaRPr lang="en-GB" sz="5100" dirty="0"/>
+          </a:p>
+          <a:p>
+            <a:pPr marL="0" indent="0">
+              <a:buNone/>
+            </a:pPr>
+            <a:r>
+              <a:rPr lang="en-US" sz="5100" b="1" dirty="0"/>
               <a:t>Description: </a:t>
             </a:r>
             <a:r>
-              <a:rPr lang="en-US" dirty="0" smtClean="0"/>
-              <a:t> A registered and signed in user should be able to approve or decline request from other users to join his/her event.</a:t>
-            </a:r>
-            <a:endParaRPr lang="en-GB" dirty="0" smtClean="0"/>
-          </a:p>
-          <a:p>
-            <a:pPr marL="0" indent="0">
-              <a:buNone/>
-            </a:pPr>
-            <a:r>
-              <a:rPr lang="en-US" b="1" dirty="0" smtClean="0"/>
-              <a:t>Dependency</a:t>
-            </a:r>
-            <a:r>
-              <a:rPr lang="en-US" b="1" dirty="0"/>
-              <a:t>: </a:t>
-            </a:r>
-            <a:r>
-              <a:rPr lang="en-US" dirty="0"/>
-              <a:t>1.1, 1.2, 1.6, 1.10</a:t>
-            </a:r>
-            <a:endParaRPr lang="en-GB" dirty="0"/>
-          </a:p>
-          <a:p>
-            <a:pPr marL="0" indent="0">
-              <a:buNone/>
-            </a:pPr>
-            <a:r>
-              <a:rPr lang="en-US" dirty="0"/>
+              <a:rPr lang="en-US" sz="5100" dirty="0"/>
+              <a:t>Given that a user has registered an account, the </a:t>
+            </a:r>
+            <a:r>
+              <a:rPr lang="en-US" sz="5100" dirty="0" err="1"/>
+              <a:t>the</a:t>
+            </a:r>
+            <a:r>
+              <a:rPr lang="en-US" sz="5100" dirty="0"/>
+              <a:t> user should be able to request </a:t>
+            </a:r>
+            <a:r>
+              <a:rPr lang="en-US" sz="5100" dirty="0" smtClean="0"/>
+              <a:t>a new </a:t>
+            </a:r>
+            <a:r>
+              <a:rPr lang="en-US" sz="5100" dirty="0"/>
+              <a:t>password if it is forgotten.</a:t>
+            </a:r>
+            <a:endParaRPr lang="en-GB" sz="5100" dirty="0"/>
+          </a:p>
+          <a:p>
+            <a:pPr marL="0" indent="0">
+              <a:buNone/>
+            </a:pPr>
+            <a:r>
+              <a:rPr lang="en-US" sz="5100" b="1" dirty="0"/>
+              <a:t>Dependency: </a:t>
+            </a:r>
+            <a:r>
+              <a:rPr lang="en-US" sz="5100" dirty="0"/>
+              <a:t>1.1</a:t>
+            </a:r>
+            <a:endParaRPr lang="en-GB" sz="5100" dirty="0"/>
+          </a:p>
+          <a:p>
+            <a:pPr marL="0" indent="0">
+              <a:buNone/>
+            </a:pPr>
+            <a:r>
+              <a:rPr lang="en-US" sz="5100" dirty="0"/>
               <a:t> </a:t>
             </a:r>
-            <a:endParaRPr lang="en-GB" dirty="0"/>
-          </a:p>
-          <a:p>
-            <a:pPr marL="0" indent="0">
-              <a:buNone/>
-            </a:pPr>
-            <a:r>
-              <a:rPr lang="en-US" b="1" dirty="0"/>
-              <a:t>FR1.12</a:t>
-            </a:r>
-            <a:endParaRPr lang="en-GB" b="1" dirty="0"/>
-          </a:p>
-          <a:p>
-            <a:pPr marL="0" indent="0">
-              <a:buNone/>
-            </a:pPr>
-            <a:r>
-              <a:rPr lang="en-US" b="1" dirty="0"/>
+            <a:endParaRPr lang="en-GB" sz="5100" dirty="0"/>
+          </a:p>
+          <a:p>
+            <a:pPr marL="0" indent="0">
+              <a:buNone/>
+            </a:pPr>
+            <a:r>
+              <a:rPr lang="en-US" sz="5100" b="1" dirty="0"/>
+              <a:t>FR1.4</a:t>
+            </a:r>
+            <a:endParaRPr lang="en-GB" sz="5100" b="1" dirty="0"/>
+          </a:p>
+          <a:p>
+            <a:pPr marL="0" indent="0">
+              <a:buNone/>
+            </a:pPr>
+            <a:r>
+              <a:rPr lang="en-US" sz="5100" b="1" dirty="0"/>
               <a:t>Title:</a:t>
             </a:r>
             <a:r>
-              <a:rPr lang="en-US" dirty="0"/>
-              <a:t>  Comment on event</a:t>
-            </a:r>
-            <a:endParaRPr lang="en-GB" dirty="0"/>
-          </a:p>
-          <a:p>
-            <a:pPr marL="0" indent="0">
-              <a:buNone/>
-            </a:pPr>
-            <a:r>
-              <a:rPr lang="en-US" b="1" dirty="0"/>
+              <a:rPr lang="en-US" sz="5100" dirty="0"/>
+              <a:t> Profile page</a:t>
+            </a:r>
+            <a:endParaRPr lang="en-GB" sz="5100" dirty="0"/>
+          </a:p>
+          <a:p>
+            <a:pPr marL="0" indent="0">
+              <a:buNone/>
+            </a:pPr>
+            <a:r>
+              <a:rPr lang="en-US" sz="5100" b="1" dirty="0"/>
               <a:t>Description: </a:t>
             </a:r>
             <a:r>
-              <a:rPr lang="en-US" dirty="0"/>
-              <a:t> A registered and signed in user that has joined an </a:t>
-            </a:r>
-            <a:r>
-              <a:rPr lang="en-US" dirty="0" smtClean="0"/>
-              <a:t>event should </a:t>
-            </a:r>
-            <a:r>
-              <a:rPr lang="en-US" dirty="0"/>
-              <a:t>be able to post comments on that event.</a:t>
-            </a:r>
-            <a:endParaRPr lang="en-GB" dirty="0"/>
-          </a:p>
-          <a:p>
-            <a:pPr marL="0" indent="0">
-              <a:buNone/>
-            </a:pPr>
-            <a:r>
-              <a:rPr lang="en-US" b="1" dirty="0"/>
+              <a:rPr lang="en-US" sz="5100" dirty="0"/>
+              <a:t> A registered user should have their own profile page which they should be able </a:t>
+            </a:r>
+            <a:r>
+              <a:rPr lang="en-US" sz="5100" dirty="0" smtClean="0"/>
+              <a:t>to edit</a:t>
+            </a:r>
+            <a:r>
+              <a:rPr lang="en-US" sz="5100" dirty="0"/>
+              <a:t>. This included their name, a profile picture, location, gender, description and dogs.</a:t>
+            </a:r>
+            <a:endParaRPr lang="en-GB" sz="5100" dirty="0"/>
+          </a:p>
+          <a:p>
+            <a:pPr marL="0" indent="0">
+              <a:buNone/>
+            </a:pPr>
+            <a:r>
+              <a:rPr lang="en-US" sz="5100" b="1" dirty="0"/>
               <a:t>Dependency: </a:t>
             </a:r>
             <a:r>
-              <a:rPr lang="en-US" dirty="0"/>
-              <a:t>1.1, 1.2, 1.6, 1.10, 1.11</a:t>
-            </a:r>
-            <a:endParaRPr lang="en-GB" dirty="0"/>
+              <a:rPr lang="en-US" sz="5100" dirty="0"/>
+              <a:t>1.1, 1.2</a:t>
+            </a:r>
+            <a:endParaRPr lang="en-GB" sz="5100" dirty="0"/>
           </a:p>
           <a:p>
             <a:pPr marL="0" indent="0">
@@ -3260,7 +3265,7 @@
     </p:spTree>
     <p:extLst>
       <p:ext uri="{BB962C8B-B14F-4D97-AF65-F5344CB8AC3E}">
-        <p14:creationId xmlns:p14="http://schemas.microsoft.com/office/powerpoint/2010/main" val="2936994397"/>
+        <p14:creationId xmlns:p14="http://schemas.microsoft.com/office/powerpoint/2010/main" val="1617312003"/>
       </p:ext>
     </p:extLst>
   </p:cSld>
@@ -3299,13 +3304,13 @@
         </p:nvSpPr>
         <p:spPr>
           <a:xfrm>
-            <a:off x="838200" y="641684"/>
-            <a:ext cx="10515600" cy="5535279"/>
+            <a:off x="838200" y="417095"/>
+            <a:ext cx="10515600" cy="6128084"/>
           </a:xfrm>
         </p:spPr>
         <p:txBody>
           <a:bodyPr>
-            <a:normAutofit/>
+            <a:normAutofit fontScale="92500" lnSpcReduction="20000"/>
           </a:bodyPr>
           <a:lstStyle/>
           <a:p>
@@ -3314,7 +3319,7 @@
             </a:pPr>
             <a:r>
               <a:rPr lang="en-US" b="1" dirty="0"/>
-              <a:t>FR1.13</a:t>
+              <a:t>FR1.5</a:t>
             </a:r>
             <a:endParaRPr lang="en-GB" b="1" dirty="0"/>
           </a:p>
@@ -3328,7 +3333,7 @@
             </a:r>
             <a:r>
               <a:rPr lang="en-US" dirty="0"/>
-              <a:t>  Leave event</a:t>
+              <a:t> Dogs</a:t>
             </a:r>
             <a:endParaRPr lang="en-GB" dirty="0"/>
           </a:p>
@@ -3342,7 +3347,27 @@
             </a:r>
             <a:r>
               <a:rPr lang="en-US" dirty="0"/>
-              <a:t> A registered and signed in that has joined another users event should be able to leave the event if desired.</a:t>
+              <a:t> A registered and signed in user should be able to add their dogs on their profile page. When registering a dog, information must be entered. This included name, breed, age, gender and a picture.</a:t>
+            </a:r>
+            <a:endParaRPr lang="en-GB" dirty="0"/>
+          </a:p>
+          <a:p>
+            <a:pPr marL="0" indent="0">
+              <a:buNone/>
+            </a:pPr>
+            <a:r>
+              <a:rPr lang="en-US" dirty="0"/>
+              <a:t> </a:t>
+            </a:r>
+            <a:endParaRPr lang="en-GB" dirty="0"/>
+          </a:p>
+          <a:p>
+            <a:pPr marL="0" indent="0">
+              <a:buNone/>
+            </a:pPr>
+            <a:r>
+              <a:rPr lang="en-US" dirty="0"/>
+              <a:t>A user should also be able to edit information about an already added dog as well as removing it completely.</a:t>
             </a:r>
             <a:endParaRPr lang="en-GB" dirty="0"/>
           </a:p>
@@ -3356,7 +3381,7 @@
             </a:r>
             <a:r>
               <a:rPr lang="en-US" dirty="0"/>
-              <a:t>1.1, 1.2, 1.6, 1.10</a:t>
+              <a:t>1.1, 1.2, 1.4</a:t>
             </a:r>
             <a:endParaRPr lang="en-GB" dirty="0"/>
           </a:p>
@@ -3367,6 +3392,58 @@
             <a:r>
               <a:rPr lang="en-US" dirty="0"/>
               <a:t> </a:t>
+            </a:r>
+            <a:endParaRPr lang="en-GB" dirty="0"/>
+          </a:p>
+          <a:p>
+            <a:pPr marL="0" indent="0">
+              <a:buNone/>
+            </a:pPr>
+            <a:r>
+              <a:rPr lang="en-US" b="1" dirty="0"/>
+              <a:t>FR1.6</a:t>
+            </a:r>
+            <a:endParaRPr lang="en-GB" b="1" dirty="0"/>
+          </a:p>
+          <a:p>
+            <a:pPr marL="0" indent="0">
+              <a:buNone/>
+            </a:pPr>
+            <a:r>
+              <a:rPr lang="en-US" b="1" dirty="0"/>
+              <a:t>Title:</a:t>
+            </a:r>
+            <a:r>
+              <a:rPr lang="en-US" dirty="0"/>
+              <a:t> Create event</a:t>
+            </a:r>
+            <a:endParaRPr lang="en-GB" dirty="0"/>
+          </a:p>
+          <a:p>
+            <a:pPr marL="0" indent="0">
+              <a:buNone/>
+            </a:pPr>
+            <a:r>
+              <a:rPr lang="en-US" b="1" dirty="0"/>
+              <a:t>Description: </a:t>
+            </a:r>
+            <a:r>
+              <a:rPr lang="en-US" dirty="0"/>
+              <a:t> A registered and signed in user should be able create a new event, when creating an event information must be supplied, this includes title, description, date, time and location.</a:t>
+            </a:r>
+            <a:endParaRPr lang="en-GB" dirty="0"/>
+          </a:p>
+          <a:p>
+            <a:pPr marL="0" indent="0">
+              <a:buNone/>
+            </a:pPr>
+            <a:r>
+              <a:rPr lang="en-US" b="1" dirty="0"/>
+              <a:t>Dependency: </a:t>
+            </a:r>
+            <a:r>
+              <a:rPr lang="en-US" dirty="0"/>
+              <a:t>1.1, 1.2</a:t>
             </a:r>
             <a:endParaRPr lang="en-GB" dirty="0"/>
           </a:p>
@@ -3381,7 +3458,7 @@
     </p:spTree>
     <p:extLst>
       <p:ext uri="{BB962C8B-B14F-4D97-AF65-F5344CB8AC3E}">
-        <p14:creationId xmlns:p14="http://schemas.microsoft.com/office/powerpoint/2010/main" val="3734369714"/>
+        <p14:creationId xmlns:p14="http://schemas.microsoft.com/office/powerpoint/2010/main" val="1629402377"/>
       </p:ext>
     </p:extLst>
   </p:cSld>
@@ -3420,13 +3497,13 @@
         </p:nvSpPr>
         <p:spPr>
           <a:xfrm>
-            <a:off x="838200" y="385011"/>
-            <a:ext cx="10515600" cy="5791952"/>
+            <a:off x="838200" y="336884"/>
+            <a:ext cx="10515600" cy="5840079"/>
           </a:xfrm>
         </p:spPr>
         <p:txBody>
           <a:bodyPr>
-            <a:normAutofit fontScale="92500" lnSpcReduction="20000"/>
+            <a:normAutofit lnSpcReduction="10000"/>
           </a:bodyPr>
           <a:lstStyle/>
           <a:p>
@@ -3435,7 +3512,7 @@
             </a:pPr>
             <a:r>
               <a:rPr lang="en-US" b="1" dirty="0"/>
-              <a:t>FR1.14</a:t>
+              <a:t>FR1.7</a:t>
             </a:r>
             <a:endParaRPr lang="en-GB" b="1" dirty="0"/>
           </a:p>
@@ -3449,7 +3526,7 @@
             </a:r>
             <a:r>
               <a:rPr lang="en-US" dirty="0"/>
-              <a:t>  Notifications</a:t>
+              <a:t> View feed</a:t>
             </a:r>
             <a:endParaRPr lang="en-GB" dirty="0"/>
           </a:p>
@@ -3463,7 +3540,21 @@
             </a:r>
             <a:r>
               <a:rPr lang="en-US" dirty="0"/>
-              <a:t> A registered and signed in users should see notifications if things have happened. The following event should trigger a notification.</a:t>
+              <a:t> A registered and signed in user should see nearby event in his/her feed. The events in the feed should be filtered on the event location and the location set by the user in his/her profile.</a:t>
+            </a:r>
+            <a:endParaRPr lang="en-GB" dirty="0"/>
+          </a:p>
+          <a:p>
+            <a:pPr marL="0" indent="0">
+              <a:buNone/>
+            </a:pPr>
+            <a:r>
+              <a:rPr lang="en-US" b="1" dirty="0"/>
+              <a:t>Dependency: </a:t>
+            </a:r>
+            <a:r>
+              <a:rPr lang="en-US" dirty="0"/>
+              <a:t>1.1, 1.2, 1.4, 1.6</a:t>
             </a:r>
             <a:endParaRPr lang="en-GB" dirty="0"/>
           </a:p>
@@ -3478,86 +3569,40 @@
             <a:endParaRPr lang="en-GB" dirty="0"/>
           </a:p>
           <a:p>
-            <a:pPr marL="0" lvl="0" indent="0">
-              <a:buNone/>
-            </a:pPr>
+            <a:pPr marL="0" indent="0">
+              <a:buNone/>
+            </a:pPr>
+            <a:r>
+              <a:rPr lang="en-US" b="1" dirty="0"/>
+              <a:t>FR1.8</a:t>
+            </a:r>
+            <a:endParaRPr lang="en-GB" b="1" dirty="0"/>
+          </a:p>
+          <a:p>
+            <a:pPr marL="0" indent="0">
+              <a:buNone/>
+            </a:pPr>
+            <a:r>
+              <a:rPr lang="en-US" b="1" dirty="0"/>
+              <a:t>Title:</a:t>
+            </a:r>
             <a:r>
               <a:rPr lang="en-US" dirty="0"/>
-              <a:t>A user has requested to join your event.</a:t>
-            </a:r>
-            <a:endParaRPr lang="en-GB" dirty="0"/>
-          </a:p>
-          <a:p>
-            <a:pPr marL="0" lvl="0" indent="0">
-              <a:buNone/>
-            </a:pPr>
+              <a:t> Edit event</a:t>
+            </a:r>
+            <a:endParaRPr lang="en-GB" dirty="0"/>
+          </a:p>
+          <a:p>
+            <a:pPr marL="0" indent="0">
+              <a:buNone/>
+            </a:pPr>
+            <a:r>
+              <a:rPr lang="en-US" b="1" dirty="0"/>
+              <a:t>Description: </a:t>
+            </a:r>
             <a:r>
               <a:rPr lang="en-US" dirty="0"/>
-              <a:t>Join event request has been approved or declined.</a:t>
-            </a:r>
-            <a:endParaRPr lang="en-GB" dirty="0"/>
-          </a:p>
-          <a:p>
-            <a:pPr marL="0" lvl="0" indent="0">
-              <a:buNone/>
-            </a:pPr>
-            <a:r>
-              <a:rPr lang="en-US" dirty="0"/>
-              <a:t>Joined event has been updated.</a:t>
-            </a:r>
-            <a:endParaRPr lang="en-GB" dirty="0"/>
-          </a:p>
-          <a:p>
-            <a:pPr marL="0" lvl="0" indent="0">
-              <a:buNone/>
-            </a:pPr>
-            <a:r>
-              <a:rPr lang="en-US" dirty="0"/>
-              <a:t>Joined event has been cancelled.</a:t>
-            </a:r>
-            <a:endParaRPr lang="en-GB" dirty="0"/>
-          </a:p>
-          <a:p>
-            <a:pPr marL="0" lvl="0" indent="0">
-              <a:buNone/>
-            </a:pPr>
-            <a:r>
-              <a:rPr lang="en-US" dirty="0"/>
-              <a:t>Comment posted on joined or own event</a:t>
-            </a:r>
-            <a:r>
-              <a:rPr lang="en-US" dirty="0" smtClean="0"/>
-              <a:t>.</a:t>
-            </a:r>
-            <a:endParaRPr lang="en-GB" dirty="0" smtClean="0"/>
-          </a:p>
-          <a:p>
-            <a:pPr marL="0" lvl="0" indent="0">
-              <a:buNone/>
-            </a:pPr>
-            <a:r>
-              <a:rPr lang="en-US" dirty="0"/>
-              <a:t> </a:t>
-            </a:r>
-            <a:endParaRPr lang="en-GB" dirty="0"/>
-          </a:p>
-          <a:p>
-            <a:pPr marL="0" indent="0">
-              <a:buNone/>
-            </a:pPr>
-            <a:r>
-              <a:rPr lang="en-US" dirty="0"/>
-              <a:t>Notifications should be marked as read once they have been viewed.</a:t>
-            </a:r>
-            <a:endParaRPr lang="en-GB" dirty="0"/>
-          </a:p>
-          <a:p>
-            <a:pPr marL="0" indent="0">
-              <a:buNone/>
-            </a:pPr>
-            <a:r>
-              <a:rPr lang="en-US" dirty="0"/>
-              <a:t> </a:t>
+              <a:t> A registered and signed in user should be able to edit his/her own events. Title, description, time and location should all be possible to edit. </a:t>
             </a:r>
             <a:endParaRPr lang="en-GB" dirty="0"/>
           </a:p>
@@ -3571,11 +3616,14 @@
             </a:r>
             <a:r>
               <a:rPr lang="en-US" dirty="0"/>
-              <a:t>1.1, 1.2</a:t>
-            </a:r>
-            <a:endParaRPr lang="en-GB" dirty="0"/>
-          </a:p>
-          <a:p>
+              <a:t>1.1, 1.2, 1.6</a:t>
+            </a:r>
+            <a:endParaRPr lang="en-GB" dirty="0"/>
+          </a:p>
+          <a:p>
+            <a:pPr marL="0" indent="0">
+              <a:buNone/>
+            </a:pPr>
             <a:endParaRPr lang="en-GB" dirty="0"/>
           </a:p>
         </p:txBody>
@@ -3583,7 +3631,7 @@
     </p:spTree>
     <p:extLst>
       <p:ext uri="{BB962C8B-B14F-4D97-AF65-F5344CB8AC3E}">
-        <p14:creationId xmlns:p14="http://schemas.microsoft.com/office/powerpoint/2010/main" val="3362556280"/>
+        <p14:creationId xmlns:p14="http://schemas.microsoft.com/office/powerpoint/2010/main" val="317627613"/>
       </p:ext>
     </p:extLst>
   </p:cSld>
@@ -3612,6 +3660,921 @@
       </p:grpSpPr>
       <p:sp>
         <p:nvSpPr>
+          <p:cNvPr id="3" name="Platshållare för innehåll 2"/>
+          <p:cNvSpPr>
+            <a:spLocks noGrp="1"/>
+          </p:cNvSpPr>
+          <p:nvPr>
+            <p:ph idx="1"/>
+          </p:nvPr>
+        </p:nvSpPr>
+        <p:spPr>
+          <a:xfrm>
+            <a:off x="838200" y="545432"/>
+            <a:ext cx="10515600" cy="5631531"/>
+          </a:xfrm>
+        </p:spPr>
+        <p:txBody>
+          <a:bodyPr>
+            <a:normAutofit lnSpcReduction="10000"/>
+          </a:bodyPr>
+          <a:lstStyle/>
+          <a:p>
+            <a:pPr marL="0" indent="0">
+              <a:buNone/>
+            </a:pPr>
+            <a:r>
+              <a:rPr lang="en-US" b="1" dirty="0"/>
+              <a:t>FR1.9</a:t>
+            </a:r>
+            <a:endParaRPr lang="en-GB" b="1" dirty="0"/>
+          </a:p>
+          <a:p>
+            <a:pPr marL="0" indent="0">
+              <a:buNone/>
+            </a:pPr>
+            <a:r>
+              <a:rPr lang="en-US" b="1" dirty="0"/>
+              <a:t>Title:</a:t>
+            </a:r>
+            <a:r>
+              <a:rPr lang="en-US" dirty="0"/>
+              <a:t> Cancel event</a:t>
+            </a:r>
+            <a:endParaRPr lang="en-GB" dirty="0"/>
+          </a:p>
+          <a:p>
+            <a:pPr marL="0" indent="0">
+              <a:buNone/>
+            </a:pPr>
+            <a:r>
+              <a:rPr lang="en-US" b="1" dirty="0"/>
+              <a:t>Description: </a:t>
+            </a:r>
+            <a:r>
+              <a:rPr lang="en-US" dirty="0"/>
+              <a:t> A registered and signed in user should be able to cancel his/her own events.</a:t>
+            </a:r>
+            <a:endParaRPr lang="en-GB" dirty="0"/>
+          </a:p>
+          <a:p>
+            <a:pPr marL="0" indent="0">
+              <a:buNone/>
+            </a:pPr>
+            <a:r>
+              <a:rPr lang="en-US" b="1" dirty="0"/>
+              <a:t>Dependency: </a:t>
+            </a:r>
+            <a:r>
+              <a:rPr lang="en-US" dirty="0"/>
+              <a:t>1.1, 1.2, 1.6</a:t>
+            </a:r>
+            <a:endParaRPr lang="en-GB" dirty="0"/>
+          </a:p>
+          <a:p>
+            <a:pPr marL="0" indent="0">
+              <a:buNone/>
+            </a:pPr>
+            <a:r>
+              <a:rPr lang="en-US" dirty="0"/>
+              <a:t>  </a:t>
+            </a:r>
+            <a:endParaRPr lang="en-GB" dirty="0"/>
+          </a:p>
+          <a:p>
+            <a:pPr marL="0" indent="0">
+              <a:buNone/>
+            </a:pPr>
+            <a:r>
+              <a:rPr lang="en-US" b="1" dirty="0"/>
+              <a:t>FR1.10</a:t>
+            </a:r>
+            <a:endParaRPr lang="en-GB" b="1" dirty="0"/>
+          </a:p>
+          <a:p>
+            <a:pPr marL="0" indent="0">
+              <a:buNone/>
+            </a:pPr>
+            <a:r>
+              <a:rPr lang="en-US" b="1" dirty="0"/>
+              <a:t>Title:</a:t>
+            </a:r>
+            <a:r>
+              <a:rPr lang="en-US" dirty="0"/>
+              <a:t> Request join event</a:t>
+            </a:r>
+            <a:endParaRPr lang="en-GB" dirty="0"/>
+          </a:p>
+          <a:p>
+            <a:pPr marL="0" indent="0">
+              <a:buNone/>
+            </a:pPr>
+            <a:r>
+              <a:rPr lang="en-US" b="1" dirty="0"/>
+              <a:t>Description: </a:t>
+            </a:r>
+            <a:r>
+              <a:rPr lang="en-US" dirty="0"/>
+              <a:t> A registered and signed in user should be able to request to join other users events. The user should not get access to the event until the request has been approved.</a:t>
+            </a:r>
+            <a:endParaRPr lang="en-GB" dirty="0"/>
+          </a:p>
+          <a:p>
+            <a:pPr marL="0" indent="0">
+              <a:buNone/>
+            </a:pPr>
+            <a:r>
+              <a:rPr lang="en-US" b="1" dirty="0"/>
+              <a:t>Dependency: </a:t>
+            </a:r>
+            <a:r>
+              <a:rPr lang="en-US" dirty="0"/>
+              <a:t>1.1, 1.2, 1.6</a:t>
+            </a:r>
+            <a:endParaRPr lang="en-GB" dirty="0"/>
+          </a:p>
+          <a:p>
+            <a:pPr marL="0" indent="0">
+              <a:buNone/>
+            </a:pPr>
+            <a:endParaRPr lang="en-GB" dirty="0"/>
+          </a:p>
+        </p:txBody>
+      </p:sp>
+    </p:spTree>
+    <p:extLst>
+      <p:ext uri="{BB962C8B-B14F-4D97-AF65-F5344CB8AC3E}">
+        <p14:creationId xmlns:p14="http://schemas.microsoft.com/office/powerpoint/2010/main" val="1340726040"/>
+      </p:ext>
+    </p:extLst>
+  </p:cSld>
+  <p:clrMapOvr>
+    <a:masterClrMapping/>
+  </p:clrMapOvr>
+</p:sld>
+</file>
+
+<file path=ppt/slides/slide14.xml><?xml version="1.0" encoding="utf-8"?>
+<p:sld xmlns:a="http://schemas.openxmlformats.org/drawingml/2006/main" xmlns:r="http://schemas.openxmlformats.org/officeDocument/2006/relationships" xmlns:p="http://schemas.openxmlformats.org/presentationml/2006/main">
+  <p:cSld>
+    <p:spTree>
+      <p:nvGrpSpPr>
+        <p:cNvPr id="1" name=""/>
+        <p:cNvGrpSpPr/>
+        <p:nvPr/>
+      </p:nvGrpSpPr>
+      <p:grpSpPr>
+        <a:xfrm>
+          <a:off x="0" y="0"/>
+          <a:ext cx="0" cy="0"/>
+          <a:chOff x="0" y="0"/>
+          <a:chExt cx="0" cy="0"/>
+        </a:xfrm>
+      </p:grpSpPr>
+      <p:sp>
+        <p:nvSpPr>
+          <p:cNvPr id="3" name="Platshållare för innehåll 2"/>
+          <p:cNvSpPr>
+            <a:spLocks noGrp="1"/>
+          </p:cNvSpPr>
+          <p:nvPr>
+            <p:ph idx="1"/>
+          </p:nvPr>
+        </p:nvSpPr>
+        <p:spPr>
+          <a:xfrm>
+            <a:off x="838200" y="449179"/>
+            <a:ext cx="10515600" cy="5727784"/>
+          </a:xfrm>
+        </p:spPr>
+        <p:txBody>
+          <a:bodyPr/>
+          <a:lstStyle/>
+          <a:p>
+            <a:pPr marL="0" indent="0">
+              <a:buNone/>
+            </a:pPr>
+            <a:r>
+              <a:rPr lang="en-US" b="1" dirty="0" smtClean="0"/>
+              <a:t>FR1.11</a:t>
+            </a:r>
+            <a:r>
+              <a:rPr lang="en-GB" b="1" dirty="0" smtClean="0"/>
+              <a:t/>
+            </a:r>
+            <a:br>
+              <a:rPr lang="en-GB" b="1" dirty="0" smtClean="0"/>
+            </a:br>
+            <a:r>
+              <a:rPr lang="en-US" b="1" dirty="0" smtClean="0"/>
+              <a:t>Title</a:t>
+            </a:r>
+            <a:r>
+              <a:rPr lang="en-US" b="1" dirty="0"/>
+              <a:t>:</a:t>
+            </a:r>
+            <a:r>
+              <a:rPr lang="en-US" dirty="0"/>
+              <a:t>  Approve join </a:t>
+            </a:r>
+            <a:r>
+              <a:rPr lang="en-US" dirty="0" smtClean="0"/>
+              <a:t>request</a:t>
+            </a:r>
+            <a:endParaRPr lang="en-GB" dirty="0" smtClean="0"/>
+          </a:p>
+          <a:p>
+            <a:pPr marL="0" indent="0">
+              <a:buNone/>
+            </a:pPr>
+            <a:r>
+              <a:rPr lang="en-US" b="1" dirty="0" smtClean="0"/>
+              <a:t>Description: </a:t>
+            </a:r>
+            <a:r>
+              <a:rPr lang="en-US" dirty="0" smtClean="0"/>
+              <a:t> A registered and signed in user should be able to approve or decline request from other users to join his/her event.</a:t>
+            </a:r>
+            <a:endParaRPr lang="en-GB" dirty="0" smtClean="0"/>
+          </a:p>
+          <a:p>
+            <a:pPr marL="0" indent="0">
+              <a:buNone/>
+            </a:pPr>
+            <a:r>
+              <a:rPr lang="en-US" b="1" dirty="0" smtClean="0"/>
+              <a:t>Dependency</a:t>
+            </a:r>
+            <a:r>
+              <a:rPr lang="en-US" b="1" dirty="0"/>
+              <a:t>: </a:t>
+            </a:r>
+            <a:r>
+              <a:rPr lang="en-US" dirty="0"/>
+              <a:t>1.1, 1.2, 1.6, 1.10</a:t>
+            </a:r>
+            <a:endParaRPr lang="en-GB" dirty="0"/>
+          </a:p>
+          <a:p>
+            <a:pPr marL="0" indent="0">
+              <a:buNone/>
+            </a:pPr>
+            <a:r>
+              <a:rPr lang="en-US" dirty="0"/>
+              <a:t> </a:t>
+            </a:r>
+            <a:endParaRPr lang="en-GB" dirty="0"/>
+          </a:p>
+          <a:p>
+            <a:pPr marL="0" indent="0">
+              <a:buNone/>
+            </a:pPr>
+            <a:r>
+              <a:rPr lang="en-US" b="1" dirty="0"/>
+              <a:t>FR1.12</a:t>
+            </a:r>
+            <a:endParaRPr lang="en-GB" b="1" dirty="0"/>
+          </a:p>
+          <a:p>
+            <a:pPr marL="0" indent="0">
+              <a:buNone/>
+            </a:pPr>
+            <a:r>
+              <a:rPr lang="en-US" b="1" dirty="0"/>
+              <a:t>Title:</a:t>
+            </a:r>
+            <a:r>
+              <a:rPr lang="en-US" dirty="0"/>
+              <a:t>  Comment on event</a:t>
+            </a:r>
+            <a:endParaRPr lang="en-GB" dirty="0"/>
+          </a:p>
+          <a:p>
+            <a:pPr marL="0" indent="0">
+              <a:buNone/>
+            </a:pPr>
+            <a:r>
+              <a:rPr lang="en-US" b="1" dirty="0"/>
+              <a:t>Description: </a:t>
+            </a:r>
+            <a:r>
+              <a:rPr lang="en-US" dirty="0"/>
+              <a:t> A registered and signed in user that has joined an </a:t>
+            </a:r>
+            <a:r>
+              <a:rPr lang="en-US" dirty="0" smtClean="0"/>
+              <a:t>event should </a:t>
+            </a:r>
+            <a:r>
+              <a:rPr lang="en-US" dirty="0"/>
+              <a:t>be able to post comments on that event.</a:t>
+            </a:r>
+            <a:endParaRPr lang="en-GB" dirty="0"/>
+          </a:p>
+          <a:p>
+            <a:pPr marL="0" indent="0">
+              <a:buNone/>
+            </a:pPr>
+            <a:r>
+              <a:rPr lang="en-US" b="1" dirty="0"/>
+              <a:t>Dependency: </a:t>
+            </a:r>
+            <a:r>
+              <a:rPr lang="en-US" dirty="0"/>
+              <a:t>1.1, 1.2, 1.6, 1.10, 1.11</a:t>
+            </a:r>
+            <a:endParaRPr lang="en-GB" dirty="0"/>
+          </a:p>
+          <a:p>
+            <a:pPr marL="0" indent="0">
+              <a:buNone/>
+            </a:pPr>
+            <a:endParaRPr lang="en-GB" dirty="0"/>
+          </a:p>
+        </p:txBody>
+      </p:sp>
+    </p:spTree>
+    <p:extLst>
+      <p:ext uri="{BB962C8B-B14F-4D97-AF65-F5344CB8AC3E}">
+        <p14:creationId xmlns:p14="http://schemas.microsoft.com/office/powerpoint/2010/main" val="2936994397"/>
+      </p:ext>
+    </p:extLst>
+  </p:cSld>
+  <p:clrMapOvr>
+    <a:masterClrMapping/>
+  </p:clrMapOvr>
+</p:sld>
+</file>
+
+<file path=ppt/slides/slide15.xml><?xml version="1.0" encoding="utf-8"?>
+<p:sld xmlns:a="http://schemas.openxmlformats.org/drawingml/2006/main" xmlns:r="http://schemas.openxmlformats.org/officeDocument/2006/relationships" xmlns:p="http://schemas.openxmlformats.org/presentationml/2006/main">
+  <p:cSld>
+    <p:spTree>
+      <p:nvGrpSpPr>
+        <p:cNvPr id="1" name=""/>
+        <p:cNvGrpSpPr/>
+        <p:nvPr/>
+      </p:nvGrpSpPr>
+      <p:grpSpPr>
+        <a:xfrm>
+          <a:off x="0" y="0"/>
+          <a:ext cx="0" cy="0"/>
+          <a:chOff x="0" y="0"/>
+          <a:chExt cx="0" cy="0"/>
+        </a:xfrm>
+      </p:grpSpPr>
+      <p:sp>
+        <p:nvSpPr>
+          <p:cNvPr id="3" name="Platshållare för innehåll 2"/>
+          <p:cNvSpPr>
+            <a:spLocks noGrp="1"/>
+          </p:cNvSpPr>
+          <p:nvPr>
+            <p:ph idx="1"/>
+          </p:nvPr>
+        </p:nvSpPr>
+        <p:spPr>
+          <a:xfrm>
+            <a:off x="838200" y="641684"/>
+            <a:ext cx="10515600" cy="5535279"/>
+          </a:xfrm>
+        </p:spPr>
+        <p:txBody>
+          <a:bodyPr>
+            <a:normAutofit/>
+          </a:bodyPr>
+          <a:lstStyle/>
+          <a:p>
+            <a:pPr marL="0" indent="0">
+              <a:buNone/>
+            </a:pPr>
+            <a:r>
+              <a:rPr lang="en-US" b="1" dirty="0"/>
+              <a:t>FR1.13</a:t>
+            </a:r>
+            <a:endParaRPr lang="en-GB" b="1" dirty="0"/>
+          </a:p>
+          <a:p>
+            <a:pPr marL="0" indent="0">
+              <a:buNone/>
+            </a:pPr>
+            <a:r>
+              <a:rPr lang="en-US" b="1" dirty="0"/>
+              <a:t>Title:</a:t>
+            </a:r>
+            <a:r>
+              <a:rPr lang="en-US" dirty="0"/>
+              <a:t>  Leave event</a:t>
+            </a:r>
+            <a:endParaRPr lang="en-GB" dirty="0"/>
+          </a:p>
+          <a:p>
+            <a:pPr marL="0" indent="0">
+              <a:buNone/>
+            </a:pPr>
+            <a:r>
+              <a:rPr lang="en-US" b="1" dirty="0"/>
+              <a:t>Description: </a:t>
+            </a:r>
+            <a:r>
+              <a:rPr lang="en-US" dirty="0"/>
+              <a:t> A registered and signed in that has joined another users event should be able to leave the event if desired.</a:t>
+            </a:r>
+            <a:endParaRPr lang="en-GB" dirty="0"/>
+          </a:p>
+          <a:p>
+            <a:pPr marL="0" indent="0">
+              <a:buNone/>
+            </a:pPr>
+            <a:r>
+              <a:rPr lang="en-US" b="1" dirty="0"/>
+              <a:t>Dependency: </a:t>
+            </a:r>
+            <a:r>
+              <a:rPr lang="en-US" dirty="0"/>
+              <a:t>1.1, 1.2, 1.6, 1.10</a:t>
+            </a:r>
+            <a:endParaRPr lang="en-GB" dirty="0"/>
+          </a:p>
+          <a:p>
+            <a:pPr marL="0" indent="0">
+              <a:buNone/>
+            </a:pPr>
+            <a:r>
+              <a:rPr lang="en-US" dirty="0"/>
+              <a:t> </a:t>
+            </a:r>
+            <a:endParaRPr lang="en-GB" dirty="0"/>
+          </a:p>
+          <a:p>
+            <a:pPr marL="0" indent="0">
+              <a:buNone/>
+            </a:pPr>
+            <a:endParaRPr lang="en-GB" dirty="0"/>
+          </a:p>
+        </p:txBody>
+      </p:sp>
+    </p:spTree>
+    <p:extLst>
+      <p:ext uri="{BB962C8B-B14F-4D97-AF65-F5344CB8AC3E}">
+        <p14:creationId xmlns:p14="http://schemas.microsoft.com/office/powerpoint/2010/main" val="3734369714"/>
+      </p:ext>
+    </p:extLst>
+  </p:cSld>
+  <p:clrMapOvr>
+    <a:masterClrMapping/>
+  </p:clrMapOvr>
+</p:sld>
+</file>
+
+<file path=ppt/slides/slide16.xml><?xml version="1.0" encoding="utf-8"?>
+<p:sld xmlns:a="http://schemas.openxmlformats.org/drawingml/2006/main" xmlns:r="http://schemas.openxmlformats.org/officeDocument/2006/relationships" xmlns:p="http://schemas.openxmlformats.org/presentationml/2006/main">
+  <p:cSld>
+    <p:spTree>
+      <p:nvGrpSpPr>
+        <p:cNvPr id="1" name=""/>
+        <p:cNvGrpSpPr/>
+        <p:nvPr/>
+      </p:nvGrpSpPr>
+      <p:grpSpPr>
+        <a:xfrm>
+          <a:off x="0" y="0"/>
+          <a:ext cx="0" cy="0"/>
+          <a:chOff x="0" y="0"/>
+          <a:chExt cx="0" cy="0"/>
+        </a:xfrm>
+      </p:grpSpPr>
+      <p:sp>
+        <p:nvSpPr>
+          <p:cNvPr id="3" name="Platshållare för innehåll 2"/>
+          <p:cNvSpPr>
+            <a:spLocks noGrp="1"/>
+          </p:cNvSpPr>
+          <p:nvPr>
+            <p:ph idx="1"/>
+          </p:nvPr>
+        </p:nvSpPr>
+        <p:spPr>
+          <a:xfrm>
+            <a:off x="838200" y="385011"/>
+            <a:ext cx="10515600" cy="5791952"/>
+          </a:xfrm>
+        </p:spPr>
+        <p:txBody>
+          <a:bodyPr>
+            <a:normAutofit fontScale="92500" lnSpcReduction="20000"/>
+          </a:bodyPr>
+          <a:lstStyle/>
+          <a:p>
+            <a:pPr marL="0" indent="0">
+              <a:buNone/>
+            </a:pPr>
+            <a:r>
+              <a:rPr lang="en-US" b="1" dirty="0"/>
+              <a:t>FR1.14</a:t>
+            </a:r>
+            <a:endParaRPr lang="en-GB" b="1" dirty="0"/>
+          </a:p>
+          <a:p>
+            <a:pPr marL="0" indent="0">
+              <a:buNone/>
+            </a:pPr>
+            <a:r>
+              <a:rPr lang="en-US" b="1" dirty="0"/>
+              <a:t>Title:</a:t>
+            </a:r>
+            <a:r>
+              <a:rPr lang="en-US" dirty="0"/>
+              <a:t>  Notifications</a:t>
+            </a:r>
+            <a:endParaRPr lang="en-GB" dirty="0"/>
+          </a:p>
+          <a:p>
+            <a:pPr marL="0" indent="0">
+              <a:buNone/>
+            </a:pPr>
+            <a:r>
+              <a:rPr lang="en-US" b="1" dirty="0"/>
+              <a:t>Description: </a:t>
+            </a:r>
+            <a:r>
+              <a:rPr lang="en-US" dirty="0"/>
+              <a:t> A registered and signed in users should see notifications if things have happened. The following event should trigger a notification.</a:t>
+            </a:r>
+            <a:endParaRPr lang="en-GB" dirty="0"/>
+          </a:p>
+          <a:p>
+            <a:pPr marL="0" indent="0">
+              <a:buNone/>
+            </a:pPr>
+            <a:r>
+              <a:rPr lang="en-US" dirty="0"/>
+              <a:t> </a:t>
+            </a:r>
+            <a:endParaRPr lang="en-GB" dirty="0"/>
+          </a:p>
+          <a:p>
+            <a:pPr marL="0" lvl="0" indent="0">
+              <a:buNone/>
+            </a:pPr>
+            <a:r>
+              <a:rPr lang="en-US" dirty="0"/>
+              <a:t>A user has requested to join your event.</a:t>
+            </a:r>
+            <a:endParaRPr lang="en-GB" dirty="0"/>
+          </a:p>
+          <a:p>
+            <a:pPr marL="0" lvl="0" indent="0">
+              <a:buNone/>
+            </a:pPr>
+            <a:r>
+              <a:rPr lang="en-US" dirty="0"/>
+              <a:t>Join event request has been approved or declined.</a:t>
+            </a:r>
+            <a:endParaRPr lang="en-GB" dirty="0"/>
+          </a:p>
+          <a:p>
+            <a:pPr marL="0" lvl="0" indent="0">
+              <a:buNone/>
+            </a:pPr>
+            <a:r>
+              <a:rPr lang="en-US" dirty="0"/>
+              <a:t>Joined event has been updated.</a:t>
+            </a:r>
+            <a:endParaRPr lang="en-GB" dirty="0"/>
+          </a:p>
+          <a:p>
+            <a:pPr marL="0" lvl="0" indent="0">
+              <a:buNone/>
+            </a:pPr>
+            <a:r>
+              <a:rPr lang="en-US" dirty="0"/>
+              <a:t>Joined event has been cancelled.</a:t>
+            </a:r>
+            <a:endParaRPr lang="en-GB" dirty="0"/>
+          </a:p>
+          <a:p>
+            <a:pPr marL="0" lvl="0" indent="0">
+              <a:buNone/>
+            </a:pPr>
+            <a:r>
+              <a:rPr lang="en-US" dirty="0"/>
+              <a:t>Comment posted on joined or own event</a:t>
+            </a:r>
+            <a:r>
+              <a:rPr lang="en-US" dirty="0" smtClean="0"/>
+              <a:t>.</a:t>
+            </a:r>
+            <a:endParaRPr lang="en-GB" dirty="0" smtClean="0"/>
+          </a:p>
+          <a:p>
+            <a:pPr marL="0" lvl="0" indent="0">
+              <a:buNone/>
+            </a:pPr>
+            <a:r>
+              <a:rPr lang="en-US" dirty="0"/>
+              <a:t> </a:t>
+            </a:r>
+            <a:endParaRPr lang="en-GB" dirty="0"/>
+          </a:p>
+          <a:p>
+            <a:pPr marL="0" indent="0">
+              <a:buNone/>
+            </a:pPr>
+            <a:r>
+              <a:rPr lang="en-US" dirty="0"/>
+              <a:t>Notifications should be marked as read once they have been viewed.</a:t>
+            </a:r>
+            <a:endParaRPr lang="en-GB" dirty="0"/>
+          </a:p>
+          <a:p>
+            <a:pPr marL="0" indent="0">
+              <a:buNone/>
+            </a:pPr>
+            <a:r>
+              <a:rPr lang="en-US" dirty="0"/>
+              <a:t> </a:t>
+            </a:r>
+            <a:endParaRPr lang="en-GB" dirty="0"/>
+          </a:p>
+          <a:p>
+            <a:pPr marL="0" indent="0">
+              <a:buNone/>
+            </a:pPr>
+            <a:r>
+              <a:rPr lang="en-US" b="1" dirty="0"/>
+              <a:t>Dependency: </a:t>
+            </a:r>
+            <a:r>
+              <a:rPr lang="en-US" dirty="0"/>
+              <a:t>1.1, 1.2</a:t>
+            </a:r>
+            <a:endParaRPr lang="en-GB" dirty="0"/>
+          </a:p>
+          <a:p>
+            <a:endParaRPr lang="en-GB" dirty="0"/>
+          </a:p>
+        </p:txBody>
+      </p:sp>
+    </p:spTree>
+    <p:extLst>
+      <p:ext uri="{BB962C8B-B14F-4D97-AF65-F5344CB8AC3E}">
+        <p14:creationId xmlns:p14="http://schemas.microsoft.com/office/powerpoint/2010/main" val="3362556280"/>
+      </p:ext>
+    </p:extLst>
+  </p:cSld>
+  <p:clrMapOvr>
+    <a:masterClrMapping/>
+  </p:clrMapOvr>
+</p:sld>
+</file>
+
+<file path=ppt/slides/slide2.xml><?xml version="1.0" encoding="utf-8"?>
+<p:sld xmlns:a="http://schemas.openxmlformats.org/drawingml/2006/main" xmlns:r="http://schemas.openxmlformats.org/officeDocument/2006/relationships" xmlns:p="http://schemas.openxmlformats.org/presentationml/2006/main">
+  <p:cSld>
+    <p:spTree>
+      <p:nvGrpSpPr>
+        <p:cNvPr id="1" name=""/>
+        <p:cNvGrpSpPr/>
+        <p:nvPr/>
+      </p:nvGrpSpPr>
+      <p:grpSpPr>
+        <a:xfrm>
+          <a:off x="0" y="0"/>
+          <a:ext cx="0" cy="0"/>
+          <a:chOff x="0" y="0"/>
+          <a:chExt cx="0" cy="0"/>
+        </a:xfrm>
+      </p:grpSpPr>
+      <p:sp>
+        <p:nvSpPr>
+          <p:cNvPr id="2" name="Rubrik 1"/>
+          <p:cNvSpPr>
+            <a:spLocks noGrp="1"/>
+          </p:cNvSpPr>
+          <p:nvPr>
+            <p:ph type="title"/>
+          </p:nvPr>
+        </p:nvSpPr>
+        <p:spPr/>
+        <p:txBody>
+          <a:bodyPr/>
+          <a:lstStyle/>
+          <a:p>
+            <a:pPr algn="ctr"/>
+            <a:r>
+              <a:rPr lang="en-GB" dirty="0" smtClean="0"/>
+              <a:t>Introduction</a:t>
+            </a:r>
+            <a:endParaRPr lang="en-GB" dirty="0"/>
+          </a:p>
+        </p:txBody>
+      </p:sp>
+      <p:sp>
+        <p:nvSpPr>
+          <p:cNvPr id="3" name="Platshållare för innehåll 2"/>
+          <p:cNvSpPr>
+            <a:spLocks noGrp="1"/>
+          </p:cNvSpPr>
+          <p:nvPr>
+            <p:ph idx="1"/>
+          </p:nvPr>
+        </p:nvSpPr>
+        <p:spPr>
+          <a:xfrm>
+            <a:off x="838200" y="1690688"/>
+            <a:ext cx="10515600" cy="4578307"/>
+          </a:xfrm>
+        </p:spPr>
+        <p:txBody>
+          <a:bodyPr/>
+          <a:lstStyle/>
+          <a:p>
+            <a:pPr marL="0" indent="0">
+              <a:buNone/>
+            </a:pPr>
+            <a:r>
+              <a:rPr lang="en-US" dirty="0"/>
+              <a:t>Our web application can be described as a social media event based site for dog owners where they can create event that will take place in real life. The activities </a:t>
+            </a:r>
+            <a:r>
+              <a:rPr lang="en-US" dirty="0" smtClean="0"/>
+              <a:t>are supposed </a:t>
+            </a:r>
+            <a:r>
+              <a:rPr lang="en-US" dirty="0"/>
+              <a:t>to include their </a:t>
+            </a:r>
+            <a:r>
+              <a:rPr lang="en-US" dirty="0" smtClean="0"/>
+              <a:t>dogs. Other members </a:t>
+            </a:r>
+            <a:r>
+              <a:rPr lang="en-US" dirty="0"/>
+              <a:t>of the site can then choose to join events.</a:t>
+            </a:r>
+            <a:endParaRPr lang="en-GB" dirty="0"/>
+          </a:p>
+          <a:p>
+            <a:pPr marL="0" indent="0">
+              <a:buNone/>
+            </a:pPr>
+            <a:endParaRPr lang="en-GB" dirty="0" smtClean="0"/>
+          </a:p>
+        </p:txBody>
+      </p:sp>
+    </p:spTree>
+    <p:extLst>
+      <p:ext uri="{BB962C8B-B14F-4D97-AF65-F5344CB8AC3E}">
+        <p14:creationId xmlns:p14="http://schemas.microsoft.com/office/powerpoint/2010/main" val="3764562394"/>
+      </p:ext>
+    </p:extLst>
+  </p:cSld>
+  <p:clrMapOvr>
+    <a:masterClrMapping/>
+  </p:clrMapOvr>
+</p:sld>
+</file>
+
+<file path=ppt/slides/slide3.xml><?xml version="1.0" encoding="utf-8"?>
+<p:sld xmlns:a="http://schemas.openxmlformats.org/drawingml/2006/main" xmlns:r="http://schemas.openxmlformats.org/officeDocument/2006/relationships" xmlns:p="http://schemas.openxmlformats.org/presentationml/2006/main">
+  <p:cSld>
+    <p:spTree>
+      <p:nvGrpSpPr>
+        <p:cNvPr id="1" name=""/>
+        <p:cNvGrpSpPr/>
+        <p:nvPr/>
+      </p:nvGrpSpPr>
+      <p:grpSpPr>
+        <a:xfrm>
+          <a:off x="0" y="0"/>
+          <a:ext cx="0" cy="0"/>
+          <a:chOff x="0" y="0"/>
+          <a:chExt cx="0" cy="0"/>
+        </a:xfrm>
+      </p:grpSpPr>
+      <p:sp>
+        <p:nvSpPr>
+          <p:cNvPr id="2" name="Rubrik 1"/>
+          <p:cNvSpPr>
+            <a:spLocks noGrp="1"/>
+          </p:cNvSpPr>
+          <p:nvPr>
+            <p:ph type="title"/>
+          </p:nvPr>
+        </p:nvSpPr>
+        <p:spPr/>
+        <p:txBody>
+          <a:bodyPr/>
+          <a:lstStyle/>
+          <a:p>
+            <a:pPr algn="ctr"/>
+            <a:r>
+              <a:rPr lang="en-GB" dirty="0"/>
+              <a:t>Technologies</a:t>
+            </a:r>
+          </a:p>
+        </p:txBody>
+      </p:sp>
+      <p:sp>
+        <p:nvSpPr>
+          <p:cNvPr id="3" name="Platshållare för innehåll 2"/>
+          <p:cNvSpPr>
+            <a:spLocks noGrp="1"/>
+          </p:cNvSpPr>
+          <p:nvPr>
+            <p:ph idx="1"/>
+          </p:nvPr>
+        </p:nvSpPr>
+        <p:spPr/>
+        <p:txBody>
+          <a:bodyPr/>
+          <a:lstStyle/>
+          <a:p>
+            <a:r>
+              <a:rPr lang="sv-SE" dirty="0" smtClean="0"/>
+              <a:t>CSS</a:t>
+            </a:r>
+          </a:p>
+          <a:p>
+            <a:r>
+              <a:rPr lang="sv-SE" dirty="0" smtClean="0"/>
+              <a:t>HTML</a:t>
+            </a:r>
+          </a:p>
+          <a:p>
+            <a:r>
+              <a:rPr lang="sv-SE" dirty="0" smtClean="0"/>
+              <a:t>JavaScript</a:t>
+            </a:r>
+          </a:p>
+          <a:p>
+            <a:r>
+              <a:rPr lang="sv-SE" dirty="0" smtClean="0"/>
+              <a:t>JSF</a:t>
+            </a:r>
+          </a:p>
+          <a:p>
+            <a:r>
+              <a:rPr lang="sv-SE" dirty="0"/>
+              <a:t>Cloudant </a:t>
+            </a:r>
+            <a:r>
+              <a:rPr lang="sv-SE" dirty="0" smtClean="0"/>
+              <a:t>- </a:t>
+            </a:r>
+            <a:r>
+              <a:rPr lang="sv-SE" dirty="0" err="1" smtClean="0"/>
+              <a:t>noSQL</a:t>
+            </a:r>
+            <a:endParaRPr lang="sv-SE" dirty="0" smtClean="0"/>
+          </a:p>
+          <a:p>
+            <a:r>
+              <a:rPr lang="sv-SE" dirty="0" smtClean="0"/>
+              <a:t>DB2 – SQL</a:t>
+            </a:r>
+          </a:p>
+          <a:p>
+            <a:pPr marL="0" indent="0">
+              <a:buNone/>
+            </a:pPr>
+            <a:endParaRPr lang="en-GB" dirty="0"/>
+          </a:p>
+        </p:txBody>
+      </p:sp>
+    </p:spTree>
+    <p:extLst>
+      <p:ext uri="{BB962C8B-B14F-4D97-AF65-F5344CB8AC3E}">
+        <p14:creationId xmlns:p14="http://schemas.microsoft.com/office/powerpoint/2010/main" val="2820131871"/>
+      </p:ext>
+    </p:extLst>
+  </p:cSld>
+  <p:clrMapOvr>
+    <a:masterClrMapping/>
+  </p:clrMapOvr>
+</p:sld>
+</file>
+
+<file path=ppt/slides/slide4.xml><?xml version="1.0" encoding="utf-8"?>
+<p:sld xmlns:a="http://schemas.openxmlformats.org/drawingml/2006/main" xmlns:r="http://schemas.openxmlformats.org/officeDocument/2006/relationships" xmlns:p="http://schemas.openxmlformats.org/presentationml/2006/main">
+  <p:cSld>
+    <p:spTree>
+      <p:nvGrpSpPr>
+        <p:cNvPr id="1" name=""/>
+        <p:cNvGrpSpPr/>
+        <p:nvPr/>
+      </p:nvGrpSpPr>
+      <p:grpSpPr>
+        <a:xfrm>
+          <a:off x="0" y="0"/>
+          <a:ext cx="0" cy="0"/>
+          <a:chOff x="0" y="0"/>
+          <a:chExt cx="0" cy="0"/>
+        </a:xfrm>
+      </p:grpSpPr>
+      <p:sp>
+        <p:nvSpPr>
           <p:cNvPr id="2" name="Rubrik 1"/>
           <p:cNvSpPr>
             <a:spLocks noGrp="1"/>
@@ -3842,7 +4805,7 @@
 </p:sld>
 </file>
 
-<file path=ppt/slides/slide14.xml><?xml version="1.0" encoding="utf-8"?>
+<file path=ppt/slides/slide5.xml><?xml version="1.0" encoding="utf-8"?>
 <p:sld xmlns:a="http://schemas.openxmlformats.org/drawingml/2006/main" xmlns:r="http://schemas.openxmlformats.org/officeDocument/2006/relationships" xmlns:p="http://schemas.openxmlformats.org/presentationml/2006/main">
   <p:cSld>
     <p:spTree>
@@ -3930,7 +4893,7 @@
 </p:sld>
 </file>
 
-<file path=ppt/slides/slide15.xml><?xml version="1.0" encoding="utf-8"?>
+<file path=ppt/slides/slide6.xml><?xml version="1.0" encoding="utf-8"?>
 <p:sld xmlns:a="http://schemas.openxmlformats.org/drawingml/2006/main" xmlns:r="http://schemas.openxmlformats.org/officeDocument/2006/relationships" xmlns:p="http://schemas.openxmlformats.org/presentationml/2006/main">
   <p:cSld>
     <p:spTree>
@@ -4016,7 +4979,7 @@
 </p:sld>
 </file>
 
-<file path=ppt/slides/slide16.xml><?xml version="1.0" encoding="utf-8"?>
+<file path=ppt/slides/slide7.xml><?xml version="1.0" encoding="utf-8"?>
 <p:sld xmlns:a="http://schemas.openxmlformats.org/drawingml/2006/main" xmlns:r="http://schemas.openxmlformats.org/officeDocument/2006/relationships" xmlns:p="http://schemas.openxmlformats.org/presentationml/2006/main">
   <p:cSld>
     <p:spTree>
@@ -4100,841 +5063,6 @@
 </p:sld>
 </file>
 
-<file path=ppt/slides/slide2.xml><?xml version="1.0" encoding="utf-8"?>
-<p:sld xmlns:a="http://schemas.openxmlformats.org/drawingml/2006/main" xmlns:r="http://schemas.openxmlformats.org/officeDocument/2006/relationships" xmlns:p="http://schemas.openxmlformats.org/presentationml/2006/main">
-  <p:cSld>
-    <p:spTree>
-      <p:nvGrpSpPr>
-        <p:cNvPr id="1" name=""/>
-        <p:cNvGrpSpPr/>
-        <p:nvPr/>
-      </p:nvGrpSpPr>
-      <p:grpSpPr>
-        <a:xfrm>
-          <a:off x="0" y="0"/>
-          <a:ext cx="0" cy="0"/>
-          <a:chOff x="0" y="0"/>
-          <a:chExt cx="0" cy="0"/>
-        </a:xfrm>
-      </p:grpSpPr>
-      <p:sp>
-        <p:nvSpPr>
-          <p:cNvPr id="2" name="Rubrik 1"/>
-          <p:cNvSpPr>
-            <a:spLocks noGrp="1"/>
-          </p:cNvSpPr>
-          <p:nvPr>
-            <p:ph type="title"/>
-          </p:nvPr>
-        </p:nvSpPr>
-        <p:spPr/>
-        <p:txBody>
-          <a:bodyPr/>
-          <a:lstStyle/>
-          <a:p>
-            <a:pPr algn="ctr"/>
-            <a:r>
-              <a:rPr lang="en-GB" dirty="0" smtClean="0"/>
-              <a:t>Introduction</a:t>
-            </a:r>
-            <a:endParaRPr lang="en-GB" dirty="0"/>
-          </a:p>
-        </p:txBody>
-      </p:sp>
-      <p:sp>
-        <p:nvSpPr>
-          <p:cNvPr id="3" name="Platshållare för innehåll 2"/>
-          <p:cNvSpPr>
-            <a:spLocks noGrp="1"/>
-          </p:cNvSpPr>
-          <p:nvPr>
-            <p:ph idx="1"/>
-          </p:nvPr>
-        </p:nvSpPr>
-        <p:spPr>
-          <a:xfrm>
-            <a:off x="838200" y="1690688"/>
-            <a:ext cx="10515600" cy="4578307"/>
-          </a:xfrm>
-        </p:spPr>
-        <p:txBody>
-          <a:bodyPr/>
-          <a:lstStyle/>
-          <a:p>
-            <a:pPr marL="0" indent="0">
-              <a:buNone/>
-            </a:pPr>
-            <a:r>
-              <a:rPr lang="en-US" dirty="0"/>
-              <a:t>Our web application can be described as a social media event based site for dog owners where they can create event that will take place in real life. The activities </a:t>
-            </a:r>
-            <a:r>
-              <a:rPr lang="en-US" dirty="0" smtClean="0"/>
-              <a:t>are supposed </a:t>
-            </a:r>
-            <a:r>
-              <a:rPr lang="en-US" dirty="0"/>
-              <a:t>to include their </a:t>
-            </a:r>
-            <a:r>
-              <a:rPr lang="en-US" dirty="0" smtClean="0"/>
-              <a:t>dogs. Other members </a:t>
-            </a:r>
-            <a:r>
-              <a:rPr lang="en-US" dirty="0"/>
-              <a:t>of the site can then choose to join events.</a:t>
-            </a:r>
-            <a:endParaRPr lang="en-GB" dirty="0"/>
-          </a:p>
-          <a:p>
-            <a:pPr marL="0" indent="0">
-              <a:buNone/>
-            </a:pPr>
-            <a:endParaRPr lang="en-GB" dirty="0" smtClean="0"/>
-          </a:p>
-        </p:txBody>
-      </p:sp>
-    </p:spTree>
-    <p:extLst>
-      <p:ext uri="{BB962C8B-B14F-4D97-AF65-F5344CB8AC3E}">
-        <p14:creationId xmlns:p14="http://schemas.microsoft.com/office/powerpoint/2010/main" val="3764562394"/>
-      </p:ext>
-    </p:extLst>
-  </p:cSld>
-  <p:clrMapOvr>
-    <a:masterClrMapping/>
-  </p:clrMapOvr>
-</p:sld>
-</file>
-
-<file path=ppt/slides/slide3.xml><?xml version="1.0" encoding="utf-8"?>
-<p:sld xmlns:a="http://schemas.openxmlformats.org/drawingml/2006/main" xmlns:r="http://schemas.openxmlformats.org/officeDocument/2006/relationships" xmlns:p="http://schemas.openxmlformats.org/presentationml/2006/main">
-  <p:cSld>
-    <p:spTree>
-      <p:nvGrpSpPr>
-        <p:cNvPr id="1" name=""/>
-        <p:cNvGrpSpPr/>
-        <p:nvPr/>
-      </p:nvGrpSpPr>
-      <p:grpSpPr>
-        <a:xfrm>
-          <a:off x="0" y="0"/>
-          <a:ext cx="0" cy="0"/>
-          <a:chOff x="0" y="0"/>
-          <a:chExt cx="0" cy="0"/>
-        </a:xfrm>
-      </p:grpSpPr>
-      <p:sp>
-        <p:nvSpPr>
-          <p:cNvPr id="2" name="Rubrik 1"/>
-          <p:cNvSpPr>
-            <a:spLocks noGrp="1"/>
-          </p:cNvSpPr>
-          <p:nvPr>
-            <p:ph type="title"/>
-          </p:nvPr>
-        </p:nvSpPr>
-        <p:spPr/>
-        <p:txBody>
-          <a:bodyPr/>
-          <a:lstStyle/>
-          <a:p>
-            <a:pPr algn="ctr"/>
-            <a:r>
-              <a:rPr lang="en-GB" dirty="0"/>
-              <a:t>Technologies</a:t>
-            </a:r>
-          </a:p>
-        </p:txBody>
-      </p:sp>
-      <p:sp>
-        <p:nvSpPr>
-          <p:cNvPr id="3" name="Platshållare för innehåll 2"/>
-          <p:cNvSpPr>
-            <a:spLocks noGrp="1"/>
-          </p:cNvSpPr>
-          <p:nvPr>
-            <p:ph idx="1"/>
-          </p:nvPr>
-        </p:nvSpPr>
-        <p:spPr/>
-        <p:txBody>
-          <a:bodyPr/>
-          <a:lstStyle/>
-          <a:p>
-            <a:r>
-              <a:rPr lang="sv-SE" dirty="0" smtClean="0"/>
-              <a:t>CSS</a:t>
-            </a:r>
-          </a:p>
-          <a:p>
-            <a:r>
-              <a:rPr lang="sv-SE" dirty="0" smtClean="0"/>
-              <a:t>HTML</a:t>
-            </a:r>
-          </a:p>
-          <a:p>
-            <a:r>
-              <a:rPr lang="sv-SE" dirty="0" smtClean="0"/>
-              <a:t>JavaScript</a:t>
-            </a:r>
-          </a:p>
-          <a:p>
-            <a:r>
-              <a:rPr lang="sv-SE" dirty="0" smtClean="0"/>
-              <a:t>JSF</a:t>
-            </a:r>
-          </a:p>
-          <a:p>
-            <a:r>
-              <a:rPr lang="sv-SE" dirty="0"/>
-              <a:t>Cloudant </a:t>
-            </a:r>
-            <a:r>
-              <a:rPr lang="sv-SE" dirty="0" smtClean="0"/>
-              <a:t>- </a:t>
-            </a:r>
-            <a:r>
-              <a:rPr lang="sv-SE" dirty="0" err="1" smtClean="0"/>
-              <a:t>noSQL</a:t>
-            </a:r>
-            <a:endParaRPr lang="sv-SE" dirty="0" smtClean="0"/>
-          </a:p>
-          <a:p>
-            <a:r>
-              <a:rPr lang="sv-SE" dirty="0" smtClean="0"/>
-              <a:t>DB2 – SQL</a:t>
-            </a:r>
-          </a:p>
-          <a:p>
-            <a:pPr marL="0" indent="0">
-              <a:buNone/>
-            </a:pPr>
-            <a:endParaRPr lang="en-GB" dirty="0"/>
-          </a:p>
-        </p:txBody>
-      </p:sp>
-    </p:spTree>
-    <p:extLst>
-      <p:ext uri="{BB962C8B-B14F-4D97-AF65-F5344CB8AC3E}">
-        <p14:creationId xmlns:p14="http://schemas.microsoft.com/office/powerpoint/2010/main" val="2820131871"/>
-      </p:ext>
-    </p:extLst>
-  </p:cSld>
-  <p:clrMapOvr>
-    <a:masterClrMapping/>
-  </p:clrMapOvr>
-</p:sld>
-</file>
-
-<file path=ppt/slides/slide4.xml><?xml version="1.0" encoding="utf-8"?>
-<p:sld xmlns:a="http://schemas.openxmlformats.org/drawingml/2006/main" xmlns:r="http://schemas.openxmlformats.org/officeDocument/2006/relationships" xmlns:p="http://schemas.openxmlformats.org/presentationml/2006/main">
-  <p:cSld>
-    <p:spTree>
-      <p:nvGrpSpPr>
-        <p:cNvPr id="1" name=""/>
-        <p:cNvGrpSpPr/>
-        <p:nvPr/>
-      </p:nvGrpSpPr>
-      <p:grpSpPr>
-        <a:xfrm>
-          <a:off x="0" y="0"/>
-          <a:ext cx="0" cy="0"/>
-          <a:chOff x="0" y="0"/>
-          <a:chExt cx="0" cy="0"/>
-        </a:xfrm>
-      </p:grpSpPr>
-      <p:sp>
-        <p:nvSpPr>
-          <p:cNvPr id="2" name="Rubrik 1"/>
-          <p:cNvSpPr>
-            <a:spLocks noGrp="1"/>
-          </p:cNvSpPr>
-          <p:nvPr>
-            <p:ph type="title"/>
-          </p:nvPr>
-        </p:nvSpPr>
-        <p:spPr>
-          <a:xfrm>
-            <a:off x="838200" y="365125"/>
-            <a:ext cx="10515600" cy="6083801"/>
-          </a:xfrm>
-        </p:spPr>
-        <p:txBody>
-          <a:bodyPr/>
-          <a:lstStyle/>
-          <a:p>
-            <a:pPr algn="ctr"/>
-            <a:r>
-              <a:rPr lang="en-GB" dirty="0" smtClean="0"/>
-              <a:t>Functional Requirements</a:t>
-            </a:r>
-            <a:endParaRPr lang="en-GB" dirty="0"/>
-          </a:p>
-        </p:txBody>
-      </p:sp>
-    </p:spTree>
-    <p:extLst>
-      <p:ext uri="{BB962C8B-B14F-4D97-AF65-F5344CB8AC3E}">
-        <p14:creationId xmlns:p14="http://schemas.microsoft.com/office/powerpoint/2010/main" val="4021292497"/>
-      </p:ext>
-    </p:extLst>
-  </p:cSld>
-  <p:clrMapOvr>
-    <a:masterClrMapping/>
-  </p:clrMapOvr>
-</p:sld>
-</file>
-
-<file path=ppt/slides/slide5.xml><?xml version="1.0" encoding="utf-8"?>
-<p:sld xmlns:a="http://schemas.openxmlformats.org/drawingml/2006/main" xmlns:r="http://schemas.openxmlformats.org/officeDocument/2006/relationships" xmlns:p="http://schemas.openxmlformats.org/presentationml/2006/main">
-  <p:cSld>
-    <p:spTree>
-      <p:nvGrpSpPr>
-        <p:cNvPr id="1" name=""/>
-        <p:cNvGrpSpPr/>
-        <p:nvPr/>
-      </p:nvGrpSpPr>
-      <p:grpSpPr>
-        <a:xfrm>
-          <a:off x="0" y="0"/>
-          <a:ext cx="0" cy="0"/>
-          <a:chOff x="0" y="0"/>
-          <a:chExt cx="0" cy="0"/>
-        </a:xfrm>
-      </p:grpSpPr>
-      <p:sp>
-        <p:nvSpPr>
-          <p:cNvPr id="3" name="Platshållare för innehåll 2"/>
-          <p:cNvSpPr>
-            <a:spLocks noGrp="1"/>
-          </p:cNvSpPr>
-          <p:nvPr>
-            <p:ph idx="1"/>
-          </p:nvPr>
-        </p:nvSpPr>
-        <p:spPr>
-          <a:xfrm>
-            <a:off x="838200" y="417094"/>
-            <a:ext cx="10515600" cy="6147207"/>
-          </a:xfrm>
-        </p:spPr>
-        <p:txBody>
-          <a:bodyPr>
-            <a:normAutofit fontScale="92500" lnSpcReduction="10000"/>
-          </a:bodyPr>
-          <a:lstStyle/>
-          <a:p>
-            <a:pPr marL="0" indent="0">
-              <a:buNone/>
-            </a:pPr>
-            <a:r>
-              <a:rPr lang="en-US" sz="3300" b="1" dirty="0" smtClean="0"/>
-              <a:t>FR1.1</a:t>
-            </a:r>
-            <a:endParaRPr lang="en-GB" sz="3300" b="1" dirty="0" smtClean="0"/>
-          </a:p>
-          <a:p>
-            <a:pPr marL="0" indent="0">
-              <a:buNone/>
-            </a:pPr>
-            <a:r>
-              <a:rPr lang="en-US" sz="3300" b="1" dirty="0" smtClean="0"/>
-              <a:t>Title:</a:t>
-            </a:r>
-            <a:r>
-              <a:rPr lang="en-US" sz="3300" dirty="0" smtClean="0"/>
-              <a:t> Register account</a:t>
-            </a:r>
-            <a:endParaRPr lang="en-GB" sz="3300" dirty="0" smtClean="0"/>
-          </a:p>
-          <a:p>
-            <a:pPr marL="0" indent="0">
-              <a:buNone/>
-            </a:pPr>
-            <a:r>
-              <a:rPr lang="en-US" sz="3300" b="1" dirty="0" smtClean="0"/>
-              <a:t>Description: </a:t>
-            </a:r>
-            <a:r>
-              <a:rPr lang="en-US" sz="3300" dirty="0" smtClean="0"/>
-              <a:t>A user should be able to visit the website and register an account if they do not already have one. The user must provide their name, email address and password. Only one account for a given email address is allowed. </a:t>
-            </a:r>
-            <a:endParaRPr lang="en-GB" sz="3300" dirty="0" smtClean="0"/>
-          </a:p>
-          <a:p>
-            <a:pPr marL="0" indent="0">
-              <a:buNone/>
-            </a:pPr>
-            <a:r>
-              <a:rPr lang="en-US" sz="3300" dirty="0" smtClean="0"/>
-              <a:t> </a:t>
-            </a:r>
-            <a:endParaRPr lang="en-GB" sz="3300" dirty="0" smtClean="0"/>
-          </a:p>
-          <a:p>
-            <a:pPr marL="0" indent="0">
-              <a:buNone/>
-            </a:pPr>
-            <a:r>
-              <a:rPr lang="en-US" sz="3300" b="1" dirty="0" smtClean="0"/>
-              <a:t>FR1.2</a:t>
-            </a:r>
-            <a:endParaRPr lang="en-GB" sz="3300" b="1" dirty="0" smtClean="0"/>
-          </a:p>
-          <a:p>
-            <a:pPr marL="0" indent="0">
-              <a:buNone/>
-            </a:pPr>
-            <a:r>
-              <a:rPr lang="en-US" sz="3300" b="1" dirty="0" smtClean="0"/>
-              <a:t>Title:</a:t>
-            </a:r>
-            <a:r>
-              <a:rPr lang="en-US" sz="3300" dirty="0" smtClean="0"/>
-              <a:t> Sign in</a:t>
-            </a:r>
-            <a:endParaRPr lang="en-GB" sz="3300" dirty="0" smtClean="0"/>
-          </a:p>
-          <a:p>
-            <a:pPr marL="0" indent="0">
-              <a:buNone/>
-            </a:pPr>
-            <a:r>
-              <a:rPr lang="en-US" sz="3300" b="1" dirty="0" smtClean="0"/>
-              <a:t>Description: </a:t>
-            </a:r>
-            <a:r>
-              <a:rPr lang="en-US" sz="3300" dirty="0" smtClean="0"/>
-              <a:t>Given that a user has registered an account, then the user should be able to login into the web application and access their feed.</a:t>
-            </a:r>
-            <a:endParaRPr lang="en-GB" sz="3300" dirty="0" smtClean="0"/>
-          </a:p>
-          <a:p>
-            <a:pPr marL="0" indent="0">
-              <a:buNone/>
-            </a:pPr>
-            <a:r>
-              <a:rPr lang="en-US" sz="3300" b="1" dirty="0" smtClean="0"/>
-              <a:t>Dependency: </a:t>
-            </a:r>
-            <a:r>
-              <a:rPr lang="en-US" sz="3300" dirty="0" smtClean="0"/>
-              <a:t>1.1</a:t>
-            </a:r>
-            <a:endParaRPr lang="en-GB" sz="3300" dirty="0" smtClean="0"/>
-          </a:p>
-          <a:p>
-            <a:pPr marL="0" indent="0">
-              <a:buNone/>
-            </a:pPr>
-            <a:endParaRPr lang="en-GB" dirty="0"/>
-          </a:p>
-        </p:txBody>
-      </p:sp>
-    </p:spTree>
-    <p:extLst>
-      <p:ext uri="{BB962C8B-B14F-4D97-AF65-F5344CB8AC3E}">
-        <p14:creationId xmlns:p14="http://schemas.microsoft.com/office/powerpoint/2010/main" val="1275132802"/>
-      </p:ext>
-    </p:extLst>
-  </p:cSld>
-  <p:clrMapOvr>
-    <a:masterClrMapping/>
-  </p:clrMapOvr>
-</p:sld>
-</file>
-
-<file path=ppt/slides/slide6.xml><?xml version="1.0" encoding="utf-8"?>
-<p:sld xmlns:a="http://schemas.openxmlformats.org/drawingml/2006/main" xmlns:r="http://schemas.openxmlformats.org/officeDocument/2006/relationships" xmlns:p="http://schemas.openxmlformats.org/presentationml/2006/main">
-  <p:cSld>
-    <p:spTree>
-      <p:nvGrpSpPr>
-        <p:cNvPr id="1" name=""/>
-        <p:cNvGrpSpPr/>
-        <p:nvPr/>
-      </p:nvGrpSpPr>
-      <p:grpSpPr>
-        <a:xfrm>
-          <a:off x="0" y="0"/>
-          <a:ext cx="0" cy="0"/>
-          <a:chOff x="0" y="0"/>
-          <a:chExt cx="0" cy="0"/>
-        </a:xfrm>
-      </p:grpSpPr>
-      <p:sp>
-        <p:nvSpPr>
-          <p:cNvPr id="3" name="Platshållare för innehåll 2"/>
-          <p:cNvSpPr>
-            <a:spLocks noGrp="1"/>
-          </p:cNvSpPr>
-          <p:nvPr>
-            <p:ph idx="1"/>
-          </p:nvPr>
-        </p:nvSpPr>
-        <p:spPr>
-          <a:xfrm>
-            <a:off x="838200" y="417095"/>
-            <a:ext cx="10515600" cy="6128084"/>
-          </a:xfrm>
-        </p:spPr>
-        <p:txBody>
-          <a:bodyPr>
-            <a:normAutofit fontScale="62500" lnSpcReduction="20000"/>
-          </a:bodyPr>
-          <a:lstStyle/>
-          <a:p>
-            <a:pPr marL="0" indent="0">
-              <a:buNone/>
-            </a:pPr>
-            <a:r>
-              <a:rPr lang="en-US" sz="5100" b="1" dirty="0"/>
-              <a:t>FR1.3</a:t>
-            </a:r>
-            <a:endParaRPr lang="en-GB" sz="5100" b="1" dirty="0"/>
-          </a:p>
-          <a:p>
-            <a:pPr marL="0" indent="0">
-              <a:buNone/>
-            </a:pPr>
-            <a:r>
-              <a:rPr lang="en-US" sz="5100" b="1" dirty="0"/>
-              <a:t>Title:</a:t>
-            </a:r>
-            <a:r>
-              <a:rPr lang="en-US" sz="5100" dirty="0"/>
-              <a:t> Forgot password</a:t>
-            </a:r>
-            <a:endParaRPr lang="en-GB" sz="5100" dirty="0"/>
-          </a:p>
-          <a:p>
-            <a:pPr marL="0" indent="0">
-              <a:buNone/>
-            </a:pPr>
-            <a:r>
-              <a:rPr lang="en-US" sz="5100" b="1" dirty="0"/>
-              <a:t>Description: </a:t>
-            </a:r>
-            <a:r>
-              <a:rPr lang="en-US" sz="5100" dirty="0"/>
-              <a:t>Given that a user has registered an account, the </a:t>
-            </a:r>
-            <a:r>
-              <a:rPr lang="en-US" sz="5100" dirty="0" err="1"/>
-              <a:t>the</a:t>
-            </a:r>
-            <a:r>
-              <a:rPr lang="en-US" sz="5100" dirty="0"/>
-              <a:t> user should be able to request </a:t>
-            </a:r>
-            <a:r>
-              <a:rPr lang="en-US" sz="5100" dirty="0" smtClean="0"/>
-              <a:t>a new </a:t>
-            </a:r>
-            <a:r>
-              <a:rPr lang="en-US" sz="5100" dirty="0"/>
-              <a:t>password if it is forgotten.</a:t>
-            </a:r>
-            <a:endParaRPr lang="en-GB" sz="5100" dirty="0"/>
-          </a:p>
-          <a:p>
-            <a:pPr marL="0" indent="0">
-              <a:buNone/>
-            </a:pPr>
-            <a:r>
-              <a:rPr lang="en-US" sz="5100" b="1" dirty="0"/>
-              <a:t>Dependency: </a:t>
-            </a:r>
-            <a:r>
-              <a:rPr lang="en-US" sz="5100" dirty="0"/>
-              <a:t>1.1</a:t>
-            </a:r>
-            <a:endParaRPr lang="en-GB" sz="5100" dirty="0"/>
-          </a:p>
-          <a:p>
-            <a:pPr marL="0" indent="0">
-              <a:buNone/>
-            </a:pPr>
-            <a:r>
-              <a:rPr lang="en-US" sz="5100" dirty="0"/>
-              <a:t> </a:t>
-            </a:r>
-            <a:endParaRPr lang="en-GB" sz="5100" dirty="0"/>
-          </a:p>
-          <a:p>
-            <a:pPr marL="0" indent="0">
-              <a:buNone/>
-            </a:pPr>
-            <a:r>
-              <a:rPr lang="en-US" sz="5100" b="1" dirty="0"/>
-              <a:t>FR1.4</a:t>
-            </a:r>
-            <a:endParaRPr lang="en-GB" sz="5100" b="1" dirty="0"/>
-          </a:p>
-          <a:p>
-            <a:pPr marL="0" indent="0">
-              <a:buNone/>
-            </a:pPr>
-            <a:r>
-              <a:rPr lang="en-US" sz="5100" b="1" dirty="0"/>
-              <a:t>Title:</a:t>
-            </a:r>
-            <a:r>
-              <a:rPr lang="en-US" sz="5100" dirty="0"/>
-              <a:t> Profile page</a:t>
-            </a:r>
-            <a:endParaRPr lang="en-GB" sz="5100" dirty="0"/>
-          </a:p>
-          <a:p>
-            <a:pPr marL="0" indent="0">
-              <a:buNone/>
-            </a:pPr>
-            <a:r>
-              <a:rPr lang="en-US" sz="5100" b="1" dirty="0"/>
-              <a:t>Description: </a:t>
-            </a:r>
-            <a:r>
-              <a:rPr lang="en-US" sz="5100" dirty="0"/>
-              <a:t> A registered user should have their own profile page which they should be able </a:t>
-            </a:r>
-            <a:r>
-              <a:rPr lang="en-US" sz="5100" dirty="0" smtClean="0"/>
-              <a:t>to edit</a:t>
-            </a:r>
-            <a:r>
-              <a:rPr lang="en-US" sz="5100" dirty="0"/>
-              <a:t>. This included their name, a profile picture, location, gender, description and dogs.</a:t>
-            </a:r>
-            <a:endParaRPr lang="en-GB" sz="5100" dirty="0"/>
-          </a:p>
-          <a:p>
-            <a:pPr marL="0" indent="0">
-              <a:buNone/>
-            </a:pPr>
-            <a:r>
-              <a:rPr lang="en-US" sz="5100" b="1" dirty="0"/>
-              <a:t>Dependency: </a:t>
-            </a:r>
-            <a:r>
-              <a:rPr lang="en-US" sz="5100" dirty="0"/>
-              <a:t>1.1, 1.2</a:t>
-            </a:r>
-            <a:endParaRPr lang="en-GB" sz="5100" dirty="0"/>
-          </a:p>
-          <a:p>
-            <a:pPr marL="0" indent="0">
-              <a:buNone/>
-            </a:pPr>
-            <a:endParaRPr lang="en-GB" dirty="0"/>
-          </a:p>
-        </p:txBody>
-      </p:sp>
-    </p:spTree>
-    <p:extLst>
-      <p:ext uri="{BB962C8B-B14F-4D97-AF65-F5344CB8AC3E}">
-        <p14:creationId xmlns:p14="http://schemas.microsoft.com/office/powerpoint/2010/main" val="1617312003"/>
-      </p:ext>
-    </p:extLst>
-  </p:cSld>
-  <p:clrMapOvr>
-    <a:masterClrMapping/>
-  </p:clrMapOvr>
-</p:sld>
-</file>
-
-<file path=ppt/slides/slide7.xml><?xml version="1.0" encoding="utf-8"?>
-<p:sld xmlns:a="http://schemas.openxmlformats.org/drawingml/2006/main" xmlns:r="http://schemas.openxmlformats.org/officeDocument/2006/relationships" xmlns:p="http://schemas.openxmlformats.org/presentationml/2006/main">
-  <p:cSld>
-    <p:spTree>
-      <p:nvGrpSpPr>
-        <p:cNvPr id="1" name=""/>
-        <p:cNvGrpSpPr/>
-        <p:nvPr/>
-      </p:nvGrpSpPr>
-      <p:grpSpPr>
-        <a:xfrm>
-          <a:off x="0" y="0"/>
-          <a:ext cx="0" cy="0"/>
-          <a:chOff x="0" y="0"/>
-          <a:chExt cx="0" cy="0"/>
-        </a:xfrm>
-      </p:grpSpPr>
-      <p:sp>
-        <p:nvSpPr>
-          <p:cNvPr id="3" name="Platshållare för innehåll 2"/>
-          <p:cNvSpPr>
-            <a:spLocks noGrp="1"/>
-          </p:cNvSpPr>
-          <p:nvPr>
-            <p:ph idx="1"/>
-          </p:nvPr>
-        </p:nvSpPr>
-        <p:spPr>
-          <a:xfrm>
-            <a:off x="838200" y="417095"/>
-            <a:ext cx="10515600" cy="6128084"/>
-          </a:xfrm>
-        </p:spPr>
-        <p:txBody>
-          <a:bodyPr>
-            <a:normAutofit fontScale="92500" lnSpcReduction="20000"/>
-          </a:bodyPr>
-          <a:lstStyle/>
-          <a:p>
-            <a:pPr marL="0" indent="0">
-              <a:buNone/>
-            </a:pPr>
-            <a:r>
-              <a:rPr lang="en-US" b="1" dirty="0"/>
-              <a:t>FR1.5</a:t>
-            </a:r>
-            <a:endParaRPr lang="en-GB" b="1" dirty="0"/>
-          </a:p>
-          <a:p>
-            <a:pPr marL="0" indent="0">
-              <a:buNone/>
-            </a:pPr>
-            <a:r>
-              <a:rPr lang="en-US" b="1" dirty="0"/>
-              <a:t>Title:</a:t>
-            </a:r>
-            <a:r>
-              <a:rPr lang="en-US" dirty="0"/>
-              <a:t> Dogs</a:t>
-            </a:r>
-            <a:endParaRPr lang="en-GB" dirty="0"/>
-          </a:p>
-          <a:p>
-            <a:pPr marL="0" indent="0">
-              <a:buNone/>
-            </a:pPr>
-            <a:r>
-              <a:rPr lang="en-US" b="1" dirty="0"/>
-              <a:t>Description: </a:t>
-            </a:r>
-            <a:r>
-              <a:rPr lang="en-US" dirty="0"/>
-              <a:t> A registered and signed in user should be able to add their dogs on their profile page. When registering a dog, information must be entered. This included name, breed, age, gender and a picture.</a:t>
-            </a:r>
-            <a:endParaRPr lang="en-GB" dirty="0"/>
-          </a:p>
-          <a:p>
-            <a:pPr marL="0" indent="0">
-              <a:buNone/>
-            </a:pPr>
-            <a:r>
-              <a:rPr lang="en-US" dirty="0"/>
-              <a:t> </a:t>
-            </a:r>
-            <a:endParaRPr lang="en-GB" dirty="0"/>
-          </a:p>
-          <a:p>
-            <a:pPr marL="0" indent="0">
-              <a:buNone/>
-            </a:pPr>
-            <a:r>
-              <a:rPr lang="en-US" dirty="0"/>
-              <a:t>A user should also be able to edit information about an already added dog as well as removing it completely.</a:t>
-            </a:r>
-            <a:endParaRPr lang="en-GB" dirty="0"/>
-          </a:p>
-          <a:p>
-            <a:pPr marL="0" indent="0">
-              <a:buNone/>
-            </a:pPr>
-            <a:r>
-              <a:rPr lang="en-US" b="1" dirty="0"/>
-              <a:t>Dependency: </a:t>
-            </a:r>
-            <a:r>
-              <a:rPr lang="en-US" dirty="0"/>
-              <a:t>1.1, 1.2, 1.4</a:t>
-            </a:r>
-            <a:endParaRPr lang="en-GB" dirty="0"/>
-          </a:p>
-          <a:p>
-            <a:pPr marL="0" indent="0">
-              <a:buNone/>
-            </a:pPr>
-            <a:r>
-              <a:rPr lang="en-US" dirty="0"/>
-              <a:t> </a:t>
-            </a:r>
-            <a:endParaRPr lang="en-GB" dirty="0"/>
-          </a:p>
-          <a:p>
-            <a:pPr marL="0" indent="0">
-              <a:buNone/>
-            </a:pPr>
-            <a:r>
-              <a:rPr lang="en-US" b="1" dirty="0"/>
-              <a:t>FR1.6</a:t>
-            </a:r>
-            <a:endParaRPr lang="en-GB" b="1" dirty="0"/>
-          </a:p>
-          <a:p>
-            <a:pPr marL="0" indent="0">
-              <a:buNone/>
-            </a:pPr>
-            <a:r>
-              <a:rPr lang="en-US" b="1" dirty="0"/>
-              <a:t>Title:</a:t>
-            </a:r>
-            <a:r>
-              <a:rPr lang="en-US" dirty="0"/>
-              <a:t> Create event</a:t>
-            </a:r>
-            <a:endParaRPr lang="en-GB" dirty="0"/>
-          </a:p>
-          <a:p>
-            <a:pPr marL="0" indent="0">
-              <a:buNone/>
-            </a:pPr>
-            <a:r>
-              <a:rPr lang="en-US" b="1" dirty="0"/>
-              <a:t>Description: </a:t>
-            </a:r>
-            <a:r>
-              <a:rPr lang="en-US" dirty="0"/>
-              <a:t> A registered and signed in user should be able create a new event, when creating an event information must be supplied, this includes title, description, date, time and location.</a:t>
-            </a:r>
-            <a:endParaRPr lang="en-GB" dirty="0"/>
-          </a:p>
-          <a:p>
-            <a:pPr marL="0" indent="0">
-              <a:buNone/>
-            </a:pPr>
-            <a:r>
-              <a:rPr lang="en-US" b="1" dirty="0"/>
-              <a:t>Dependency: </a:t>
-            </a:r>
-            <a:r>
-              <a:rPr lang="en-US" dirty="0"/>
-              <a:t>1.1, 1.2</a:t>
-            </a:r>
-            <a:endParaRPr lang="en-GB" dirty="0"/>
-          </a:p>
-          <a:p>
-            <a:pPr marL="0" indent="0">
-              <a:buNone/>
-            </a:pPr>
-            <a:endParaRPr lang="en-GB" dirty="0"/>
-          </a:p>
-        </p:txBody>
-      </p:sp>
-    </p:spTree>
-    <p:extLst>
-      <p:ext uri="{BB962C8B-B14F-4D97-AF65-F5344CB8AC3E}">
-        <p14:creationId xmlns:p14="http://schemas.microsoft.com/office/powerpoint/2010/main" val="1629402377"/>
-      </p:ext>
-    </p:extLst>
-  </p:cSld>
-  <p:clrMapOvr>
-    <a:masterClrMapping/>
-  </p:clrMapOvr>
-</p:sld>
-</file>
-
 <file path=ppt/slides/slide8.xml><?xml version="1.0" encoding="utf-8"?>
 <p:sld xmlns:a="http://schemas.openxmlformats.org/drawingml/2006/main" xmlns:r="http://schemas.openxmlformats.org/officeDocument/2006/relationships" xmlns:p="http://schemas.openxmlformats.org/presentationml/2006/main">
   <p:cSld>
@@ -4954,143 +5082,29 @@
       </p:grpSpPr>
       <p:sp>
         <p:nvSpPr>
-          <p:cNvPr id="3" name="Platshållare för innehåll 2"/>
-          <p:cNvSpPr>
-            <a:spLocks noGrp="1"/>
-          </p:cNvSpPr>
-          <p:nvPr>
-            <p:ph idx="1"/>
+          <p:cNvPr id="2" name="Rubrik 1"/>
+          <p:cNvSpPr>
+            <a:spLocks noGrp="1"/>
+          </p:cNvSpPr>
+          <p:nvPr>
+            <p:ph type="title"/>
           </p:nvPr>
         </p:nvSpPr>
         <p:spPr>
           <a:xfrm>
-            <a:off x="838200" y="336884"/>
-            <a:ext cx="10515600" cy="5840079"/>
+            <a:off x="838200" y="365125"/>
+            <a:ext cx="10515600" cy="6083801"/>
           </a:xfrm>
         </p:spPr>
         <p:txBody>
-          <a:bodyPr>
-            <a:normAutofit lnSpcReduction="10000"/>
-          </a:bodyPr>
-          <a:lstStyle/>
-          <a:p>
-            <a:pPr marL="0" indent="0">
-              <a:buNone/>
-            </a:pPr>
-            <a:r>
-              <a:rPr lang="en-US" b="1" dirty="0"/>
-              <a:t>FR1.7</a:t>
-            </a:r>
-            <a:endParaRPr lang="en-GB" b="1" dirty="0"/>
-          </a:p>
-          <a:p>
-            <a:pPr marL="0" indent="0">
-              <a:buNone/>
-            </a:pPr>
-            <a:r>
-              <a:rPr lang="en-US" b="1" dirty="0"/>
-              <a:t>Title:</a:t>
-            </a:r>
-            <a:r>
-              <a:rPr lang="en-US" dirty="0"/>
-              <a:t> View feed</a:t>
-            </a:r>
-            <a:endParaRPr lang="en-GB" dirty="0"/>
-          </a:p>
-          <a:p>
-            <a:pPr marL="0" indent="0">
-              <a:buNone/>
-            </a:pPr>
-            <a:r>
-              <a:rPr lang="en-US" b="1" dirty="0"/>
-              <a:t>Description: </a:t>
-            </a:r>
-            <a:r>
-              <a:rPr lang="en-US" dirty="0"/>
-              <a:t> A registered and signed in user should see nearby event in his/her feed. The events in the feed should be filtered on the event location and the location set by the user in his/her profile.</a:t>
-            </a:r>
-            <a:endParaRPr lang="en-GB" dirty="0"/>
-          </a:p>
-          <a:p>
-            <a:pPr marL="0" indent="0">
-              <a:buNone/>
-            </a:pPr>
-            <a:r>
-              <a:rPr lang="en-US" b="1" dirty="0"/>
-              <a:t>Dependency: </a:t>
-            </a:r>
-            <a:r>
-              <a:rPr lang="en-US" dirty="0"/>
-              <a:t>1.1, 1.2, 1.4, 1.6</a:t>
-            </a:r>
-            <a:endParaRPr lang="en-GB" dirty="0"/>
-          </a:p>
-          <a:p>
-            <a:pPr marL="0" indent="0">
-              <a:buNone/>
-            </a:pPr>
-            <a:r>
-              <a:rPr lang="en-US" dirty="0"/>
-              <a:t> </a:t>
-            </a:r>
-            <a:endParaRPr lang="en-GB" dirty="0"/>
-          </a:p>
-          <a:p>
-            <a:pPr marL="0" indent="0">
-              <a:buNone/>
-            </a:pPr>
-            <a:r>
-              <a:rPr lang="en-US" b="1" dirty="0"/>
-              <a:t>FR1.8</a:t>
-            </a:r>
-            <a:endParaRPr lang="en-GB" b="1" dirty="0"/>
-          </a:p>
-          <a:p>
-            <a:pPr marL="0" indent="0">
-              <a:buNone/>
-            </a:pPr>
-            <a:r>
-              <a:rPr lang="en-US" b="1" dirty="0"/>
-              <a:t>Title:</a:t>
-            </a:r>
-            <a:r>
-              <a:rPr lang="en-US" dirty="0"/>
-              <a:t> Edit event</a:t>
-            </a:r>
-            <a:endParaRPr lang="en-GB" dirty="0"/>
-          </a:p>
-          <a:p>
-            <a:pPr marL="0" indent="0">
-              <a:buNone/>
-            </a:pPr>
-            <a:r>
-              <a:rPr lang="en-US" b="1" dirty="0"/>
-              <a:t>Description: </a:t>
-            </a:r>
-            <a:r>
-              <a:rPr lang="en-US" dirty="0"/>
-              <a:t> A registered and signed in user should be able to edit his/her own events. Title, description, time and location should all be possible to edit. </a:t>
-            </a:r>
-            <a:endParaRPr lang="en-GB" dirty="0"/>
-          </a:p>
-          <a:p>
-            <a:pPr marL="0" indent="0">
-              <a:buNone/>
-            </a:pPr>
-            <a:r>
-              <a:rPr lang="en-US" b="1" dirty="0"/>
-              <a:t>Dependency: </a:t>
-            </a:r>
-            <a:r>
-              <a:rPr lang="en-US" dirty="0"/>
-              <a:t>1.1, 1.2, 1.6</a:t>
-            </a:r>
-            <a:endParaRPr lang="en-GB" dirty="0"/>
-          </a:p>
-          <a:p>
-            <a:pPr marL="0" indent="0">
-              <a:buNone/>
-            </a:pPr>
+          <a:bodyPr/>
+          <a:lstStyle/>
+          <a:p>
+            <a:pPr algn="ctr"/>
+            <a:r>
+              <a:rPr lang="en-GB" dirty="0" smtClean="0"/>
+              <a:t>Functional Requirements</a:t>
+            </a:r>
             <a:endParaRPr lang="en-GB" dirty="0"/>
           </a:p>
         </p:txBody>
@@ -5098,7 +5112,7 @@
     </p:spTree>
     <p:extLst>
       <p:ext uri="{BB962C8B-B14F-4D97-AF65-F5344CB8AC3E}">
-        <p14:creationId xmlns:p14="http://schemas.microsoft.com/office/powerpoint/2010/main" val="317627613"/>
+        <p14:creationId xmlns:p14="http://schemas.microsoft.com/office/powerpoint/2010/main" val="4021292497"/>
       </p:ext>
     </p:extLst>
   </p:cSld>
@@ -5137,13 +5151,13 @@
         </p:nvSpPr>
         <p:spPr>
           <a:xfrm>
-            <a:off x="838200" y="545432"/>
-            <a:ext cx="10515600" cy="5631531"/>
+            <a:off x="838200" y="417094"/>
+            <a:ext cx="10515600" cy="6147207"/>
           </a:xfrm>
         </p:spPr>
         <p:txBody>
           <a:bodyPr>
-            <a:normAutofit lnSpcReduction="10000"/>
+            <a:normAutofit fontScale="92500" lnSpcReduction="10000"/>
           </a:bodyPr>
           <a:lstStyle/>
           <a:p>
@@ -5151,114 +5165,100 @@
               <a:buNone/>
             </a:pPr>
             <a:r>
-              <a:rPr lang="en-US" b="1" dirty="0"/>
-              <a:t>FR1.9</a:t>
-            </a:r>
-            <a:endParaRPr lang="en-GB" b="1" dirty="0"/>
-          </a:p>
-          <a:p>
-            <a:pPr marL="0" indent="0">
-              <a:buNone/>
-            </a:pPr>
-            <a:r>
-              <a:rPr lang="en-US" b="1" dirty="0"/>
+              <a:rPr lang="en-US" sz="3300" b="1" dirty="0" smtClean="0"/>
+              <a:t>FR1.1</a:t>
+            </a:r>
+            <a:endParaRPr lang="en-GB" sz="3300" b="1" dirty="0" smtClean="0"/>
+          </a:p>
+          <a:p>
+            <a:pPr marL="0" indent="0">
+              <a:buNone/>
+            </a:pPr>
+            <a:r>
+              <a:rPr lang="en-US" sz="3300" b="1" dirty="0" smtClean="0"/>
               <a:t>Title:</a:t>
             </a:r>
             <a:r>
-              <a:rPr lang="en-US" dirty="0"/>
-              <a:t> Cancel event</a:t>
-            </a:r>
-            <a:endParaRPr lang="en-GB" dirty="0"/>
-          </a:p>
-          <a:p>
-            <a:pPr marL="0" indent="0">
-              <a:buNone/>
-            </a:pPr>
-            <a:r>
-              <a:rPr lang="en-US" b="1" dirty="0"/>
+              <a:rPr lang="en-US" sz="3300" dirty="0" smtClean="0"/>
+              <a:t> Register account</a:t>
+            </a:r>
+            <a:endParaRPr lang="en-GB" sz="3300" dirty="0" smtClean="0"/>
+          </a:p>
+          <a:p>
+            <a:pPr marL="0" indent="0">
+              <a:buNone/>
+            </a:pPr>
+            <a:r>
+              <a:rPr lang="en-US" sz="3300" b="1" dirty="0" smtClean="0"/>
               <a:t>Description: </a:t>
             </a:r>
             <a:r>
-              <a:rPr lang="en-US" dirty="0"/>
-              <a:t> A registered and signed in user should be able to cancel his/her own events.</a:t>
-            </a:r>
-            <a:endParaRPr lang="en-GB" dirty="0"/>
-          </a:p>
-          <a:p>
-            <a:pPr marL="0" indent="0">
-              <a:buNone/>
-            </a:pPr>
-            <a:r>
-              <a:rPr lang="en-US" b="1" dirty="0"/>
+              <a:rPr lang="en-US" sz="3300" dirty="0" smtClean="0"/>
+              <a:t>A user should be able to visit the website and register an account if they do not already have one. The user must provide their name, email address and password. Only one account for a given email address is allowed. </a:t>
+            </a:r>
+            <a:endParaRPr lang="en-GB" sz="3300" dirty="0" smtClean="0"/>
+          </a:p>
+          <a:p>
+            <a:pPr marL="0" indent="0">
+              <a:buNone/>
+            </a:pPr>
+            <a:r>
+              <a:rPr lang="en-US" sz="3300" dirty="0" smtClean="0"/>
+              <a:t> </a:t>
+            </a:r>
+            <a:endParaRPr lang="en-GB" sz="3300" dirty="0" smtClean="0"/>
+          </a:p>
+          <a:p>
+            <a:pPr marL="0" indent="0">
+              <a:buNone/>
+            </a:pPr>
+            <a:r>
+              <a:rPr lang="en-US" sz="3300" b="1" dirty="0" smtClean="0"/>
+              <a:t>FR1.2</a:t>
+            </a:r>
+            <a:endParaRPr lang="en-GB" sz="3300" b="1" dirty="0" smtClean="0"/>
+          </a:p>
+          <a:p>
+            <a:pPr marL="0" indent="0">
+              <a:buNone/>
+            </a:pPr>
+            <a:r>
+              <a:rPr lang="en-US" sz="3300" b="1" dirty="0" smtClean="0"/>
+              <a:t>Title:</a:t>
+            </a:r>
+            <a:r>
+              <a:rPr lang="en-US" sz="3300" dirty="0" smtClean="0"/>
+              <a:t> Sign in</a:t>
+            </a:r>
+            <a:endParaRPr lang="en-GB" sz="3300" dirty="0" smtClean="0"/>
+          </a:p>
+          <a:p>
+            <a:pPr marL="0" indent="0">
+              <a:buNone/>
+            </a:pPr>
+            <a:r>
+              <a:rPr lang="en-US" sz="3300" b="1" dirty="0" smtClean="0"/>
+              <a:t>Description: </a:t>
+            </a:r>
+            <a:r>
+              <a:rPr lang="en-US" sz="3300" dirty="0" smtClean="0"/>
+              <a:t>Given that a user has registered an account, then the user should be able to login into the web application and access their feed.</a:t>
+            </a:r>
+            <a:endParaRPr lang="en-GB" sz="3300" dirty="0" smtClean="0"/>
+          </a:p>
+          <a:p>
+            <a:pPr marL="0" indent="0">
+              <a:buNone/>
+            </a:pPr>
+            <a:r>
+              <a:rPr lang="en-US" sz="3300" b="1" dirty="0" smtClean="0"/>
               <a:t>Dependency: </a:t>
             </a:r>
             <a:r>
-              <a:rPr lang="en-US" dirty="0"/>
-              <a:t>1.1, 1.2, 1.6</a:t>
-            </a:r>
-            <a:endParaRPr lang="en-GB" dirty="0"/>
-          </a:p>
-          <a:p>
-            <a:pPr marL="0" indent="0">
-              <a:buNone/>
-            </a:pPr>
-            <a:r>
-              <a:rPr lang="en-US" dirty="0"/>
-              <a:t>  </a:t>
-            </a:r>
-            <a:endParaRPr lang="en-GB" dirty="0"/>
-          </a:p>
-          <a:p>
-            <a:pPr marL="0" indent="0">
-              <a:buNone/>
-            </a:pPr>
-            <a:r>
-              <a:rPr lang="en-US" b="1" dirty="0"/>
-              <a:t>FR1.10</a:t>
-            </a:r>
-            <a:endParaRPr lang="en-GB" b="1" dirty="0"/>
-          </a:p>
-          <a:p>
-            <a:pPr marL="0" indent="0">
-              <a:buNone/>
-            </a:pPr>
-            <a:r>
-              <a:rPr lang="en-US" b="1" dirty="0"/>
-              <a:t>Title:</a:t>
-            </a:r>
-            <a:r>
-              <a:rPr lang="en-US" dirty="0"/>
-              <a:t> Request join event</a:t>
-            </a:r>
-            <a:endParaRPr lang="en-GB" dirty="0"/>
-          </a:p>
-          <a:p>
-            <a:pPr marL="0" indent="0">
-              <a:buNone/>
-            </a:pPr>
-            <a:r>
-              <a:rPr lang="en-US" b="1" dirty="0"/>
-              <a:t>Description: </a:t>
-            </a:r>
-            <a:r>
-              <a:rPr lang="en-US" dirty="0"/>
-              <a:t> A registered and signed in user should be able to request to join other users events. The user should not get access to the event until the request has been approved.</a:t>
-            </a:r>
-            <a:endParaRPr lang="en-GB" dirty="0"/>
-          </a:p>
-          <a:p>
-            <a:pPr marL="0" indent="0">
-              <a:buNone/>
-            </a:pPr>
-            <a:r>
-              <a:rPr lang="en-US" b="1" dirty="0"/>
-              <a:t>Dependency: </a:t>
-            </a:r>
-            <a:r>
-              <a:rPr lang="en-US" dirty="0"/>
-              <a:t>1.1, 1.2, 1.6</a:t>
-            </a:r>
-            <a:endParaRPr lang="en-GB" dirty="0"/>
+              <a:rPr lang="en-US" sz="3300" dirty="0" smtClean="0"/>
+              <a:t>1.1</a:t>
+            </a:r>
+            <a:endParaRPr lang="en-GB" sz="3300" dirty="0" smtClean="0"/>
           </a:p>
           <a:p>
             <a:pPr marL="0" indent="0">
@@ -5271,7 +5271,7 @@
     </p:spTree>
     <p:extLst>
       <p:ext uri="{BB962C8B-B14F-4D97-AF65-F5344CB8AC3E}">
-        <p14:creationId xmlns:p14="http://schemas.microsoft.com/office/powerpoint/2010/main" val="1340726040"/>
+        <p14:creationId xmlns:p14="http://schemas.microsoft.com/office/powerpoint/2010/main" val="1275132802"/>
       </p:ext>
     </p:extLst>
   </p:cSld>

--- a/documentation/presentation/Internet of Dogs.pptx
+++ b/documentation/presentation/Internet of Dogs.pptx
@@ -121,7 +121,7 @@
   </p:defaultTextStyle>
   <p:extLst>
     <p:ext uri="{EFAFB233-063F-42B5-8137-9DF3F51BA10A}">
-      <p15:sldGuideLst xmlns:p15="http://schemas.microsoft.com/office/powerpoint/2012/main">
+      <p15:sldGuideLst xmlns:p15="http://schemas.microsoft.com/office/powerpoint/2012/main" xmlns="">
         <p15:guide id="1" orient="horz" pos="2160">
           <p15:clr>
             <a:srgbClr val="A4A3A4"/>
@@ -322,7 +322,7 @@
     </p:spTree>
     <p:extLst>
       <p:ext uri="{BB962C8B-B14F-4D97-AF65-F5344CB8AC3E}">
-        <p14:creationId xmlns:p14="http://schemas.microsoft.com/office/powerpoint/2010/main" val="414315317"/>
+        <p14:creationId xmlns:p14="http://schemas.microsoft.com/office/powerpoint/2010/main" xmlns="" val="414315317"/>
       </p:ext>
     </p:extLst>
   </p:cSld>
@@ -494,7 +494,7 @@
     </p:spTree>
     <p:extLst>
       <p:ext uri="{BB962C8B-B14F-4D97-AF65-F5344CB8AC3E}">
-        <p14:creationId xmlns:p14="http://schemas.microsoft.com/office/powerpoint/2010/main" val="627507893"/>
+        <p14:creationId xmlns:p14="http://schemas.microsoft.com/office/powerpoint/2010/main" xmlns="" val="627507893"/>
       </p:ext>
     </p:extLst>
   </p:cSld>
@@ -676,7 +676,7 @@
     </p:spTree>
     <p:extLst>
       <p:ext uri="{BB962C8B-B14F-4D97-AF65-F5344CB8AC3E}">
-        <p14:creationId xmlns:p14="http://schemas.microsoft.com/office/powerpoint/2010/main" val="3261271762"/>
+        <p14:creationId xmlns:p14="http://schemas.microsoft.com/office/powerpoint/2010/main" xmlns="" val="3261271762"/>
       </p:ext>
     </p:extLst>
   </p:cSld>
@@ -848,7 +848,7 @@
     </p:spTree>
     <p:extLst>
       <p:ext uri="{BB962C8B-B14F-4D97-AF65-F5344CB8AC3E}">
-        <p14:creationId xmlns:p14="http://schemas.microsoft.com/office/powerpoint/2010/main" val="2655322769"/>
+        <p14:creationId xmlns:p14="http://schemas.microsoft.com/office/powerpoint/2010/main" xmlns="" val="2655322769"/>
       </p:ext>
     </p:extLst>
   </p:cSld>
@@ -1096,7 +1096,7 @@
     </p:spTree>
     <p:extLst>
       <p:ext uri="{BB962C8B-B14F-4D97-AF65-F5344CB8AC3E}">
-        <p14:creationId xmlns:p14="http://schemas.microsoft.com/office/powerpoint/2010/main" val="1459600583"/>
+        <p14:creationId xmlns:p14="http://schemas.microsoft.com/office/powerpoint/2010/main" xmlns="" val="1459600583"/>
       </p:ext>
     </p:extLst>
   </p:cSld>
@@ -1330,7 +1330,7 @@
     </p:spTree>
     <p:extLst>
       <p:ext uri="{BB962C8B-B14F-4D97-AF65-F5344CB8AC3E}">
-        <p14:creationId xmlns:p14="http://schemas.microsoft.com/office/powerpoint/2010/main" val="3275583135"/>
+        <p14:creationId xmlns:p14="http://schemas.microsoft.com/office/powerpoint/2010/main" xmlns="" val="3275583135"/>
       </p:ext>
     </p:extLst>
   </p:cSld>
@@ -1699,7 +1699,7 @@
     </p:spTree>
     <p:extLst>
       <p:ext uri="{BB962C8B-B14F-4D97-AF65-F5344CB8AC3E}">
-        <p14:creationId xmlns:p14="http://schemas.microsoft.com/office/powerpoint/2010/main" val="1463298733"/>
+        <p14:creationId xmlns:p14="http://schemas.microsoft.com/office/powerpoint/2010/main" xmlns="" val="1463298733"/>
       </p:ext>
     </p:extLst>
   </p:cSld>
@@ -1819,7 +1819,7 @@
     </p:spTree>
     <p:extLst>
       <p:ext uri="{BB962C8B-B14F-4D97-AF65-F5344CB8AC3E}">
-        <p14:creationId xmlns:p14="http://schemas.microsoft.com/office/powerpoint/2010/main" val="3926653789"/>
+        <p14:creationId xmlns:p14="http://schemas.microsoft.com/office/powerpoint/2010/main" xmlns="" val="3926653789"/>
       </p:ext>
     </p:extLst>
   </p:cSld>
@@ -1916,7 +1916,7 @@
     </p:spTree>
     <p:extLst>
       <p:ext uri="{BB962C8B-B14F-4D97-AF65-F5344CB8AC3E}">
-        <p14:creationId xmlns:p14="http://schemas.microsoft.com/office/powerpoint/2010/main" val="1948629782"/>
+        <p14:creationId xmlns:p14="http://schemas.microsoft.com/office/powerpoint/2010/main" xmlns="" val="1948629782"/>
       </p:ext>
     </p:extLst>
   </p:cSld>
@@ -2195,7 +2195,7 @@
     </p:spTree>
     <p:extLst>
       <p:ext uri="{BB962C8B-B14F-4D97-AF65-F5344CB8AC3E}">
-        <p14:creationId xmlns:p14="http://schemas.microsoft.com/office/powerpoint/2010/main" val="2361966066"/>
+        <p14:creationId xmlns:p14="http://schemas.microsoft.com/office/powerpoint/2010/main" xmlns="" val="2361966066"/>
       </p:ext>
     </p:extLst>
   </p:cSld>
@@ -2450,7 +2450,7 @@
     </p:spTree>
     <p:extLst>
       <p:ext uri="{BB962C8B-B14F-4D97-AF65-F5344CB8AC3E}">
-        <p14:creationId xmlns:p14="http://schemas.microsoft.com/office/powerpoint/2010/main" val="3011896734"/>
+        <p14:creationId xmlns:p14="http://schemas.microsoft.com/office/powerpoint/2010/main" xmlns="" val="3011896734"/>
       </p:ext>
     </p:extLst>
   </p:cSld>
@@ -2701,7 +2701,7 @@
     </p:spTree>
     <p:extLst>
       <p:ext uri="{BB962C8B-B14F-4D97-AF65-F5344CB8AC3E}">
-        <p14:creationId xmlns:p14="http://schemas.microsoft.com/office/powerpoint/2010/main" val="3894683272"/>
+        <p14:creationId xmlns:p14="http://schemas.microsoft.com/office/powerpoint/2010/main" xmlns="" val="3894683272"/>
       </p:ext>
     </p:extLst>
   </p:cSld>
@@ -3068,7 +3068,7 @@
     </p:spTree>
     <p:extLst>
       <p:ext uri="{BB962C8B-B14F-4D97-AF65-F5344CB8AC3E}">
-        <p14:creationId xmlns:p14="http://schemas.microsoft.com/office/powerpoint/2010/main" val="908156176"/>
+        <p14:creationId xmlns:p14="http://schemas.microsoft.com/office/powerpoint/2010/main" xmlns="" val="908156176"/>
       </p:ext>
     </p:extLst>
   </p:cSld>
@@ -3153,12 +3153,12 @@
               <a:t>Given that a user has registered an account, the </a:t>
             </a:r>
             <a:r>
-              <a:rPr lang="en-US" sz="5100" dirty="0" err="1"/>
-              <a:t>the</a:t>
+              <a:rPr lang="en-US" sz="5100" dirty="0" smtClean="0"/>
+              <a:t>user </a:t>
             </a:r>
             <a:r>
               <a:rPr lang="en-US" sz="5100" dirty="0"/>
-              <a:t> user should be able to request </a:t>
+              <a:t>should be able to request </a:t>
             </a:r>
             <a:r>
               <a:rPr lang="en-US" sz="5100" dirty="0" smtClean="0"/>
@@ -3265,7 +3265,7 @@
     </p:spTree>
     <p:extLst>
       <p:ext uri="{BB962C8B-B14F-4D97-AF65-F5344CB8AC3E}">
-        <p14:creationId xmlns:p14="http://schemas.microsoft.com/office/powerpoint/2010/main" val="1617312003"/>
+        <p14:creationId xmlns:p14="http://schemas.microsoft.com/office/powerpoint/2010/main" xmlns="" val="1617312003"/>
       </p:ext>
     </p:extLst>
   </p:cSld>
@@ -3458,7 +3458,7 @@
     </p:spTree>
     <p:extLst>
       <p:ext uri="{BB962C8B-B14F-4D97-AF65-F5344CB8AC3E}">
-        <p14:creationId xmlns:p14="http://schemas.microsoft.com/office/powerpoint/2010/main" val="1629402377"/>
+        <p14:creationId xmlns:p14="http://schemas.microsoft.com/office/powerpoint/2010/main" xmlns="" val="1629402377"/>
       </p:ext>
     </p:extLst>
   </p:cSld>
@@ -3631,7 +3631,7 @@
     </p:spTree>
     <p:extLst>
       <p:ext uri="{BB962C8B-B14F-4D97-AF65-F5344CB8AC3E}">
-        <p14:creationId xmlns:p14="http://schemas.microsoft.com/office/powerpoint/2010/main" val="317627613"/>
+        <p14:creationId xmlns:p14="http://schemas.microsoft.com/office/powerpoint/2010/main" xmlns="" val="317627613"/>
       </p:ext>
     </p:extLst>
   </p:cSld>
@@ -3804,7 +3804,7 @@
     </p:spTree>
     <p:extLst>
       <p:ext uri="{BB962C8B-B14F-4D97-AF65-F5344CB8AC3E}">
-        <p14:creationId xmlns:p14="http://schemas.microsoft.com/office/powerpoint/2010/main" val="1340726040"/>
+        <p14:creationId xmlns:p14="http://schemas.microsoft.com/office/powerpoint/2010/main" xmlns="" val="1340726040"/>
       </p:ext>
     </p:extLst>
   </p:cSld>
@@ -3996,7 +3996,7 @@
     </p:spTree>
     <p:extLst>
       <p:ext uri="{BB962C8B-B14F-4D97-AF65-F5344CB8AC3E}">
-        <p14:creationId xmlns:p14="http://schemas.microsoft.com/office/powerpoint/2010/main" val="2936994397"/>
+        <p14:creationId xmlns:p14="http://schemas.microsoft.com/office/powerpoint/2010/main" xmlns="" val="2936994397"/>
       </p:ext>
     </p:extLst>
   </p:cSld>
@@ -4117,7 +4117,7 @@
     </p:spTree>
     <p:extLst>
       <p:ext uri="{BB962C8B-B14F-4D97-AF65-F5344CB8AC3E}">
-        <p14:creationId xmlns:p14="http://schemas.microsoft.com/office/powerpoint/2010/main" val="3734369714"/>
+        <p14:creationId xmlns:p14="http://schemas.microsoft.com/office/powerpoint/2010/main" xmlns="" val="3734369714"/>
       </p:ext>
     </p:extLst>
   </p:cSld>
@@ -4319,7 +4319,7 @@
     </p:spTree>
     <p:extLst>
       <p:ext uri="{BB962C8B-B14F-4D97-AF65-F5344CB8AC3E}">
-        <p14:creationId xmlns:p14="http://schemas.microsoft.com/office/powerpoint/2010/main" val="3362556280"/>
+        <p14:creationId xmlns:p14="http://schemas.microsoft.com/office/powerpoint/2010/main" xmlns="" val="3362556280"/>
       </p:ext>
     </p:extLst>
   </p:cSld>
@@ -4426,7 +4426,7 @@
     </p:spTree>
     <p:extLst>
       <p:ext uri="{BB962C8B-B14F-4D97-AF65-F5344CB8AC3E}">
-        <p14:creationId xmlns:p14="http://schemas.microsoft.com/office/powerpoint/2010/main" val="3764562394"/>
+        <p14:creationId xmlns:p14="http://schemas.microsoft.com/office/powerpoint/2010/main" xmlns="" val="3764562394"/>
       </p:ext>
     </p:extLst>
   </p:cSld>
@@ -4546,7 +4546,7 @@
     </p:spTree>
     <p:extLst>
       <p:ext uri="{BB962C8B-B14F-4D97-AF65-F5344CB8AC3E}">
-        <p14:creationId xmlns:p14="http://schemas.microsoft.com/office/powerpoint/2010/main" val="2820131871"/>
+        <p14:creationId xmlns:p14="http://schemas.microsoft.com/office/powerpoint/2010/main" xmlns="" val="2820131871"/>
       </p:ext>
     </p:extLst>
   </p:cSld>
@@ -4639,7 +4639,7 @@
         <p:spPr>
           <a:xfrm>
             <a:off x="838200" y="1690688"/>
-            <a:ext cx="5979695" cy="5909310"/>
+            <a:ext cx="5979695" cy="5478423"/>
           </a:xfrm>
           <a:prstGeom prst="rect">
             <a:avLst/>
@@ -4652,13 +4652,81 @@
           </a:bodyPr>
           <a:lstStyle/>
           <a:p>
+            <a:pPr marL="285750" indent="-285750"/>
+            <a:endParaRPr lang="en-GB" sz="2800" dirty="0" smtClean="0"/>
+          </a:p>
+          <a:p>
+            <a:pPr marL="285750" indent="-285750"/>
+            <a:r>
+              <a:rPr lang="en-GB" sz="2800" dirty="0" smtClean="0"/>
+              <a:t>Web </a:t>
+            </a:r>
+            <a:r>
+              <a:rPr lang="en-GB" sz="2800" dirty="0" smtClean="0"/>
+              <a:t>server</a:t>
+            </a:r>
+          </a:p>
+          <a:p>
+            <a:pPr marL="742950" lvl="1" indent="-285750">
+              <a:buFont typeface="Arial" panose="020B0604020202020204" pitchFamily="34" charset="0"/>
+              <a:buChar char="•"/>
+            </a:pPr>
+            <a:r>
+              <a:rPr lang="en-GB" sz="2800" dirty="0" err="1" smtClean="0"/>
+              <a:t>Bluemix</a:t>
+            </a:r>
+            <a:endParaRPr lang="en-GB" sz="2800" dirty="0" smtClean="0"/>
+          </a:p>
+          <a:p>
+            <a:pPr marL="742950" lvl="1" indent="-285750">
+              <a:buFont typeface="Arial" panose="020B0604020202020204" pitchFamily="34" charset="0"/>
+              <a:buChar char="•"/>
+            </a:pPr>
+            <a:r>
+              <a:rPr lang="en-GB" sz="2800" dirty="0" err="1" smtClean="0"/>
+              <a:t>Websphere</a:t>
+            </a:r>
+            <a:endParaRPr lang="en-GB" sz="2800" dirty="0"/>
+          </a:p>
+          <a:p>
+            <a:pPr marL="742950" lvl="1" indent="-285750">
+              <a:buFont typeface="Arial" panose="020B0604020202020204" pitchFamily="34" charset="0"/>
+              <a:buChar char="•"/>
+            </a:pPr>
+            <a:endParaRPr lang="en-GB" sz="2800" dirty="0" smtClean="0"/>
+          </a:p>
+          <a:p>
             <a:pPr marL="285750" indent="-285750">
               <a:buFont typeface="Arial" panose="020B0604020202020204" pitchFamily="34" charset="0"/>
               <a:buChar char="•"/>
             </a:pPr>
             <a:r>
               <a:rPr lang="en-GB" sz="2800" dirty="0" smtClean="0"/>
-              <a:t>User interaction</a:t>
+              <a:t>Database</a:t>
+            </a:r>
+          </a:p>
+          <a:p>
+            <a:pPr marL="742950" lvl="1" indent="-285750">
+              <a:buFont typeface="Arial" panose="020B0604020202020204" pitchFamily="34" charset="0"/>
+              <a:buChar char="•"/>
+            </a:pPr>
+            <a:r>
+              <a:rPr lang="en-GB" sz="2800" dirty="0" smtClean="0"/>
+              <a:t>DB2 – SQL</a:t>
+            </a:r>
+          </a:p>
+          <a:p>
+            <a:pPr marL="742950" lvl="1" indent="-285750">
+              <a:buFont typeface="Arial" panose="020B0604020202020204" pitchFamily="34" charset="0"/>
+              <a:buChar char="•"/>
+            </a:pPr>
+            <a:r>
+              <a:rPr lang="en-GB" sz="2800" dirty="0" err="1" smtClean="0"/>
+              <a:t>Cloudant</a:t>
+            </a:r>
+            <a:r>
+              <a:rPr lang="en-GB" sz="2800" dirty="0" smtClean="0"/>
+              <a:t>  - NoSQL</a:t>
             </a:r>
           </a:p>
           <a:p>
@@ -4666,128 +4734,48 @@
               <a:buFont typeface="Arial" panose="020B0604020202020204" pitchFamily="34" charset="0"/>
               <a:buChar char="•"/>
             </a:pPr>
-            <a:endParaRPr lang="en-GB" sz="2800" dirty="0" smtClean="0"/>
+            <a:endParaRPr lang="en-GB" dirty="0"/>
           </a:p>
           <a:p>
             <a:pPr marL="285750" indent="-285750">
               <a:buFont typeface="Arial" panose="020B0604020202020204" pitchFamily="34" charset="0"/>
               <a:buChar char="•"/>
             </a:pPr>
-            <a:r>
-              <a:rPr lang="en-GB" sz="2800" dirty="0" smtClean="0"/>
-              <a:t>Web server</a:t>
-            </a:r>
-          </a:p>
-          <a:p>
-            <a:pPr marL="742950" lvl="1" indent="-285750">
-              <a:buFont typeface="Arial" panose="020B0604020202020204" pitchFamily="34" charset="0"/>
-              <a:buChar char="•"/>
-            </a:pPr>
-            <a:r>
-              <a:rPr lang="en-GB" sz="2800" dirty="0" err="1" smtClean="0"/>
-              <a:t>Bluemix</a:t>
-            </a:r>
-            <a:endParaRPr lang="en-GB" sz="2800" dirty="0" smtClean="0"/>
-          </a:p>
-          <a:p>
-            <a:pPr marL="742950" lvl="1" indent="-285750">
-              <a:buFont typeface="Arial" panose="020B0604020202020204" pitchFamily="34" charset="0"/>
-              <a:buChar char="•"/>
-            </a:pPr>
-            <a:r>
-              <a:rPr lang="en-GB" sz="2800" dirty="0" err="1" smtClean="0"/>
-              <a:t>Websphere</a:t>
-            </a:r>
-            <a:endParaRPr lang="en-GB" sz="2800" dirty="0"/>
-          </a:p>
-          <a:p>
-            <a:pPr marL="742950" lvl="1" indent="-285750">
-              <a:buFont typeface="Arial" panose="020B0604020202020204" pitchFamily="34" charset="0"/>
-              <a:buChar char="•"/>
-            </a:pPr>
-            <a:endParaRPr lang="en-GB" sz="2800" dirty="0" smtClean="0"/>
+            <a:endParaRPr lang="en-GB" dirty="0" smtClean="0"/>
           </a:p>
           <a:p>
             <a:pPr marL="285750" indent="-285750">
               <a:buFont typeface="Arial" panose="020B0604020202020204" pitchFamily="34" charset="0"/>
               <a:buChar char="•"/>
             </a:pPr>
-            <a:r>
-              <a:rPr lang="en-GB" sz="2800" dirty="0" smtClean="0"/>
-              <a:t>Database</a:t>
-            </a:r>
-          </a:p>
-          <a:p>
-            <a:pPr marL="742950" lvl="1" indent="-285750">
-              <a:buFont typeface="Arial" panose="020B0604020202020204" pitchFamily="34" charset="0"/>
-              <a:buChar char="•"/>
-            </a:pPr>
-            <a:r>
-              <a:rPr lang="en-GB" sz="2800" dirty="0" smtClean="0"/>
-              <a:t>DB2 – SQL</a:t>
-            </a:r>
-          </a:p>
-          <a:p>
-            <a:pPr marL="742950" lvl="1" indent="-285750">
-              <a:buFont typeface="Arial" panose="020B0604020202020204" pitchFamily="34" charset="0"/>
-              <a:buChar char="•"/>
-            </a:pPr>
-            <a:r>
-              <a:rPr lang="en-GB" sz="2800" dirty="0" err="1" smtClean="0"/>
-              <a:t>Cloudant</a:t>
-            </a:r>
-            <a:r>
-              <a:rPr lang="en-GB" sz="2800" dirty="0" smtClean="0"/>
-              <a:t>  - NoSQL</a:t>
-            </a:r>
+            <a:endParaRPr lang="en-GB" dirty="0"/>
           </a:p>
           <a:p>
             <a:pPr marL="285750" indent="-285750">
               <a:buFont typeface="Arial" panose="020B0604020202020204" pitchFamily="34" charset="0"/>
               <a:buChar char="•"/>
             </a:pPr>
-            <a:endParaRPr lang="en-GB" dirty="0"/>
+            <a:endParaRPr lang="en-GB" dirty="0" smtClean="0"/>
           </a:p>
           <a:p>
             <a:pPr marL="285750" indent="-285750">
               <a:buFont typeface="Arial" panose="020B0604020202020204" pitchFamily="34" charset="0"/>
               <a:buChar char="•"/>
             </a:pPr>
-            <a:endParaRPr lang="en-GB" dirty="0" smtClean="0"/>
+            <a:endParaRPr lang="en-GB" dirty="0"/>
           </a:p>
           <a:p>
             <a:pPr marL="285750" indent="-285750">
               <a:buFont typeface="Arial" panose="020B0604020202020204" pitchFamily="34" charset="0"/>
               <a:buChar char="•"/>
             </a:pPr>
-            <a:endParaRPr lang="en-GB" dirty="0"/>
+            <a:endParaRPr lang="en-GB" dirty="0" smtClean="0"/>
           </a:p>
           <a:p>
             <a:pPr marL="285750" indent="-285750">
               <a:buFont typeface="Arial" panose="020B0604020202020204" pitchFamily="34" charset="0"/>
               <a:buChar char="•"/>
             </a:pPr>
-            <a:endParaRPr lang="en-GB" dirty="0" smtClean="0"/>
-          </a:p>
-          <a:p>
-            <a:pPr marL="285750" indent="-285750">
-              <a:buFont typeface="Arial" panose="020B0604020202020204" pitchFamily="34" charset="0"/>
-              <a:buChar char="•"/>
-            </a:pPr>
-            <a:endParaRPr lang="en-GB" dirty="0"/>
-          </a:p>
-          <a:p>
-            <a:pPr marL="285750" indent="-285750">
-              <a:buFont typeface="Arial" panose="020B0604020202020204" pitchFamily="34" charset="0"/>
-              <a:buChar char="•"/>
-            </a:pPr>
-            <a:endParaRPr lang="en-GB" dirty="0" smtClean="0"/>
-          </a:p>
-          <a:p>
-            <a:pPr marL="285750" indent="-285750">
-              <a:buFont typeface="Arial" panose="020B0604020202020204" pitchFamily="34" charset="0"/>
-              <a:buChar char="•"/>
-            </a:pPr>
             <a:endParaRPr lang="en-GB" dirty="0"/>
           </a:p>
         </p:txBody>
@@ -4795,7 +4783,7 @@
     </p:spTree>
     <p:extLst>
       <p:ext uri="{BB962C8B-B14F-4D97-AF65-F5344CB8AC3E}">
-        <p14:creationId xmlns:p14="http://schemas.microsoft.com/office/powerpoint/2010/main" val="3083603140"/>
+        <p14:creationId xmlns:p14="http://schemas.microsoft.com/office/powerpoint/2010/main" xmlns="" val="3083603140"/>
       </p:ext>
     </p:extLst>
   </p:cSld>
@@ -4883,7 +4871,7 @@
     </p:spTree>
     <p:extLst>
       <p:ext uri="{BB962C8B-B14F-4D97-AF65-F5344CB8AC3E}">
-        <p14:creationId xmlns:p14="http://schemas.microsoft.com/office/powerpoint/2010/main" val="4091378975"/>
+        <p14:creationId xmlns:p14="http://schemas.microsoft.com/office/powerpoint/2010/main" xmlns="" val="4091378975"/>
       </p:ext>
     </p:extLst>
   </p:cSld>
@@ -4969,7 +4957,7 @@
     </p:spTree>
     <p:extLst>
       <p:ext uri="{BB962C8B-B14F-4D97-AF65-F5344CB8AC3E}">
-        <p14:creationId xmlns:p14="http://schemas.microsoft.com/office/powerpoint/2010/main" val="3107327857"/>
+        <p14:creationId xmlns:p14="http://schemas.microsoft.com/office/powerpoint/2010/main" xmlns="" val="3107327857"/>
       </p:ext>
     </p:extLst>
   </p:cSld>
@@ -5050,10 +5038,58 @@
           </a:ln>
         </p:spPr>
       </p:pic>
+      <p:sp>
+        <p:nvSpPr>
+          <p:cNvPr id="5" name="Rektangel 4"/>
+          <p:cNvSpPr/>
+          <p:nvPr/>
+        </p:nvSpPr>
+        <p:spPr>
+          <a:xfrm>
+            <a:off x="8180173" y="2067697"/>
+            <a:ext cx="683741" cy="263611"/>
+          </a:xfrm>
+          <a:prstGeom prst="rect">
+            <a:avLst/>
+          </a:prstGeom>
+          <a:solidFill>
+            <a:schemeClr val="bg1"/>
+          </a:solidFill>
+          <a:ln>
+            <a:solidFill>
+              <a:schemeClr val="bg1"/>
+            </a:solidFill>
+          </a:ln>
+        </p:spPr>
+        <p:style>
+          <a:lnRef idx="2">
+            <a:schemeClr val="accent1">
+              <a:shade val="50000"/>
+            </a:schemeClr>
+          </a:lnRef>
+          <a:fillRef idx="1">
+            <a:schemeClr val="accent1"/>
+          </a:fillRef>
+          <a:effectRef idx="0">
+            <a:schemeClr val="accent1"/>
+          </a:effectRef>
+          <a:fontRef idx="minor">
+            <a:schemeClr val="lt1"/>
+          </a:fontRef>
+        </p:style>
+        <p:txBody>
+          <a:bodyPr rtlCol="0" anchor="ctr"/>
+          <a:lstStyle/>
+          <a:p>
+            <a:pPr algn="ctr"/>
+            <a:endParaRPr lang="sv-SE"/>
+          </a:p>
+        </p:txBody>
+      </p:sp>
     </p:spTree>
     <p:extLst>
       <p:ext uri="{BB962C8B-B14F-4D97-AF65-F5344CB8AC3E}">
-        <p14:creationId xmlns:p14="http://schemas.microsoft.com/office/powerpoint/2010/main" val="3681579769"/>
+        <p14:creationId xmlns:p14="http://schemas.microsoft.com/office/powerpoint/2010/main" xmlns="" val="3681579769"/>
       </p:ext>
     </p:extLst>
   </p:cSld>
@@ -5112,7 +5148,7 @@
     </p:spTree>
     <p:extLst>
       <p:ext uri="{BB962C8B-B14F-4D97-AF65-F5344CB8AC3E}">
-        <p14:creationId xmlns:p14="http://schemas.microsoft.com/office/powerpoint/2010/main" val="4021292497"/>
+        <p14:creationId xmlns:p14="http://schemas.microsoft.com/office/powerpoint/2010/main" xmlns="" val="4021292497"/>
       </p:ext>
     </p:extLst>
   </p:cSld>
@@ -5271,7 +5307,7 @@
     </p:spTree>
     <p:extLst>
       <p:ext uri="{BB962C8B-B14F-4D97-AF65-F5344CB8AC3E}">
-        <p14:creationId xmlns:p14="http://schemas.microsoft.com/office/powerpoint/2010/main" val="1275132802"/>
+        <p14:creationId xmlns:p14="http://schemas.microsoft.com/office/powerpoint/2010/main" xmlns="" val="1275132802"/>
       </p:ext>
     </p:extLst>
   </p:cSld>
@@ -5536,7 +5572,7 @@
   <a:extraClrSchemeLst/>
   <a:extLst>
     <a:ext uri="{05A4C25C-085E-4340-85A3-A5531E510DB2}">
-      <thm15:themeFamily xmlns:thm15="http://schemas.microsoft.com/office/thememl/2012/main" name="Office Theme" id="{62F939B6-93AF-4DB8-9C6B-D6C7DFDC589F}" vid="{4A3C46E8-61CC-4603-A589-7422A47A8E4A}"/>
+      <thm15:themeFamily xmlns:thm15="http://schemas.microsoft.com/office/thememl/2012/main" xmlns="" name="Office Theme" id="{62F939B6-93AF-4DB8-9C6B-D6C7DFDC589F}" vid="{4A3C46E8-61CC-4603-A589-7422A47A8E4A}"/>
     </a:ext>
   </a:extLst>
 </a:theme>
